--- a/spring13/slides13/integral-estimate.pptx
+++ b/spring13/slides13/integral-estimate.pptx
@@ -5,10 +5,10 @@
     <p:sldMasterId id="2147483648" r:id="rId1"/>
   </p:sldMasterIdLst>
   <p:notesMasterIdLst>
-    <p:notesMasterId r:id="rId18"/>
+    <p:notesMasterId r:id="rId19"/>
   </p:notesMasterIdLst>
   <p:handoutMasterIdLst>
-    <p:handoutMasterId r:id="rId19"/>
+    <p:handoutMasterId r:id="rId20"/>
   </p:handoutMasterIdLst>
   <p:sldIdLst>
     <p:sldId id="371" r:id="rId2"/>
@@ -23,15 +23,16 @@
     <p:sldId id="396" r:id="rId11"/>
     <p:sldId id="401" r:id="rId12"/>
     <p:sldId id="409" r:id="rId13"/>
-    <p:sldId id="410" r:id="rId14"/>
-    <p:sldId id="411" r:id="rId15"/>
-    <p:sldId id="358" r:id="rId16"/>
-    <p:sldId id="406" r:id="rId17"/>
+    <p:sldId id="412" r:id="rId14"/>
+    <p:sldId id="410" r:id="rId15"/>
+    <p:sldId id="411" r:id="rId16"/>
+    <p:sldId id="358" r:id="rId17"/>
+    <p:sldId id="406" r:id="rId18"/>
   </p:sldIdLst>
   <p:sldSz cx="9144000" cy="6858000" type="screen4x3"/>
   <p:notesSz cx="9601200" cy="7315200"/>
   <p:custDataLst>
-    <p:tags r:id="rId21"/>
+    <p:tags r:id="rId22"/>
   </p:custDataLst>
   <p:defaultTextStyle>
     <a:defPPr>
@@ -1260,7 +1261,7 @@
               <a:pPr>
                 <a:defRPr/>
               </a:pPr>
-              <a:t>13</a:t>
+              <a:t>14</a:t>
             </a:fld>
             <a:endParaRPr lang="en-US"/>
           </a:p>
@@ -1347,7 +1348,7 @@
               <a:pPr>
                 <a:defRPr/>
               </a:pPr>
-              <a:t>14</a:t>
+              <a:t>15</a:t>
             </a:fld>
             <a:endParaRPr lang="en-US"/>
           </a:p>
@@ -1398,7 +1399,7 @@
             <a:fld id="{C9DF6BEA-BC14-4B3F-A9A8-8E330C6497AD}" type="slidenum">
               <a:rPr lang="en-US" smtClean="0"/>
               <a:pPr/>
-              <a:t>15</a:t>
+              <a:t>16</a:t>
             </a:fld>
             <a:endParaRPr lang="en-US" smtClean="0"/>
           </a:p>
@@ -1522,7 +1523,7 @@
               <a:pPr>
                 <a:defRPr/>
               </a:pPr>
-              <a:t>16</a:t>
+              <a:t>17</a:t>
             </a:fld>
             <a:endParaRPr lang="en-US"/>
           </a:p>
@@ -1875,7 +1876,7 @@
           <a:lstStyle/>
           <a:p>
             <a:pPr eaLnBrk="1" hangingPunct="1"/>
-            <a:endParaRPr lang="en-US" smtClean="0"/>
+            <a:endParaRPr lang="en-US" dirty="0" smtClean="0"/>
           </a:p>
         </p:txBody>
       </p:sp>
@@ -3312,22 +3313,16 @@
               <a:defRPr/>
             </a:pPr>
             <a:r>
-              <a:rPr lang="en-US" sz="1200" dirty="0" err="1">
+              <a:rPr lang="en-US" sz="1200" dirty="0" err="1" smtClean="0">
                 <a:latin typeface="Comic Sans MS" pitchFamily="66" charset="0"/>
               </a:rPr>
-              <a:t>lec</a:t>
-            </a:r>
-            <a:r>
-              <a:rPr lang="en-US" sz="1200" dirty="0">
-                <a:latin typeface="Comic Sans MS" pitchFamily="66" charset="0"/>
-              </a:rPr>
-              <a:t> </a:t>
+              <a:t>integralsum</a:t>
             </a:r>
             <a:r>
               <a:rPr lang="en-US" sz="1200" dirty="0" smtClean="0">
                 <a:latin typeface="Comic Sans MS" pitchFamily="66" charset="0"/>
               </a:rPr>
-              <a:t>8F.</a:t>
+              <a:t>.</a:t>
             </a:r>
             <a:fld id="{CE304688-B858-4773-B640-F1307E7715AE}" type="slidenum">
               <a:rPr lang="en-US" sz="1200" smtClean="0">
@@ -3427,7 +3422,22 @@
                 <a:uFillTx/>
                 <a:latin typeface="Comic Sans MS" pitchFamily="66" charset="0"/>
               </a:rPr>
-              <a:t>Albert R Meyer,             April 6, 2012</a:t>
+              <a:t>Albert R Meyer,             April </a:t>
+            </a:r>
+            <a:r>
+              <a:rPr kumimoji="0" lang="en-US" sz="1200" b="0" i="0" u="none" strike="noStrike" kern="1200" cap="none" spc="0" normalizeH="0" baseline="0" noProof="0" dirty="0" smtClean="0">
+                <a:ln>
+                  <a:noFill/>
+                </a:ln>
+                <a:solidFill>
+                  <a:schemeClr val="tx1"/>
+                </a:solidFill>
+                <a:effectLst/>
+                <a:uLnTx/>
+                <a:uFillTx/>
+                <a:latin typeface="Comic Sans MS" pitchFamily="66" charset="0"/>
+              </a:rPr>
+              <a:t>10, 2013</a:t>
             </a:r>
             <a:endParaRPr kumimoji="0" lang="en-US" sz="1200" b="0" i="0" u="none" strike="noStrike" kern="1200" cap="none" spc="0" normalizeH="0" baseline="0" noProof="0" dirty="0">
               <a:ln>
@@ -5308,7 +5318,7 @@
           <a:graphicData uri="http://schemas.openxmlformats.org/presentationml/2006/ole">
             <mc:AlternateContent xmlns:mc="http://schemas.openxmlformats.org/markup-compatibility/2006">
               <mc:Choice xmlns:v="urn:schemas-microsoft-com:vml" Requires="v">
-                <p:oleObj spid="_x0000_s104485" name="Equation" r:id="rId5" imgW="164880" imgH="419040" progId="Equation.DSMT4">
+                <p:oleObj spid="_x0000_s104491" name="Equation" r:id="rId5" imgW="164880" imgH="419040" progId="Equation.DSMT4">
                   <p:embed/>
                 </p:oleObj>
               </mc:Choice>
@@ -5370,13 +5380,13 @@
   <p:clrMapOvr>
     <a:masterClrMapping/>
   </p:clrMapOvr>
-  <mc:AlternateContent xmlns:mc="http://schemas.openxmlformats.org/markup-compatibility/2006">
-    <mc:Choice xmlns:p14="http://schemas.microsoft.com/office/powerpoint/2010/main" Requires="p14">
+  <mc:AlternateContent xmlns:mc="http://schemas.openxmlformats.org/markup-compatibility/2006" xmlns:p14="http://schemas.microsoft.com/office/powerpoint/2010/main">
+    <mc:Choice Requires="p14">
       <p:transition spd="slow" p14:dur="1300" advTm="39015">
         <p:fade thruBlk="1"/>
       </p:transition>
     </mc:Choice>
-    <mc:Fallback>
+    <mc:Fallback xmlns="">
       <p:transition xmlns:p14="http://schemas.microsoft.com/office/powerpoint/2010/main" spd="slow" advTm="39015">
         <p:fade thruBlk="1"/>
       </p:transition>
@@ -5586,28 +5596,588 @@
           <a:chExt cx="0" cy="0"/>
         </a:xfrm>
       </p:grpSpPr>
+      <p:sp>
+        <p:nvSpPr>
+          <p:cNvPr id="2" name="Title 1"/>
+          <p:cNvSpPr>
+            <a:spLocks noGrp="1"/>
+          </p:cNvSpPr>
+          <p:nvPr>
+            <p:ph type="title"/>
+          </p:nvPr>
+        </p:nvSpPr>
+        <p:spPr/>
+        <p:txBody>
+          <a:bodyPr/>
+          <a:lstStyle/>
+          <a:p>
+            <a:r>
+              <a:rPr lang="en-US" dirty="0" smtClean="0"/>
+              <a:t>Integral Sum Bounds</a:t>
+            </a:r>
+            <a:endParaRPr lang="en-US" dirty="0"/>
+          </a:p>
+        </p:txBody>
+      </p:sp>
+      <p:sp>
+        <p:nvSpPr>
+          <p:cNvPr id="3" name="Content Placeholder 2"/>
+          <p:cNvSpPr>
+            <a:spLocks noGrp="1"/>
+          </p:cNvSpPr>
+          <p:nvPr>
+            <p:ph idx="1"/>
+          </p:nvPr>
+        </p:nvSpPr>
+        <p:spPr>
+          <a:xfrm>
+            <a:off x="381000" y="1219200"/>
+            <a:ext cx="8305800" cy="4800600"/>
+          </a:xfrm>
+        </p:spPr>
+        <p:txBody>
+          <a:bodyPr/>
+          <a:lstStyle/>
+          <a:p>
+            <a:r>
+              <a:rPr lang="en-US" sz="4800" dirty="0"/>
+              <a:t>Let </a:t>
+            </a:r>
+            <a:r>
+              <a:rPr lang="en-US" sz="4800" dirty="0" smtClean="0"/>
+              <a:t>                  be </a:t>
+            </a:r>
+            <a:r>
+              <a:rPr lang="en-US" sz="4800" dirty="0"/>
+              <a:t>a weakly </a:t>
+            </a:r>
+            <a:endParaRPr lang="en-US" sz="4800" dirty="0" smtClean="0"/>
+          </a:p>
+          <a:p>
+            <a:r>
+              <a:rPr lang="en-US" sz="4800" dirty="0" smtClean="0"/>
+              <a:t>decreasing </a:t>
+            </a:r>
+            <a:r>
+              <a:rPr lang="en-US" sz="4800" dirty="0"/>
+              <a:t>function</a:t>
+            </a:r>
+            <a:r>
+              <a:rPr lang="en-US" sz="4800" dirty="0" smtClean="0"/>
+              <a:t>.</a:t>
+            </a:r>
+            <a:r>
+              <a:rPr lang="en-US" dirty="0" smtClean="0"/>
+              <a:t>        </a:t>
+            </a:r>
+            <a:endParaRPr lang="en-US" dirty="0"/>
+          </a:p>
+        </p:txBody>
+      </p:sp>
+      <p:graphicFrame>
+        <p:nvGraphicFramePr>
+          <p:cNvPr id="4" name="Object 3"/>
+          <p:cNvGraphicFramePr>
+            <a:graphicFrameLocks noChangeAspect="1"/>
+          </p:cNvGraphicFramePr>
+          <p:nvPr>
+            <p:extLst>
+              <p:ext uri="{D42A27DB-BD31-4B8C-83A1-F6EECF244321}">
+                <p14:modId xmlns:p14="http://schemas.microsoft.com/office/powerpoint/2010/main" val="104294210"/>
+              </p:ext>
+            </p:extLst>
+          </p:nvPr>
+        </p:nvGraphicFramePr>
+        <p:xfrm>
+          <a:off x="304800" y="2667000"/>
+          <a:ext cx="8128000" cy="1857375"/>
+        </p:xfrm>
+        <a:graphic>
+          <a:graphicData uri="http://schemas.openxmlformats.org/presentationml/2006/ole">
+            <mc:AlternateContent xmlns:mc="http://schemas.openxmlformats.org/markup-compatibility/2006">
+              <mc:Choice xmlns:v="urn:schemas-microsoft-com:vml" Requires="v">
+                <p:oleObj spid="_x0000_s1034" name="Equation" r:id="rId3" imgW="2057400" imgH="469900" progId="Equation.DSMT4">
+                  <p:embed/>
+                </p:oleObj>
+              </mc:Choice>
+              <mc:Fallback>
+                <p:oleObj name="Equation" r:id="rId3" imgW="2057400" imgH="469900" progId="Equation.DSMT4">
+                  <p:embed/>
+                  <p:pic>
+                    <p:nvPicPr>
+                      <p:cNvPr id="0" name=""/>
+                      <p:cNvPicPr/>
+                      <p:nvPr/>
+                    </p:nvPicPr>
+                    <p:blipFill>
+                      <a:blip r:embed="rId4"/>
+                      <a:stretch>
+                        <a:fillRect/>
+                      </a:stretch>
+                    </p:blipFill>
+                    <p:spPr>
+                      <a:xfrm>
+                        <a:off x="304800" y="2667000"/>
+                        <a:ext cx="8128000" cy="1857375"/>
+                      </a:xfrm>
+                      <a:prstGeom prst="rect">
+                        <a:avLst/>
+                      </a:prstGeom>
+                    </p:spPr>
+                  </p:pic>
+                </p:oleObj>
+              </mc:Fallback>
+            </mc:AlternateContent>
+          </a:graphicData>
+        </a:graphic>
+      </p:graphicFrame>
+      <p:graphicFrame>
+        <p:nvGraphicFramePr>
+          <p:cNvPr id="5" name="Object 4"/>
+          <p:cNvGraphicFramePr>
+            <a:graphicFrameLocks noChangeAspect="1"/>
+          </p:cNvGraphicFramePr>
+          <p:nvPr>
+            <p:extLst>
+              <p:ext uri="{D42A27DB-BD31-4B8C-83A1-F6EECF244321}">
+                <p14:modId xmlns:p14="http://schemas.microsoft.com/office/powerpoint/2010/main" val="2285713360"/>
+              </p:ext>
+            </p:extLst>
+          </p:nvPr>
+        </p:nvGraphicFramePr>
+        <p:xfrm>
+          <a:off x="1106488" y="4572000"/>
+          <a:ext cx="6911975" cy="987425"/>
+        </p:xfrm>
+        <a:graphic>
+          <a:graphicData uri="http://schemas.openxmlformats.org/presentationml/2006/ole">
+            <mc:AlternateContent xmlns:mc="http://schemas.openxmlformats.org/markup-compatibility/2006">
+              <mc:Choice xmlns:v="urn:schemas-microsoft-com:vml" Requires="v">
+                <p:oleObj spid="_x0000_s1035" name="Equation" r:id="rId5" imgW="1511300" imgH="215900" progId="Equation.DSMT4">
+                  <p:embed/>
+                </p:oleObj>
+              </mc:Choice>
+              <mc:Fallback>
+                <p:oleObj name="Equation" r:id="rId5" imgW="1511300" imgH="215900" progId="Equation.DSMT4">
+                  <p:embed/>
+                  <p:pic>
+                    <p:nvPicPr>
+                      <p:cNvPr id="0" name=""/>
+                      <p:cNvPicPr/>
+                      <p:nvPr/>
+                    </p:nvPicPr>
+                    <p:blipFill>
+                      <a:blip r:embed="rId6"/>
+                      <a:stretch>
+                        <a:fillRect/>
+                      </a:stretch>
+                    </p:blipFill>
+                    <p:spPr>
+                      <a:xfrm>
+                        <a:off x="1106488" y="4572000"/>
+                        <a:ext cx="6911975" cy="987425"/>
+                      </a:xfrm>
+                      <a:prstGeom prst="rect">
+                        <a:avLst/>
+                      </a:prstGeom>
+                    </p:spPr>
+                  </p:pic>
+                </p:oleObj>
+              </mc:Fallback>
+            </mc:AlternateContent>
+          </a:graphicData>
+        </a:graphic>
+      </p:graphicFrame>
+      <p:graphicFrame>
+        <p:nvGraphicFramePr>
+          <p:cNvPr id="6" name="Object 5"/>
+          <p:cNvGraphicFramePr>
+            <a:graphicFrameLocks noChangeAspect="1"/>
+          </p:cNvGraphicFramePr>
+          <p:nvPr>
+            <p:extLst>
+              <p:ext uri="{D42A27DB-BD31-4B8C-83A1-F6EECF244321}">
+                <p14:modId xmlns:p14="http://schemas.microsoft.com/office/powerpoint/2010/main" val="379109895"/>
+              </p:ext>
+            </p:extLst>
+          </p:nvPr>
+        </p:nvGraphicFramePr>
+        <p:xfrm>
+          <a:off x="1524000" y="1143000"/>
+          <a:ext cx="3301999" cy="914400"/>
+        </p:xfrm>
+        <a:graphic>
+          <a:graphicData uri="http://schemas.openxmlformats.org/presentationml/2006/ole">
+            <mc:AlternateContent xmlns:mc="http://schemas.openxmlformats.org/markup-compatibility/2006">
+              <mc:Choice xmlns:v="urn:schemas-microsoft-com:vml" Requires="v">
+                <p:oleObj spid="_x0000_s1036" name="Equation" r:id="rId7" imgW="825500" imgH="228600" progId="Equation.DSMT4">
+                  <p:embed/>
+                </p:oleObj>
+              </mc:Choice>
+              <mc:Fallback>
+                <p:oleObj name="Equation" r:id="rId7" imgW="825500" imgH="228600" progId="Equation.DSMT4">
+                  <p:embed/>
+                  <p:pic>
+                    <p:nvPicPr>
+                      <p:cNvPr id="0" name=""/>
+                      <p:cNvPicPr/>
+                      <p:nvPr/>
+                    </p:nvPicPr>
+                    <p:blipFill>
+                      <a:blip r:embed="rId8"/>
+                      <a:stretch>
+                        <a:fillRect/>
+                      </a:stretch>
+                    </p:blipFill>
+                    <p:spPr>
+                      <a:xfrm>
+                        <a:off x="1524000" y="1143000"/>
+                        <a:ext cx="3301999" cy="914400"/>
+                      </a:xfrm>
+                      <a:prstGeom prst="rect">
+                        <a:avLst/>
+                      </a:prstGeom>
+                    </p:spPr>
+                  </p:pic>
+                </p:oleObj>
+              </mc:Fallback>
+            </mc:AlternateContent>
+          </a:graphicData>
+        </a:graphic>
+      </p:graphicFrame>
+    </p:spTree>
+    <p:extLst>
+      <p:ext uri="{BB962C8B-B14F-4D97-AF65-F5344CB8AC3E}">
+        <p14:creationId xmlns:p14="http://schemas.microsoft.com/office/powerpoint/2010/main" val="1994735010"/>
+      </p:ext>
+    </p:extLst>
+  </p:cSld>
+  <p:clrMapOvr>
+    <a:masterClrMapping/>
+  </p:clrMapOvr>
+  <p:timing>
+    <p:tnLst>
+      <p:par>
+        <p:cTn xmlns:p14="http://schemas.microsoft.com/office/powerpoint/2010/main" id="1" dur="indefinite" restart="never" nodeType="tmRoot">
+          <p:childTnLst>
+            <p:seq concurrent="1" nextAc="seek">
+              <p:cTn id="2" dur="indefinite" nodeType="mainSeq">
+                <p:childTnLst>
+                  <p:par>
+                    <p:cTn id="3" fill="hold">
+                      <p:stCondLst>
+                        <p:cond delay="indefinite"/>
+                      </p:stCondLst>
+                      <p:childTnLst>
+                        <p:par>
+                          <p:cTn id="4" fill="hold">
+                            <p:stCondLst>
+                              <p:cond delay="0"/>
+                            </p:stCondLst>
+                            <p:childTnLst>
+                              <p:par>
+                                <p:cTn id="5" presetID="10" presetClass="entr" presetSubtype="0" fill="hold" nodeType="clickEffect">
+                                  <p:stCondLst>
+                                    <p:cond delay="0"/>
+                                  </p:stCondLst>
+                                  <p:childTnLst>
+                                    <p:set>
+                                      <p:cBhvr>
+                                        <p:cTn id="6" dur="1" fill="hold">
+                                          <p:stCondLst>
+                                            <p:cond delay="0"/>
+                                          </p:stCondLst>
+                                        </p:cTn>
+                                        <p:tgtEl>
+                                          <p:spTgt spid="3">
+                                            <p:txEl>
+                                              <p:pRg st="0" end="0"/>
+                                            </p:txEl>
+                                          </p:spTgt>
+                                        </p:tgtEl>
+                                        <p:attrNameLst>
+                                          <p:attrName>style.visibility</p:attrName>
+                                        </p:attrNameLst>
+                                      </p:cBhvr>
+                                      <p:to>
+                                        <p:strVal val="visible"/>
+                                      </p:to>
+                                    </p:set>
+                                    <p:animEffect transition="in" filter="fade">
+                                      <p:cBhvr>
+                                        <p:cTn id="7" dur="500"/>
+                                        <p:tgtEl>
+                                          <p:spTgt spid="3">
+                                            <p:txEl>
+                                              <p:pRg st="0" end="0"/>
+                                            </p:txEl>
+                                          </p:spTgt>
+                                        </p:tgtEl>
+                                      </p:cBhvr>
+                                    </p:animEffect>
+                                  </p:childTnLst>
+                                </p:cTn>
+                              </p:par>
+                              <p:par>
+                                <p:cTn id="8" presetID="10" presetClass="entr" presetSubtype="0" fill="hold" nodeType="withEffect">
+                                  <p:stCondLst>
+                                    <p:cond delay="0"/>
+                                  </p:stCondLst>
+                                  <p:childTnLst>
+                                    <p:set>
+                                      <p:cBhvr>
+                                        <p:cTn id="9" dur="1" fill="hold">
+                                          <p:stCondLst>
+                                            <p:cond delay="0"/>
+                                          </p:stCondLst>
+                                        </p:cTn>
+                                        <p:tgtEl>
+                                          <p:spTgt spid="6"/>
+                                        </p:tgtEl>
+                                        <p:attrNameLst>
+                                          <p:attrName>style.visibility</p:attrName>
+                                        </p:attrNameLst>
+                                      </p:cBhvr>
+                                      <p:to>
+                                        <p:strVal val="visible"/>
+                                      </p:to>
+                                    </p:set>
+                                    <p:animEffect transition="in" filter="fade">
+                                      <p:cBhvr>
+                                        <p:cTn id="10" dur="500"/>
+                                        <p:tgtEl>
+                                          <p:spTgt spid="6"/>
+                                        </p:tgtEl>
+                                      </p:cBhvr>
+                                    </p:animEffect>
+                                  </p:childTnLst>
+                                </p:cTn>
+                              </p:par>
+                              <p:par>
+                                <p:cTn id="11" presetID="10" presetClass="entr" presetSubtype="0" fill="hold" nodeType="withEffect">
+                                  <p:stCondLst>
+                                    <p:cond delay="0"/>
+                                  </p:stCondLst>
+                                  <p:childTnLst>
+                                    <p:set>
+                                      <p:cBhvr>
+                                        <p:cTn id="12" dur="1" fill="hold">
+                                          <p:stCondLst>
+                                            <p:cond delay="0"/>
+                                          </p:stCondLst>
+                                        </p:cTn>
+                                        <p:tgtEl>
+                                          <p:spTgt spid="3">
+                                            <p:txEl>
+                                              <p:pRg st="1" end="1"/>
+                                            </p:txEl>
+                                          </p:spTgt>
+                                        </p:tgtEl>
+                                        <p:attrNameLst>
+                                          <p:attrName>style.visibility</p:attrName>
+                                        </p:attrNameLst>
+                                      </p:cBhvr>
+                                      <p:to>
+                                        <p:strVal val="visible"/>
+                                      </p:to>
+                                    </p:set>
+                                    <p:animEffect transition="in" filter="fade">
+                                      <p:cBhvr>
+                                        <p:cTn id="13" dur="500"/>
+                                        <p:tgtEl>
+                                          <p:spTgt spid="3">
+                                            <p:txEl>
+                                              <p:pRg st="1" end="1"/>
+                                            </p:txEl>
+                                          </p:spTgt>
+                                        </p:tgtEl>
+                                      </p:cBhvr>
+                                    </p:animEffect>
+                                  </p:childTnLst>
+                                </p:cTn>
+                              </p:par>
+                            </p:childTnLst>
+                          </p:cTn>
+                        </p:par>
+                      </p:childTnLst>
+                    </p:cTn>
+                  </p:par>
+                  <p:par>
+                    <p:cTn id="14" fill="hold">
+                      <p:stCondLst>
+                        <p:cond delay="indefinite"/>
+                      </p:stCondLst>
+                      <p:childTnLst>
+                        <p:par>
+                          <p:cTn id="15" fill="hold">
+                            <p:stCondLst>
+                              <p:cond delay="0"/>
+                            </p:stCondLst>
+                            <p:childTnLst>
+                              <p:par>
+                                <p:cTn id="16" presetID="22" presetClass="entr" presetSubtype="8" fill="hold" nodeType="clickEffect">
+                                  <p:stCondLst>
+                                    <p:cond delay="0"/>
+                                  </p:stCondLst>
+                                  <p:childTnLst>
+                                    <p:set>
+                                      <p:cBhvr>
+                                        <p:cTn id="17" dur="1" fill="hold">
+                                          <p:stCondLst>
+                                            <p:cond delay="0"/>
+                                          </p:stCondLst>
+                                        </p:cTn>
+                                        <p:tgtEl>
+                                          <p:spTgt spid="4"/>
+                                        </p:tgtEl>
+                                        <p:attrNameLst>
+                                          <p:attrName>style.visibility</p:attrName>
+                                        </p:attrNameLst>
+                                      </p:cBhvr>
+                                      <p:to>
+                                        <p:strVal val="visible"/>
+                                      </p:to>
+                                    </p:set>
+                                    <p:animEffect transition="in" filter="wipe(left)">
+                                      <p:cBhvr>
+                                        <p:cTn id="18" dur="1000"/>
+                                        <p:tgtEl>
+                                          <p:spTgt spid="4"/>
+                                        </p:tgtEl>
+                                      </p:cBhvr>
+                                    </p:animEffect>
+                                  </p:childTnLst>
+                                </p:cTn>
+                              </p:par>
+                            </p:childTnLst>
+                          </p:cTn>
+                        </p:par>
+                      </p:childTnLst>
+                    </p:cTn>
+                  </p:par>
+                  <p:par>
+                    <p:cTn id="19" fill="hold">
+                      <p:stCondLst>
+                        <p:cond delay="indefinite"/>
+                      </p:stCondLst>
+                      <p:childTnLst>
+                        <p:par>
+                          <p:cTn id="20" fill="hold">
+                            <p:stCondLst>
+                              <p:cond delay="0"/>
+                            </p:stCondLst>
+                            <p:childTnLst>
+                              <p:par>
+                                <p:cTn id="21" presetID="22" presetClass="entr" presetSubtype="8" fill="hold" nodeType="clickEffect">
+                                  <p:stCondLst>
+                                    <p:cond delay="0"/>
+                                  </p:stCondLst>
+                                  <p:childTnLst>
+                                    <p:set>
+                                      <p:cBhvr>
+                                        <p:cTn id="22" dur="1" fill="hold">
+                                          <p:stCondLst>
+                                            <p:cond delay="0"/>
+                                          </p:stCondLst>
+                                        </p:cTn>
+                                        <p:tgtEl>
+                                          <p:spTgt spid="5"/>
+                                        </p:tgtEl>
+                                        <p:attrNameLst>
+                                          <p:attrName>style.visibility</p:attrName>
+                                        </p:attrNameLst>
+                                      </p:cBhvr>
+                                      <p:to>
+                                        <p:strVal val="visible"/>
+                                      </p:to>
+                                    </p:set>
+                                    <p:animEffect transition="in" filter="wipe(left)">
+                                      <p:cBhvr>
+                                        <p:cTn id="23" dur="1000"/>
+                                        <p:tgtEl>
+                                          <p:spTgt spid="5"/>
+                                        </p:tgtEl>
+                                      </p:cBhvr>
+                                    </p:animEffect>
+                                  </p:childTnLst>
+                                </p:cTn>
+                              </p:par>
+                            </p:childTnLst>
+                          </p:cTn>
+                        </p:par>
+                      </p:childTnLst>
+                    </p:cTn>
+                  </p:par>
+                </p:childTnLst>
+              </p:cTn>
+              <p:prevCondLst>
+                <p:cond evt="onPrev" delay="0">
+                  <p:tgtEl>
+                    <p:sldTgt/>
+                  </p:tgtEl>
+                </p:cond>
+              </p:prevCondLst>
+              <p:nextCondLst>
+                <p:cond evt="onNext" delay="0">
+                  <p:tgtEl>
+                    <p:sldTgt/>
+                  </p:tgtEl>
+                </p:cond>
+              </p:nextCondLst>
+            </p:seq>
+          </p:childTnLst>
+        </p:cTn>
+      </p:par>
+    </p:tnLst>
+  </p:timing>
+</p:sld>
+</file>
+
+<file path=ppt/slides/slide14.xml><?xml version="1.0" encoding="utf-8"?>
+<p:sld xmlns:a="http://schemas.openxmlformats.org/drawingml/2006/main" xmlns:r="http://schemas.openxmlformats.org/officeDocument/2006/relationships" xmlns:p="http://schemas.openxmlformats.org/presentationml/2006/main">
+  <p:cSld>
+    <p:spTree>
+      <p:nvGrpSpPr>
+        <p:cNvPr id="1" name=""/>
+        <p:cNvGrpSpPr/>
+        <p:nvPr/>
+      </p:nvGrpSpPr>
+      <p:grpSpPr>
+        <a:xfrm>
+          <a:off x="0" y="0"/>
+          <a:ext cx="0" cy="0"/>
+          <a:chOff x="0" y="0"/>
+          <a:chExt cx="0" cy="0"/>
+        </a:xfrm>
+      </p:grpSpPr>
       <p:graphicFrame>
         <p:nvGraphicFramePr>
           <p:cNvPr id="105474" name="Object 2"/>
           <p:cNvGraphicFramePr>
             <a:graphicFrameLocks noChangeAspect="1"/>
           </p:cNvGraphicFramePr>
-          <p:nvPr/>
+          <p:nvPr>
+            <p:extLst>
+              <p:ext uri="{D42A27DB-BD31-4B8C-83A1-F6EECF244321}">
+                <p14:modId xmlns:p14="http://schemas.microsoft.com/office/powerpoint/2010/main" val="3065823736"/>
+              </p:ext>
+            </p:extLst>
+          </p:nvPr>
         </p:nvGraphicFramePr>
         <p:xfrm>
-          <a:off x="1981200" y="1760049"/>
-          <a:ext cx="5140325" cy="3345351"/>
+          <a:off x="1654175" y="1582738"/>
+          <a:ext cx="5797550" cy="3702050"/>
         </p:xfrm>
         <a:graphic>
           <a:graphicData uri="http://schemas.openxmlformats.org/presentationml/2006/ole">
             <mc:AlternateContent xmlns:mc="http://schemas.openxmlformats.org/markup-compatibility/2006">
               <mc:Choice xmlns:v="urn:schemas-microsoft-com:vml" Requires="v">
-                <p:oleObj spid="_x0000_s105508" name="Equation" r:id="rId4" imgW="1091880" imgH="711000" progId="Equation.DSMT4">
+                <p:oleObj spid="_x0000_s105515" name="Equation" r:id="rId4" imgW="1231900" imgH="787400" progId="Equation.DSMT4">
                   <p:embed/>
                 </p:oleObj>
               </mc:Choice>
               <mc:Fallback>
-                <p:oleObj name="Equation" r:id="rId4" imgW="1091880" imgH="711000" progId="Equation.DSMT4">
+                <p:oleObj name="Equation" r:id="rId4" imgW="1231900" imgH="787400" progId="Equation.DSMT4">
                   <p:embed/>
                   <p:pic>
                     <p:nvPicPr>
@@ -5618,13 +6188,7 @@
                       <p:nvPr/>
                     </p:nvPicPr>
                     <p:blipFill>
-                      <a:blip r:embed="rId5">
-                        <a:extLst>
-                          <a:ext uri="{28A0092B-C50C-407E-A947-70E740481C1C}">
-                            <a14:useLocalDpi xmlns:a14="http://schemas.microsoft.com/office/drawing/2010/main" val="0"/>
-                          </a:ext>
-                        </a:extLst>
-                      </a:blip>
+                      <a:blip r:embed="rId5"/>
                       <a:srcRect/>
                       <a:stretch>
                         <a:fillRect/>
@@ -5632,8 +6196,8 @@
                     </p:blipFill>
                     <p:spPr bwMode="auto">
                       <a:xfrm>
-                        <a:off x="1981200" y="1760049"/>
-                        <a:ext cx="5140325" cy="3345351"/>
+                        <a:off x="1654175" y="1582738"/>
+                        <a:ext cx="5797550" cy="3702050"/>
                       </a:xfrm>
                       <a:prstGeom prst="rect">
                         <a:avLst/>
@@ -5823,7 +6387,7 @@
 </p:sld>
 </file>
 
-<file path=ppt/slides/slide14.xml><?xml version="1.0" encoding="utf-8"?>
+<file path=ppt/slides/slide15.xml><?xml version="1.0" encoding="utf-8"?>
 <p:sld xmlns:a="http://schemas.openxmlformats.org/drawingml/2006/main" xmlns:r="http://schemas.openxmlformats.org/officeDocument/2006/relationships" xmlns:p="http://schemas.openxmlformats.org/presentationml/2006/main">
   <p:cSld>
     <p:spTree>
@@ -6170,7 +6734,7 @@
 </p:sld>
 </file>
 
-<file path=ppt/slides/slide15.xml><?xml version="1.0" encoding="utf-8"?>
+<file path=ppt/slides/slide16.xml><?xml version="1.0" encoding="utf-8"?>
 <p:sld xmlns:a="http://schemas.openxmlformats.org/drawingml/2006/main" xmlns:r="http://schemas.openxmlformats.org/officeDocument/2006/relationships" xmlns:p="http://schemas.openxmlformats.org/presentationml/2006/main">
   <p:cSld>
     <p:spTree>
@@ -6235,7 +6799,7 @@
           <a:graphicData uri="http://schemas.openxmlformats.org/presentationml/2006/ole">
             <mc:AlternateContent xmlns:mc="http://schemas.openxmlformats.org/markup-compatibility/2006">
               <mc:Choice xmlns:v="urn:schemas-microsoft-com:vml" Requires="v">
-                <p:oleObj spid="_x0000_s24613" name="Equation" r:id="rId5" imgW="1104840" imgH="482400" progId="Equation.DSMT4">
+                <p:oleObj spid="_x0000_s24619" name="Equation" r:id="rId5" imgW="1104840" imgH="482400" progId="Equation.DSMT4">
                   <p:embed/>
                 </p:oleObj>
               </mc:Choice>
@@ -6541,7 +7105,7 @@
 </p:sld>
 </file>
 
-<file path=ppt/slides/slide16.xml><?xml version="1.0" encoding="utf-8"?>
+<file path=ppt/slides/slide17.xml><?xml version="1.0" encoding="utf-8"?>
 <p:sld xmlns:a="http://schemas.openxmlformats.org/drawingml/2006/main" xmlns:r="http://schemas.openxmlformats.org/officeDocument/2006/relationships" xmlns:p="http://schemas.openxmlformats.org/presentationml/2006/main">
   <p:cSld>
     <p:spTree>
@@ -6834,7 +7398,7 @@
           <a:graphicData uri="http://schemas.openxmlformats.org/presentationml/2006/ole">
             <mc:AlternateContent xmlns:mc="http://schemas.openxmlformats.org/markup-compatibility/2006">
               <mc:Choice xmlns:v="urn:schemas-microsoft-com:vml" Requires="v">
-                <p:oleObj spid="_x0000_s100389" name="Equation" r:id="rId5" imgW="1625400" imgH="444240" progId="Equation.DSMT4">
+                <p:oleObj spid="_x0000_s100395" name="Equation" r:id="rId5" imgW="1625400" imgH="444240" progId="Equation.DSMT4">
                   <p:embed/>
                 </p:oleObj>
               </mc:Choice>
@@ -7081,7 +7645,7 @@
           <a:graphicData uri="http://schemas.openxmlformats.org/presentationml/2006/ole">
             <mc:AlternateContent xmlns:mc="http://schemas.openxmlformats.org/markup-compatibility/2006">
               <mc:Choice xmlns:v="urn:schemas-microsoft-com:vml" Requires="v">
-                <p:oleObj spid="_x0000_s15397" name="Equation" r:id="rId5" imgW="1422400" imgH="419100" progId="Equation.3">
+                <p:oleObj spid="_x0000_s15403" name="Equation" r:id="rId5" imgW="1422400" imgH="419100" progId="Equation.3">
                   <p:embed/>
                 </p:oleObj>
               </mc:Choice>
@@ -9282,7 +9846,7 @@
           <a:graphicData uri="http://schemas.openxmlformats.org/presentationml/2006/ole">
             <mc:AlternateContent xmlns:mc="http://schemas.openxmlformats.org/markup-compatibility/2006">
               <mc:Choice xmlns:v="urn:schemas-microsoft-com:vml" Requires="v">
-                <p:oleObj spid="_x0000_s102439" name="Equation" r:id="rId5" imgW="1943100" imgH="495300" progId="Equation.DSMT4">
+                <p:oleObj spid="_x0000_s102445" name="Equation" r:id="rId5" imgW="1943100" imgH="495300" progId="Equation.DSMT4">
                   <p:embed/>
                 </p:oleObj>
               </mc:Choice>
@@ -9542,7 +10106,7 @@
           <a:graphicData uri="http://schemas.openxmlformats.org/presentationml/2006/ole">
             <mc:AlternateContent xmlns:mc="http://schemas.openxmlformats.org/markup-compatibility/2006">
               <mc:Choice xmlns:v="urn:schemas-microsoft-com:vml" Requires="v">
-                <p:oleObj spid="_x0000_s16419" name="Equation" r:id="rId4" imgW="1651000" imgH="1181100" progId="Equation.3">
+                <p:oleObj spid="_x0000_s16425" name="Equation" r:id="rId4" imgW="1651000" imgH="1181100" progId="Equation.3">
                   <p:embed/>
                 </p:oleObj>
               </mc:Choice>
@@ -9659,13 +10223,13 @@
   <p:clrMapOvr>
     <a:masterClrMapping/>
   </p:clrMapOvr>
-  <mc:AlternateContent xmlns:mc="http://schemas.openxmlformats.org/markup-compatibility/2006" xmlns:p14="http://schemas.microsoft.com/office/powerpoint/2010/main">
-    <mc:Choice Requires="p14">
+  <mc:AlternateContent xmlns:mc="http://schemas.openxmlformats.org/markup-compatibility/2006">
+    <mc:Choice xmlns:p14="http://schemas.microsoft.com/office/powerpoint/2010/main" Requires="p14">
       <p:transition spd="med" p14:dur="700">
         <p:fade/>
       </p:transition>
     </mc:Choice>
-    <mc:Fallback xmlns="">
+    <mc:Fallback>
       <p:transition xmlns:p14="http://schemas.microsoft.com/office/powerpoint/2010/main" spd="med">
         <p:fade/>
       </p:transition>
@@ -9799,7 +10363,7 @@
           <a:graphicData uri="http://schemas.openxmlformats.org/presentationml/2006/ole">
             <mc:AlternateContent xmlns:mc="http://schemas.openxmlformats.org/markup-compatibility/2006">
               <mc:Choice xmlns:v="urn:schemas-microsoft-com:vml" Requires="v">
-                <p:oleObj spid="_x0000_s103482" name="Equation" r:id="rId4" imgW="1816100" imgH="495300" progId="Equation.3">
+                <p:oleObj spid="_x0000_s103493" name="Equation" r:id="rId4" imgW="1816100" imgH="495300" progId="Equation.3">
                   <p:embed/>
                 </p:oleObj>
               </mc:Choice>
@@ -9863,7 +10427,7 @@
           <a:graphicData uri="http://schemas.openxmlformats.org/presentationml/2006/ole">
             <mc:AlternateContent xmlns:mc="http://schemas.openxmlformats.org/markup-compatibility/2006">
               <mc:Choice xmlns:v="urn:schemas-microsoft-com:vml" Requires="v">
-                <p:oleObj spid="_x0000_s103483" name="Equation" r:id="rId6" imgW="914400" imgH="469800" progId="Equation.DSMT4">
+                <p:oleObj spid="_x0000_s103494" name="Equation" r:id="rId6" imgW="914400" imgH="469800" progId="Equation.DSMT4">
                   <p:embed/>
                 </p:oleObj>
               </mc:Choice>
@@ -10085,13 +10649,13 @@
   <p:clrMapOvr>
     <a:masterClrMapping/>
   </p:clrMapOvr>
-  <mc:AlternateContent xmlns:mc="http://schemas.openxmlformats.org/markup-compatibility/2006" xmlns:p14="http://schemas.microsoft.com/office/powerpoint/2010/main">
-    <mc:Choice Requires="p14">
+  <mc:AlternateContent xmlns:mc="http://schemas.openxmlformats.org/markup-compatibility/2006">
+    <mc:Choice xmlns:p14="http://schemas.microsoft.com/office/powerpoint/2010/main" Requires="p14">
       <p:transition spd="med" p14:dur="700">
         <p:fade/>
       </p:transition>
     </mc:Choice>
-    <mc:Fallback xmlns="">
+    <mc:Fallback>
       <p:transition xmlns:p14="http://schemas.microsoft.com/office/powerpoint/2010/main" spd="med">
         <p:fade/>
       </p:transition>

--- a/spring13/slides13/integral-estimate.pptx
+++ b/spring13/slides13/integral-estimate.pptx
@@ -11,8 +11,8 @@
     <p:handoutMasterId r:id="rId20"/>
   </p:handoutMasterIdLst>
   <p:sldIdLst>
-    <p:sldId id="371" r:id="rId2"/>
-    <p:sldId id="334" r:id="rId3"/>
+    <p:sldId id="334" r:id="rId2"/>
+    <p:sldId id="371" r:id="rId3"/>
     <p:sldId id="306" r:id="rId4"/>
     <p:sldId id="407" r:id="rId5"/>
     <p:sldId id="324" r:id="rId6"/>
@@ -23,11 +23,11 @@
     <p:sldId id="396" r:id="rId11"/>
     <p:sldId id="401" r:id="rId12"/>
     <p:sldId id="409" r:id="rId13"/>
-    <p:sldId id="412" r:id="rId14"/>
-    <p:sldId id="410" r:id="rId15"/>
-    <p:sldId id="411" r:id="rId16"/>
-    <p:sldId id="358" r:id="rId17"/>
-    <p:sldId id="406" r:id="rId18"/>
+    <p:sldId id="410" r:id="rId14"/>
+    <p:sldId id="411" r:id="rId15"/>
+    <p:sldId id="358" r:id="rId16"/>
+    <p:sldId id="406" r:id="rId17"/>
+    <p:sldId id="412" r:id="rId18"/>
   </p:sldIdLst>
   <p:sldSz cx="9144000" cy="6858000" type="screen4x3"/>
   <p:notesSz cx="9601200" cy="7315200"/>
@@ -857,7 +857,7 @@
       </p:grpSpPr>
       <p:sp>
         <p:nvSpPr>
-          <p:cNvPr id="81922" name="Rectangle 7"/>
+          <p:cNvPr id="121858" name="Rectangle 7"/>
           <p:cNvSpPr>
             <a:spLocks noGrp="1" noChangeArrowheads="1"/>
           </p:cNvSpPr>
@@ -872,7 +872,7 @@
           <a:bodyPr/>
           <a:lstStyle/>
           <a:p>
-            <a:fld id="{9B56D692-5628-4B3B-B472-C956ADF091FA}" type="slidenum">
+            <a:fld id="{3D28F6C0-F4BB-495E-8DF2-695CD966C460}" type="slidenum">
               <a:rPr lang="en-US" smtClean="0"/>
               <a:pPr/>
               <a:t>1</a:t>
@@ -883,7 +883,7 @@
       </p:sp>
       <p:sp>
         <p:nvSpPr>
-          <p:cNvPr id="81923" name="Rectangle 2"/>
+          <p:cNvPr id="121859" name="Rectangle 2"/>
           <p:cNvSpPr>
             <a:spLocks noGrp="1" noRot="1" noChangeAspect="1" noChangeArrowheads="1" noTextEdit="1"/>
           </p:cNvSpPr>
@@ -897,7 +897,7 @@
       </p:sp>
       <p:sp>
         <p:nvSpPr>
-          <p:cNvPr id="81924" name="Rectangle 3"/>
+          <p:cNvPr id="121860" name="Rectangle 3"/>
           <p:cNvSpPr>
             <a:spLocks noGrp="1" noChangeArrowheads="1"/>
           </p:cNvSpPr>
@@ -914,7 +914,7 @@
           <a:lstStyle/>
           <a:p>
             <a:pPr eaLnBrk="1" hangingPunct="1"/>
-            <a:endParaRPr lang="en-US" dirty="0" smtClean="0"/>
+            <a:endParaRPr lang="en-US" smtClean="0"/>
           </a:p>
         </p:txBody>
       </p:sp>
@@ -1261,7 +1261,7 @@
               <a:pPr>
                 <a:defRPr/>
               </a:pPr>
-              <a:t>14</a:t>
+              <a:t>13</a:t>
             </a:fld>
             <a:endParaRPr lang="en-US"/>
           </a:p>
@@ -1348,7 +1348,7 @@
               <a:pPr>
                 <a:defRPr/>
               </a:pPr>
-              <a:t>15</a:t>
+              <a:t>14</a:t>
             </a:fld>
             <a:endParaRPr lang="en-US"/>
           </a:p>
@@ -1399,7 +1399,7 @@
             <a:fld id="{C9DF6BEA-BC14-4B3F-A9A8-8E330C6497AD}" type="slidenum">
               <a:rPr lang="en-US" smtClean="0"/>
               <a:pPr/>
-              <a:t>16</a:t>
+              <a:t>15</a:t>
             </a:fld>
             <a:endParaRPr lang="en-US" smtClean="0"/>
           </a:p>
@@ -1523,6 +1523,91 @@
               <a:pPr>
                 <a:defRPr/>
               </a:pPr>
+              <a:t>16</a:t>
+            </a:fld>
+            <a:endParaRPr lang="en-US"/>
+          </a:p>
+        </p:txBody>
+      </p:sp>
+    </p:spTree>
+  </p:cSld>
+  <p:clrMapOvr>
+    <a:masterClrMapping/>
+  </p:clrMapOvr>
+</p:notes>
+</file>
+
+<file path=ppt/notesSlides/notesSlide17.xml><?xml version="1.0" encoding="utf-8"?>
+<p:notes xmlns:a="http://schemas.openxmlformats.org/drawingml/2006/main" xmlns:r="http://schemas.openxmlformats.org/officeDocument/2006/relationships" xmlns:p="http://schemas.openxmlformats.org/presentationml/2006/main">
+  <p:cSld>
+    <p:spTree>
+      <p:nvGrpSpPr>
+        <p:cNvPr id="1" name=""/>
+        <p:cNvGrpSpPr/>
+        <p:nvPr/>
+      </p:nvGrpSpPr>
+      <p:grpSpPr>
+        <a:xfrm>
+          <a:off x="0" y="0"/>
+          <a:ext cx="0" cy="0"/>
+          <a:chOff x="0" y="0"/>
+          <a:chExt cx="0" cy="0"/>
+        </a:xfrm>
+      </p:grpSpPr>
+      <p:sp>
+        <p:nvSpPr>
+          <p:cNvPr id="2" name="Slide Image Placeholder 1"/>
+          <p:cNvSpPr>
+            <a:spLocks noGrp="1" noRot="1" noChangeAspect="1"/>
+          </p:cNvSpPr>
+          <p:nvPr>
+            <p:ph type="sldImg"/>
+          </p:nvPr>
+        </p:nvSpPr>
+        <p:spPr/>
+      </p:sp>
+      <p:sp>
+        <p:nvSpPr>
+          <p:cNvPr id="3" name="Notes Placeholder 2"/>
+          <p:cNvSpPr>
+            <a:spLocks noGrp="1"/>
+          </p:cNvSpPr>
+          <p:nvPr>
+            <p:ph type="body" idx="1"/>
+          </p:nvPr>
+        </p:nvSpPr>
+        <p:spPr/>
+        <p:txBody>
+          <a:bodyPr/>
+          <a:lstStyle/>
+          <a:p>
+            <a:endParaRPr lang="en-US"/>
+          </a:p>
+        </p:txBody>
+      </p:sp>
+      <p:sp>
+        <p:nvSpPr>
+          <p:cNvPr id="4" name="Slide Number Placeholder 3"/>
+          <p:cNvSpPr>
+            <a:spLocks noGrp="1"/>
+          </p:cNvSpPr>
+          <p:nvPr>
+            <p:ph type="sldNum" sz="quarter" idx="10"/>
+          </p:nvPr>
+        </p:nvSpPr>
+        <p:spPr/>
+        <p:txBody>
+          <a:bodyPr/>
+          <a:lstStyle/>
+          <a:p>
+            <a:pPr>
+              <a:defRPr/>
+            </a:pPr>
+            <a:fld id="{A861E01B-B7A2-4F15-B2C8-5F733AB038D0}" type="slidenum">
+              <a:rPr lang="en-US" smtClean="0"/>
+              <a:pPr>
+                <a:defRPr/>
+              </a:pPr>
               <a:t>17</a:t>
             </a:fld>
             <a:endParaRPr lang="en-US"/>
@@ -1530,6 +1615,11 @@
         </p:txBody>
       </p:sp>
     </p:spTree>
+    <p:extLst>
+      <p:ext uri="{BB962C8B-B14F-4D97-AF65-F5344CB8AC3E}">
+        <p14:creationId xmlns:p14="http://schemas.microsoft.com/office/powerpoint/2010/main" val="2408103339"/>
+      </p:ext>
+    </p:extLst>
   </p:cSld>
   <p:clrMapOvr>
     <a:masterClrMapping/>
@@ -1556,7 +1646,7 @@
       </p:grpSpPr>
       <p:sp>
         <p:nvSpPr>
-          <p:cNvPr id="121858" name="Rectangle 7"/>
+          <p:cNvPr id="81922" name="Rectangle 7"/>
           <p:cNvSpPr>
             <a:spLocks noGrp="1" noChangeArrowheads="1"/>
           </p:cNvSpPr>
@@ -1571,7 +1661,7 @@
           <a:bodyPr/>
           <a:lstStyle/>
           <a:p>
-            <a:fld id="{3D28F6C0-F4BB-495E-8DF2-695CD966C460}" type="slidenum">
+            <a:fld id="{9B56D692-5628-4B3B-B472-C956ADF091FA}" type="slidenum">
               <a:rPr lang="en-US" smtClean="0"/>
               <a:pPr/>
               <a:t>2</a:t>
@@ -1582,7 +1672,7 @@
       </p:sp>
       <p:sp>
         <p:nvSpPr>
-          <p:cNvPr id="121859" name="Rectangle 2"/>
+          <p:cNvPr id="81923" name="Rectangle 2"/>
           <p:cNvSpPr>
             <a:spLocks noGrp="1" noRot="1" noChangeAspect="1" noChangeArrowheads="1" noTextEdit="1"/>
           </p:cNvSpPr>
@@ -1596,7 +1686,7 @@
       </p:sp>
       <p:sp>
         <p:nvSpPr>
-          <p:cNvPr id="121860" name="Rectangle 3"/>
+          <p:cNvPr id="81924" name="Rectangle 3"/>
           <p:cNvSpPr>
             <a:spLocks noGrp="1" noChangeArrowheads="1"/>
           </p:cNvSpPr>
@@ -1613,7 +1703,7 @@
           <a:lstStyle/>
           <a:p>
             <a:pPr eaLnBrk="1" hangingPunct="1"/>
-            <a:endParaRPr lang="en-US" smtClean="0"/>
+            <a:endParaRPr lang="en-US" dirty="0" smtClean="0"/>
           </a:p>
         </p:txBody>
       </p:sp>
@@ -3422,22 +3512,7 @@
                 <a:uFillTx/>
                 <a:latin typeface="Comic Sans MS" pitchFamily="66" charset="0"/>
               </a:rPr>
-              <a:t>Albert R Meyer,             April </a:t>
-            </a:r>
-            <a:r>
-              <a:rPr kumimoji="0" lang="en-US" sz="1200" b="0" i="0" u="none" strike="noStrike" kern="1200" cap="none" spc="0" normalizeH="0" baseline="0" noProof="0" dirty="0" smtClean="0">
-                <a:ln>
-                  <a:noFill/>
-                </a:ln>
-                <a:solidFill>
-                  <a:schemeClr val="tx1"/>
-                </a:solidFill>
-                <a:effectLst/>
-                <a:uLnTx/>
-                <a:uFillTx/>
-                <a:latin typeface="Comic Sans MS" pitchFamily="66" charset="0"/>
-              </a:rPr>
-              <a:t>10, 2013</a:t>
+              <a:t>Albert R Meyer,             April 10, 2013</a:t>
             </a:r>
             <a:endParaRPr kumimoji="0" lang="en-US" sz="1200" b="0" i="0" u="none" strike="noStrike" kern="1200" cap="none" spc="0" normalizeH="0" baseline="0" noProof="0" dirty="0">
               <a:ln>
@@ -3886,41 +3961,79 @@
           <a:chExt cx="0" cy="0"/>
         </a:xfrm>
       </p:grpSpPr>
-      <p:sp>
-        <p:nvSpPr>
-          <p:cNvPr id="39939" name="Rectangle 2"/>
-          <p:cNvSpPr>
-            <a:spLocks noGrp="1" noChangeArrowheads="1"/>
-          </p:cNvSpPr>
+      <p:graphicFrame>
+        <p:nvGraphicFramePr>
+          <p:cNvPr id="15362" name="Object 4"/>
+          <p:cNvGraphicFramePr>
+            <a:graphicFrameLocks noChangeAspect="1"/>
+          </p:cNvGraphicFramePr>
           <p:nvPr>
-            <p:ph type="subTitle" idx="1"/>
+            <p:extLst>
+              <p:ext uri="{D42A27DB-BD31-4B8C-83A1-F6EECF244321}">
+                <p14:modId xmlns:p14="http://schemas.microsoft.com/office/powerpoint/2010/main" val="3017057267"/>
+              </p:ext>
+            </p:extLst>
           </p:nvPr>
-        </p:nvSpPr>
-        <p:spPr>
-          <a:xfrm>
-            <a:off x="228600" y="1905000"/>
-            <a:ext cx="8534400" cy="3048000"/>
-          </a:xfrm>
-        </p:spPr>
-        <p:txBody>
-          <a:bodyPr/>
-          <a:lstStyle/>
-          <a:p>
-            <a:pPr eaLnBrk="1" hangingPunct="1"/>
-            <a:r>
-              <a:rPr lang="en-US" sz="8000" dirty="0" smtClean="0">
-                <a:solidFill>
-                  <a:schemeClr val="tx2"/>
-                </a:solidFill>
-              </a:rPr>
-              <a:t>Integral Method for Sums</a:t>
-            </a:r>
-          </a:p>
-        </p:txBody>
-      </p:sp>
-      <p:sp>
-        <p:nvSpPr>
-          <p:cNvPr id="39940" name="Text Box 3"/>
+        </p:nvGraphicFramePr>
+        <p:xfrm>
+          <a:off x="1047750" y="1003300"/>
+          <a:ext cx="7113588" cy="2095500"/>
+        </p:xfrm>
+        <a:graphic>
+          <a:graphicData uri="http://schemas.openxmlformats.org/presentationml/2006/ole">
+            <mc:AlternateContent xmlns:mc="http://schemas.openxmlformats.org/markup-compatibility/2006">
+              <mc:Choice xmlns:v="urn:schemas-microsoft-com:vml" Requires="v">
+                <p:oleObj spid="_x0000_s15411" name="Equation" r:id="rId5" imgW="1422400" imgH="419100" progId="Equation.3">
+                  <p:embed/>
+                </p:oleObj>
+              </mc:Choice>
+              <mc:Fallback>
+                <p:oleObj name="Equation" r:id="rId5" imgW="1422400" imgH="419100" progId="Equation.3">
+                  <p:embed/>
+                  <p:pic>
+                    <p:nvPicPr>
+                      <p:cNvPr id="0" name="Object 4"/>
+                      <p:cNvPicPr>
+                        <a:picLocks noChangeAspect="1" noChangeArrowheads="1"/>
+                      </p:cNvPicPr>
+                      <p:nvPr/>
+                    </p:nvPicPr>
+                    <p:blipFill>
+                      <a:blip r:embed="rId6"/>
+                      <a:srcRect/>
+                      <a:stretch>
+                        <a:fillRect/>
+                      </a:stretch>
+                    </p:blipFill>
+                    <p:spPr bwMode="auto">
+                      <a:xfrm>
+                        <a:off x="1047750" y="1003300"/>
+                        <a:ext cx="7113588" cy="2095500"/>
+                      </a:xfrm>
+                      <a:prstGeom prst="rect">
+                        <a:avLst/>
+                      </a:prstGeom>
+                      <a:noFill/>
+                      <a:extLst>
+                        <a:ext uri="{909E8E84-426E-40dd-AFC4-6F175D3DCCD1}">
+                          <a14:hiddenFill xmlns:a14="http://schemas.microsoft.com/office/drawing/2010/main">
+                            <a:solidFill>
+                              <a:srgbClr val="FFFFFF"/>
+                            </a:solidFill>
+                          </a14:hiddenFill>
+                        </a:ext>
+                      </a:extLst>
+                    </p:spPr>
+                  </p:pic>
+                </p:oleObj>
+              </mc:Fallback>
+            </mc:AlternateContent>
+          </a:graphicData>
+        </a:graphic>
+      </p:graphicFrame>
+      <p:sp>
+        <p:nvSpPr>
+          <p:cNvPr id="82949" name="Text Box 5"/>
           <p:cNvSpPr txBox="1">
             <a:spLocks noChangeArrowheads="1"/>
           </p:cNvSpPr>
@@ -3928,8 +4041,8 @@
         </p:nvSpPr>
         <p:spPr bwMode="auto">
           <a:xfrm>
-            <a:off x="1611313" y="417513"/>
-            <a:ext cx="6256337" cy="946150"/>
+            <a:off x="762000" y="2895600"/>
+            <a:ext cx="7534275" cy="2103438"/>
           </a:xfrm>
           <a:prstGeom prst="rect">
             <a:avLst/>
@@ -3939,7 +4052,7 @@
             <a:noFill/>
             <a:miter lim="800000"/>
             <a:headEnd/>
-            <a:tailEnd type="none" w="lg" len="lg"/>
+            <a:tailEnd/>
           </a:ln>
         </p:spPr>
         <p:txBody>
@@ -3948,65 +4061,167 @@
           </a:bodyPr>
           <a:lstStyle/>
           <a:p>
-            <a:pPr algn="ctr"/>
-            <a:r>
-              <a:rPr lang="en-US" sz="2800" b="1" i="1">
+            <a:pPr eaLnBrk="0" hangingPunct="0"/>
+            <a:r>
+              <a:rPr lang="en-US" sz="6000" dirty="0">
                 <a:solidFill>
-                  <a:schemeClr val="tx2"/>
+                  <a:srgbClr val="0000FF"/>
                 </a:solidFill>
                 <a:latin typeface="Comic Sans MS" pitchFamily="66" charset="0"/>
               </a:rPr>
-              <a:t>Mathematics for Computer Science</a:t>
-            </a:r>
-            <a:br>
-              <a:rPr lang="en-US" sz="2800" b="1" i="1">
+              <a:t>n</a:t>
+            </a:r>
+            <a:r>
+              <a:rPr lang="en-US" sz="6000" baseline="30000" dirty="0">
+                <a:latin typeface="Comic Sans MS" pitchFamily="66" charset="0"/>
+              </a:rPr>
+              <a:t>th</a:t>
+            </a:r>
+            <a:r>
+              <a:rPr lang="en-US" sz="6000" dirty="0">
+                <a:latin typeface="Comic Sans MS" pitchFamily="66" charset="0"/>
+              </a:rPr>
+              <a:t> </a:t>
+            </a:r>
+            <a:r>
+              <a:rPr lang="en-US" sz="6000" dirty="0">
                 <a:solidFill>
-                  <a:schemeClr val="tx2"/>
+                  <a:srgbClr val="FF33CC"/>
                 </a:solidFill>
                 <a:latin typeface="Comic Sans MS" pitchFamily="66" charset="0"/>
               </a:rPr>
-            </a:br>
-            <a:r>
-              <a:rPr lang="en-US" sz="2800" b="1">
+              <a:t>Harmonic number</a:t>
+            </a:r>
+          </a:p>
+          <a:p>
+            <a:pPr eaLnBrk="0" hangingPunct="0"/>
+            <a:r>
+              <a:rPr lang="en-US" sz="6000" dirty="0">
+                <a:latin typeface="Comic Sans MS" pitchFamily="66" charset="0"/>
+              </a:rPr>
+              <a:t>        </a:t>
+            </a:r>
+            <a:r>
+              <a:rPr lang="en-US" sz="7200" dirty="0" err="1">
                 <a:solidFill>
-                  <a:srgbClr val="008000"/>
+                  <a:srgbClr val="0000FF"/>
                 </a:solidFill>
                 <a:latin typeface="Comic Sans MS" pitchFamily="66" charset="0"/>
               </a:rPr>
-              <a:t>MIT</a:t>
-            </a:r>
-            <a:r>
-              <a:rPr lang="en-US" sz="2800" b="1" i="1">
+              <a:t>B</a:t>
+            </a:r>
+            <a:r>
+              <a:rPr lang="en-US" sz="7200" baseline="-25000" dirty="0" err="1">
                 <a:solidFill>
-                  <a:schemeClr val="tx2"/>
+                  <a:srgbClr val="0000FF"/>
                 </a:solidFill>
                 <a:latin typeface="Comic Sans MS" pitchFamily="66" charset="0"/>
               </a:rPr>
+              <a:t>n</a:t>
+            </a:r>
+            <a:r>
+              <a:rPr lang="en-US" sz="7200" dirty="0">
+                <a:latin typeface="Comic Sans MS" pitchFamily="66" charset="0"/>
+              </a:rPr>
               <a:t> </a:t>
             </a:r>
             <a:r>
-              <a:rPr lang="en-US" sz="2800" b="1">
+              <a:rPr lang="en-US" sz="7200" b="1" dirty="0">
+                <a:latin typeface="Euclid Symbol" charset="2"/>
+                <a:cs typeface="Euclid Symbol" charset="2"/>
+              </a:rPr>
+              <a:t>=</a:t>
+            </a:r>
+            <a:r>
+              <a:rPr lang="en-US" sz="7200" dirty="0">
+                <a:latin typeface="Comic Sans MS" pitchFamily="66" charset="0"/>
+              </a:rPr>
+              <a:t> </a:t>
+            </a:r>
+            <a:r>
+              <a:rPr lang="en-US" sz="7200" dirty="0" err="1">
                 <a:solidFill>
-                  <a:srgbClr val="008000"/>
+                  <a:srgbClr val="0000FF"/>
                 </a:solidFill>
                 <a:latin typeface="Comic Sans MS" pitchFamily="66" charset="0"/>
               </a:rPr>
-              <a:t>6.042J/18.062J</a:t>
+              <a:t>H</a:t>
+            </a:r>
+            <a:r>
+              <a:rPr lang="en-US" sz="7200" baseline="-25000" dirty="0" err="1">
+                <a:solidFill>
+                  <a:srgbClr val="0000FF"/>
+                </a:solidFill>
+                <a:latin typeface="Comic Sans MS" pitchFamily="66" charset="0"/>
+              </a:rPr>
+              <a:t>n</a:t>
+            </a:r>
+            <a:r>
+              <a:rPr lang="en-US" sz="7200" dirty="0">
+                <a:solidFill>
+                  <a:srgbClr val="0000FF"/>
+                </a:solidFill>
+                <a:latin typeface="Comic Sans MS" pitchFamily="66" charset="0"/>
+              </a:rPr>
+              <a:t>/2</a:t>
             </a:r>
           </a:p>
         </p:txBody>
       </p:sp>
+      <p:sp>
+        <p:nvSpPr>
+          <p:cNvPr id="15365" name="Text Box 9"/>
+          <p:cNvSpPr txBox="1">
+            <a:spLocks noChangeArrowheads="1"/>
+          </p:cNvSpPr>
+          <p:nvPr/>
+        </p:nvSpPr>
+        <p:spPr bwMode="auto">
+          <a:xfrm>
+            <a:off x="1981200" y="138113"/>
+            <a:ext cx="4322763" cy="769937"/>
+          </a:xfrm>
+          <a:prstGeom prst="rect">
+            <a:avLst/>
+          </a:prstGeom>
+          <a:noFill/>
+          <a:ln w="9525">
+            <a:noFill/>
+            <a:miter lim="800000"/>
+            <a:headEnd/>
+            <a:tailEnd/>
+          </a:ln>
+        </p:spPr>
+        <p:txBody>
+          <a:bodyPr wrap="none">
+            <a:spAutoFit/>
+          </a:bodyPr>
+          <a:lstStyle/>
+          <a:p>
+            <a:pPr eaLnBrk="0" hangingPunct="0"/>
+            <a:r>
+              <a:rPr lang="en-US" sz="4400" b="1">
+                <a:latin typeface="Comic Sans MS" pitchFamily="66" charset="0"/>
+              </a:rPr>
+              <a:t>Harmonic Sums</a:t>
+            </a:r>
+          </a:p>
+        </p:txBody>
+      </p:sp>
     </p:spTree>
+    <p:custDataLst>
+      <p:tags r:id="rId2"/>
+    </p:custDataLst>
   </p:cSld>
   <p:clrMapOvr>
     <a:masterClrMapping/>
   </p:clrMapOvr>
-  <mc:AlternateContent xmlns:mc="http://schemas.openxmlformats.org/markup-compatibility/2006" xmlns:p14="http://schemas.microsoft.com/office/powerpoint/2010/main">
-    <mc:Choice Requires="p14">
-      <p:transition spd="slow" p14:dur="2000" advTm="20779"/>
+  <mc:AlternateContent xmlns:mc="http://schemas.openxmlformats.org/markup-compatibility/2006">
+    <mc:Choice xmlns:p14="http://schemas.microsoft.com/office/powerpoint/2010/main" Requires="p14">
+      <p:transition p14:dur="0" advClick="0"/>
     </mc:Choice>
-    <mc:Fallback xmlns="">
-      <p:transition xmlns:p14="http://schemas.microsoft.com/office/powerpoint/2010/main" spd="slow" advTm="20779"/>
+    <mc:Fallback>
+      <p:transition xmlns:p14="http://schemas.microsoft.com/office/powerpoint/2010/main" advClick="0"/>
     </mc:Fallback>
   </mc:AlternateContent>
   <p:timing>
@@ -4129,14 +4344,14 @@
   <p:clrMapOvr>
     <a:masterClrMapping/>
   </p:clrMapOvr>
-  <mc:AlternateContent xmlns:mc="http://schemas.openxmlformats.org/markup-compatibility/2006" xmlns:p14="http://schemas.microsoft.com/office/powerpoint/2010/main">
-    <mc:Choice Requires="p14">
-      <p:transition spd="med" p14:dur="700" advTm="5865">
+  <mc:AlternateContent xmlns:mc="http://schemas.openxmlformats.org/markup-compatibility/2006">
+    <mc:Choice xmlns:p14="http://schemas.microsoft.com/office/powerpoint/2010/main" Requires="p14">
+      <p:transition spd="med" p14:dur="700" advClick="0">
         <p:fade/>
       </p:transition>
     </mc:Choice>
-    <mc:Fallback xmlns="">
-      <p:transition xmlns:p14="http://schemas.microsoft.com/office/powerpoint/2010/main" spd="med" advTm="5865">
+    <mc:Fallback>
+      <p:transition xmlns:p14="http://schemas.microsoft.com/office/powerpoint/2010/main" spd="med" advClick="0">
         <p:fade/>
       </p:transition>
     </mc:Fallback>
@@ -4219,14 +4434,14 @@
   <p:clrMapOvr>
     <a:masterClrMapping/>
   </p:clrMapOvr>
-  <mc:AlternateContent xmlns:mc="http://schemas.openxmlformats.org/markup-compatibility/2006" xmlns:p14="http://schemas.microsoft.com/office/powerpoint/2010/main">
-    <mc:Choice Requires="p14">
-      <p:transition spd="med" p14:dur="700">
+  <mc:AlternateContent xmlns:mc="http://schemas.openxmlformats.org/markup-compatibility/2006">
+    <mc:Choice xmlns:p14="http://schemas.microsoft.com/office/powerpoint/2010/main" Requires="p14">
+      <p:transition spd="med" p14:dur="700" advClick="0">
         <p:fade/>
       </p:transition>
     </mc:Choice>
-    <mc:Fallback xmlns="">
-      <p:transition xmlns:p14="http://schemas.microsoft.com/office/powerpoint/2010/main" spd="med">
+    <mc:Fallback>
+      <p:transition xmlns:p14="http://schemas.microsoft.com/office/powerpoint/2010/main" spd="med" advClick="0">
         <p:fade/>
       </p:transition>
     </mc:Fallback>
@@ -5318,7 +5533,7 @@
           <a:graphicData uri="http://schemas.openxmlformats.org/presentationml/2006/ole">
             <mc:AlternateContent xmlns:mc="http://schemas.openxmlformats.org/markup-compatibility/2006">
               <mc:Choice xmlns:v="urn:schemas-microsoft-com:vml" Requires="v">
-                <p:oleObj spid="_x0000_s104491" name="Equation" r:id="rId5" imgW="164880" imgH="419040" progId="Equation.DSMT4">
+                <p:oleObj spid="_x0000_s104499" name="Equation" r:id="rId5" imgW="164880" imgH="419040" progId="Equation.DSMT4">
                   <p:embed/>
                 </p:oleObj>
               </mc:Choice>
@@ -5380,14 +5595,14 @@
   <p:clrMapOvr>
     <a:masterClrMapping/>
   </p:clrMapOvr>
-  <mc:AlternateContent xmlns:mc="http://schemas.openxmlformats.org/markup-compatibility/2006" xmlns:p14="http://schemas.microsoft.com/office/powerpoint/2010/main">
-    <mc:Choice Requires="p14">
-      <p:transition spd="slow" p14:dur="1300" advTm="39015">
+  <mc:AlternateContent xmlns:mc="http://schemas.openxmlformats.org/markup-compatibility/2006">
+    <mc:Choice xmlns:p14="http://schemas.microsoft.com/office/powerpoint/2010/main" Requires="p14">
+      <p:transition spd="slow" p14:dur="1300" advClick="0">
         <p:fade thruBlk="1"/>
       </p:transition>
     </mc:Choice>
-    <mc:Fallback xmlns="">
-      <p:transition xmlns:p14="http://schemas.microsoft.com/office/powerpoint/2010/main" spd="slow" advTm="39015">
+    <mc:Fallback>
+      <p:transition xmlns:p14="http://schemas.microsoft.com/office/powerpoint/2010/main" spd="slow" advClick="0">
         <p:fade thruBlk="1"/>
       </p:transition>
     </mc:Fallback>
@@ -5596,6 +5811,1528 @@
           <a:chExt cx="0" cy="0"/>
         </a:xfrm>
       </p:grpSpPr>
+      <p:graphicFrame>
+        <p:nvGraphicFramePr>
+          <p:cNvPr id="105474" name="Object 2"/>
+          <p:cNvGraphicFramePr>
+            <a:graphicFrameLocks noChangeAspect="1"/>
+          </p:cNvGraphicFramePr>
+          <p:nvPr>
+            <p:extLst>
+              <p:ext uri="{D42A27DB-BD31-4B8C-83A1-F6EECF244321}">
+                <p14:modId xmlns:p14="http://schemas.microsoft.com/office/powerpoint/2010/main" val="3065823736"/>
+              </p:ext>
+            </p:extLst>
+          </p:nvPr>
+        </p:nvGraphicFramePr>
+        <p:xfrm>
+          <a:off x="1654175" y="1582738"/>
+          <a:ext cx="5797550" cy="3702050"/>
+        </p:xfrm>
+        <a:graphic>
+          <a:graphicData uri="http://schemas.openxmlformats.org/presentationml/2006/ole">
+            <mc:AlternateContent xmlns:mc="http://schemas.openxmlformats.org/markup-compatibility/2006">
+              <mc:Choice xmlns:v="urn:schemas-microsoft-com:vml" Requires="v">
+                <p:oleObj spid="_x0000_s105523" name="Equation" r:id="rId4" imgW="1231900" imgH="787400" progId="Equation.DSMT4">
+                  <p:embed/>
+                </p:oleObj>
+              </mc:Choice>
+              <mc:Fallback>
+                <p:oleObj name="Equation" r:id="rId4" imgW="1231900" imgH="787400" progId="Equation.DSMT4">
+                  <p:embed/>
+                  <p:pic>
+                    <p:nvPicPr>
+                      <p:cNvPr id="0" name="Object 2"/>
+                      <p:cNvPicPr>
+                        <a:picLocks noChangeAspect="1" noChangeArrowheads="1"/>
+                      </p:cNvPicPr>
+                      <p:nvPr/>
+                    </p:nvPicPr>
+                    <p:blipFill>
+                      <a:blip r:embed="rId5"/>
+                      <a:srcRect/>
+                      <a:stretch>
+                        <a:fillRect/>
+                      </a:stretch>
+                    </p:blipFill>
+                    <p:spPr bwMode="auto">
+                      <a:xfrm>
+                        <a:off x="1654175" y="1582738"/>
+                        <a:ext cx="5797550" cy="3702050"/>
+                      </a:xfrm>
+                      <a:prstGeom prst="rect">
+                        <a:avLst/>
+                      </a:prstGeom>
+                      <a:noFill/>
+                      <a:extLst>
+                        <a:ext uri="{909E8E84-426E-40dd-AFC4-6F175D3DCCD1}">
+                          <a14:hiddenFill xmlns:a14="http://schemas.microsoft.com/office/drawing/2010/main">
+                            <a:solidFill>
+                              <a:srgbClr val="FFFFFF"/>
+                            </a:solidFill>
+                          </a14:hiddenFill>
+                        </a:ext>
+                      </a:extLst>
+                    </p:spPr>
+                  </p:pic>
+                </p:oleObj>
+              </mc:Fallback>
+            </mc:AlternateContent>
+          </a:graphicData>
+        </a:graphic>
+      </p:graphicFrame>
+      <p:sp>
+        <p:nvSpPr>
+          <p:cNvPr id="7" name="Text Box 32"/>
+          <p:cNvSpPr txBox="1">
+            <a:spLocks noChangeArrowheads="1"/>
+          </p:cNvSpPr>
+          <p:nvPr/>
+        </p:nvSpPr>
+        <p:spPr bwMode="auto">
+          <a:xfrm>
+            <a:off x="1752600" y="144463"/>
+            <a:ext cx="5323893" cy="769441"/>
+          </a:xfrm>
+          <a:prstGeom prst="rect">
+            <a:avLst/>
+          </a:prstGeom>
+          <a:noFill/>
+          <a:ln w="9525">
+            <a:noFill/>
+            <a:miter lim="800000"/>
+            <a:headEnd/>
+            <a:tailEnd/>
+          </a:ln>
+        </p:spPr>
+        <p:txBody>
+          <a:bodyPr wrap="none">
+            <a:spAutoFit/>
+          </a:bodyPr>
+          <a:lstStyle/>
+          <a:p>
+            <a:pPr eaLnBrk="0" hangingPunct="0"/>
+            <a:r>
+              <a:rPr lang="en-US" sz="4400" dirty="0" smtClean="0">
+                <a:latin typeface="Comic Sans MS" pitchFamily="66" charset="0"/>
+              </a:rPr>
+              <a:t>Upper bound </a:t>
+            </a:r>
+            <a:r>
+              <a:rPr lang="en-US" sz="4400" dirty="0">
+                <a:latin typeface="Comic Sans MS" pitchFamily="66" charset="0"/>
+              </a:rPr>
+              <a:t>for </a:t>
+            </a:r>
+            <a:r>
+              <a:rPr lang="en-US" sz="4400" dirty="0" err="1">
+                <a:solidFill>
+                  <a:srgbClr val="0000FF"/>
+                </a:solidFill>
+                <a:latin typeface="Comic Sans MS" pitchFamily="66" charset="0"/>
+              </a:rPr>
+              <a:t>H</a:t>
+            </a:r>
+            <a:r>
+              <a:rPr lang="en-US" sz="4400" baseline="-25000" dirty="0" err="1">
+                <a:solidFill>
+                  <a:srgbClr val="0000FF"/>
+                </a:solidFill>
+                <a:latin typeface="Comic Sans MS" pitchFamily="66" charset="0"/>
+              </a:rPr>
+              <a:t>n</a:t>
+            </a:r>
+            <a:endParaRPr lang="en-US" sz="4400" dirty="0">
+              <a:solidFill>
+                <a:srgbClr val="0000FF"/>
+              </a:solidFill>
+              <a:latin typeface="Comic Sans MS" pitchFamily="66" charset="0"/>
+            </a:endParaRPr>
+          </a:p>
+        </p:txBody>
+      </p:sp>
+    </p:spTree>
+  </p:cSld>
+  <p:clrMapOvr>
+    <a:masterClrMapping/>
+  </p:clrMapOvr>
+  <mc:AlternateContent xmlns:mc="http://schemas.openxmlformats.org/markup-compatibility/2006">
+    <mc:Choice xmlns:p14="http://schemas.microsoft.com/office/powerpoint/2010/main" Requires="p14">
+      <p:transition spd="slow" p14:dur="900" advClick="0">
+        <p:fade/>
+      </p:transition>
+    </mc:Choice>
+    <mc:Fallback>
+      <p:transition xmlns:p14="http://schemas.microsoft.com/office/powerpoint/2010/main" spd="slow" advClick="0">
+        <p:fade/>
+      </p:transition>
+    </mc:Fallback>
+  </mc:AlternateContent>
+  <p:timing>
+    <p:tnLst>
+      <p:par>
+        <p:cTn xmlns:p14="http://schemas.microsoft.com/office/powerpoint/2010/main" id="1" dur="indefinite" restart="never" nodeType="tmRoot">
+          <p:childTnLst>
+            <p:seq concurrent="1" nextAc="seek">
+              <p:cTn id="2" dur="indefinite" nodeType="mainSeq">
+                <p:childTnLst>
+                  <p:par>
+                    <p:cTn id="3" fill="hold">
+                      <p:stCondLst>
+                        <p:cond delay="indefinite"/>
+                        <p:cond evt="onBegin" delay="0">
+                          <p:tn val="2"/>
+                        </p:cond>
+                      </p:stCondLst>
+                      <p:childTnLst>
+                        <p:par>
+                          <p:cTn id="4" fill="hold">
+                            <p:stCondLst>
+                              <p:cond delay="0"/>
+                            </p:stCondLst>
+                            <p:childTnLst>
+                              <p:par>
+                                <p:cTn id="5" presetID="22" presetClass="entr" presetSubtype="1" fill="hold" nodeType="afterEffect">
+                                  <p:stCondLst>
+                                    <p:cond delay="0"/>
+                                  </p:stCondLst>
+                                  <p:childTnLst>
+                                    <p:set>
+                                      <p:cBhvr>
+                                        <p:cTn id="6" dur="1" fill="hold">
+                                          <p:stCondLst>
+                                            <p:cond delay="0"/>
+                                          </p:stCondLst>
+                                        </p:cTn>
+                                        <p:tgtEl>
+                                          <p:spTgt spid="105474"/>
+                                        </p:tgtEl>
+                                        <p:attrNameLst>
+                                          <p:attrName>style.visibility</p:attrName>
+                                        </p:attrNameLst>
+                                      </p:cBhvr>
+                                      <p:to>
+                                        <p:strVal val="visible"/>
+                                      </p:to>
+                                    </p:set>
+                                    <p:animEffect transition="in" filter="wipe(up)">
+                                      <p:cBhvr>
+                                        <p:cTn id="7" dur="2000"/>
+                                        <p:tgtEl>
+                                          <p:spTgt spid="105474"/>
+                                        </p:tgtEl>
+                                      </p:cBhvr>
+                                    </p:animEffect>
+                                  </p:childTnLst>
+                                </p:cTn>
+                              </p:par>
+                            </p:childTnLst>
+                          </p:cTn>
+                        </p:par>
+                      </p:childTnLst>
+                    </p:cTn>
+                  </p:par>
+                </p:childTnLst>
+              </p:cTn>
+              <p:prevCondLst>
+                <p:cond evt="onPrev" delay="0">
+                  <p:tgtEl>
+                    <p:sldTgt/>
+                  </p:tgtEl>
+                </p:cond>
+              </p:prevCondLst>
+              <p:nextCondLst>
+                <p:cond evt="onNext" delay="0">
+                  <p:tgtEl>
+                    <p:sldTgt/>
+                  </p:tgtEl>
+                </p:cond>
+              </p:nextCondLst>
+            </p:seq>
+          </p:childTnLst>
+        </p:cTn>
+      </p:par>
+    </p:tnLst>
+  </p:timing>
+</p:sld>
+</file>
+
+<file path=ppt/slides/slide14.xml><?xml version="1.0" encoding="utf-8"?>
+<p:sld xmlns:a="http://schemas.openxmlformats.org/drawingml/2006/main" xmlns:r="http://schemas.openxmlformats.org/officeDocument/2006/relationships" xmlns:p="http://schemas.openxmlformats.org/presentationml/2006/main">
+  <p:cSld>
+    <p:spTree>
+      <p:nvGrpSpPr>
+        <p:cNvPr id="1" name=""/>
+        <p:cNvGrpSpPr/>
+        <p:nvPr/>
+      </p:nvGrpSpPr>
+      <p:grpSpPr>
+        <a:xfrm>
+          <a:off x="0" y="0"/>
+          <a:ext cx="0" cy="0"/>
+          <a:chOff x="0" y="0"/>
+          <a:chExt cx="0" cy="0"/>
+        </a:xfrm>
+      </p:grpSpPr>
+      <p:sp>
+        <p:nvSpPr>
+          <p:cNvPr id="2" name="Title 1"/>
+          <p:cNvSpPr>
+            <a:spLocks noGrp="1"/>
+          </p:cNvSpPr>
+          <p:nvPr>
+            <p:ph type="title"/>
+          </p:nvPr>
+        </p:nvSpPr>
+        <p:spPr/>
+        <p:txBody>
+          <a:bodyPr/>
+          <a:lstStyle/>
+          <a:p>
+            <a:r>
+              <a:rPr lang="en-US" dirty="0" smtClean="0"/>
+              <a:t>Asymptotic bound for </a:t>
+            </a:r>
+            <a:r>
+              <a:rPr lang="en-US" b="0" dirty="0" err="1" smtClean="0">
+                <a:solidFill>
+                  <a:srgbClr val="0000FF"/>
+                </a:solidFill>
+              </a:rPr>
+              <a:t>H</a:t>
+            </a:r>
+            <a:r>
+              <a:rPr lang="en-US" b="0" baseline="-25000" dirty="0" err="1" smtClean="0">
+                <a:solidFill>
+                  <a:srgbClr val="0000FF"/>
+                </a:solidFill>
+              </a:rPr>
+              <a:t>n</a:t>
+            </a:r>
+            <a:endParaRPr lang="en-US" b="0" baseline="-25000" dirty="0">
+              <a:solidFill>
+                <a:srgbClr val="0000FF"/>
+              </a:solidFill>
+            </a:endParaRPr>
+          </a:p>
+        </p:txBody>
+      </p:sp>
+      <p:sp>
+        <p:nvSpPr>
+          <p:cNvPr id="3" name="Content Placeholder 2"/>
+          <p:cNvSpPr>
+            <a:spLocks noGrp="1"/>
+          </p:cNvSpPr>
+          <p:nvPr>
+            <p:ph idx="1"/>
+          </p:nvPr>
+        </p:nvSpPr>
+        <p:spPr>
+          <a:xfrm>
+            <a:off x="609600" y="2057400"/>
+            <a:ext cx="8001000" cy="2743200"/>
+          </a:xfrm>
+        </p:spPr>
+        <p:txBody>
+          <a:bodyPr/>
+          <a:lstStyle/>
+          <a:p>
+            <a:pPr algn="ctr"/>
+            <a:r>
+              <a:rPr lang="en-US" sz="6000" dirty="0" smtClean="0">
+                <a:solidFill>
+                  <a:srgbClr val="0000FF"/>
+                </a:solidFill>
+              </a:rPr>
+              <a:t>ln(n+1) </a:t>
+            </a:r>
+            <a:r>
+              <a:rPr lang="en-US" sz="6000" dirty="0" smtClean="0">
+                <a:solidFill>
+                  <a:srgbClr val="0000FF"/>
+                </a:solidFill>
+                <a:latin typeface="Euclid Symbol" charset="2"/>
+                <a:cs typeface="Euclid Symbol" charset="2"/>
+              </a:rPr>
+              <a:t>&lt;</a:t>
+            </a:r>
+            <a:r>
+              <a:rPr lang="en-US" sz="6000" dirty="0" smtClean="0">
+                <a:solidFill>
+                  <a:srgbClr val="0000FF"/>
+                </a:solidFill>
+              </a:rPr>
+              <a:t> </a:t>
+            </a:r>
+            <a:r>
+              <a:rPr lang="en-US" sz="6000" dirty="0" err="1" smtClean="0">
+                <a:solidFill>
+                  <a:srgbClr val="0000FF"/>
+                </a:solidFill>
+              </a:rPr>
+              <a:t>H</a:t>
+            </a:r>
+            <a:r>
+              <a:rPr lang="en-US" sz="6000" baseline="-25000" dirty="0" err="1" smtClean="0">
+                <a:solidFill>
+                  <a:srgbClr val="0000FF"/>
+                </a:solidFill>
+              </a:rPr>
+              <a:t>n</a:t>
+            </a:r>
+            <a:r>
+              <a:rPr lang="en-US" sz="6000" dirty="0" smtClean="0">
+                <a:solidFill>
+                  <a:srgbClr val="0000FF"/>
+                </a:solidFill>
+              </a:rPr>
+              <a:t> </a:t>
+            </a:r>
+            <a:r>
+              <a:rPr lang="en-US" sz="6000" dirty="0" smtClean="0">
+                <a:solidFill>
+                  <a:srgbClr val="0000FF"/>
+                </a:solidFill>
+                <a:latin typeface="Euclid Symbol" charset="2"/>
+                <a:cs typeface="Euclid Symbol" charset="2"/>
+              </a:rPr>
+              <a:t>&lt;</a:t>
+            </a:r>
+            <a:r>
+              <a:rPr lang="en-US" sz="6000" dirty="0" smtClean="0">
+                <a:solidFill>
+                  <a:srgbClr val="0000FF"/>
+                </a:solidFill>
+              </a:rPr>
+              <a:t> 1+ </a:t>
+            </a:r>
+            <a:r>
+              <a:rPr lang="en-US" sz="6000" dirty="0" err="1" smtClean="0">
+                <a:solidFill>
+                  <a:srgbClr val="0000FF"/>
+                </a:solidFill>
+              </a:rPr>
+              <a:t>ln(n</a:t>
+            </a:r>
+            <a:r>
+              <a:rPr lang="en-US" sz="6000" dirty="0" smtClean="0">
+                <a:solidFill>
+                  <a:srgbClr val="0000FF"/>
+                </a:solidFill>
+              </a:rPr>
+              <a:t>)</a:t>
+            </a:r>
+          </a:p>
+          <a:p>
+            <a:pPr algn="ctr">
+              <a:lnSpc>
+                <a:spcPct val="150000"/>
+              </a:lnSpc>
+            </a:pPr>
+            <a:r>
+              <a:rPr lang="en-US" sz="6600" dirty="0" err="1" smtClean="0">
+                <a:solidFill>
+                  <a:srgbClr val="0000FF"/>
+                </a:solidFill>
+              </a:rPr>
+              <a:t>H</a:t>
+            </a:r>
+            <a:r>
+              <a:rPr lang="en-US" sz="6600" baseline="-25000" dirty="0" err="1" smtClean="0">
+                <a:solidFill>
+                  <a:srgbClr val="0000FF"/>
+                </a:solidFill>
+              </a:rPr>
+              <a:t>n</a:t>
+            </a:r>
+            <a:r>
+              <a:rPr lang="en-US" sz="6600" baseline="-25000" dirty="0" smtClean="0">
+                <a:solidFill>
+                  <a:srgbClr val="0000FF"/>
+                </a:solidFill>
+              </a:rPr>
+              <a:t> </a:t>
+            </a:r>
+            <a:r>
+              <a:rPr lang="en-US" sz="6600" b="1" dirty="0" smtClean="0">
+                <a:solidFill>
+                  <a:srgbClr val="FF33CC"/>
+                </a:solidFill>
+                <a:latin typeface="Euclid Symbol" charset="2"/>
+                <a:cs typeface="Euclid Symbol" charset="2"/>
+                <a:sym typeface="Symbol"/>
+              </a:rPr>
+              <a:t>∼</a:t>
+            </a:r>
+            <a:r>
+              <a:rPr lang="en-US" sz="6600" dirty="0" smtClean="0">
+                <a:solidFill>
+                  <a:srgbClr val="FF33CC"/>
+                </a:solidFill>
+                <a:sym typeface="Symbol"/>
+              </a:rPr>
+              <a:t> </a:t>
+            </a:r>
+            <a:r>
+              <a:rPr lang="en-US" sz="6600" dirty="0" err="1" smtClean="0">
+                <a:solidFill>
+                  <a:srgbClr val="0000FF"/>
+                </a:solidFill>
+                <a:sym typeface="Symbol"/>
+              </a:rPr>
+              <a:t>ln(n</a:t>
+            </a:r>
+            <a:r>
+              <a:rPr lang="en-US" sz="6600" dirty="0" smtClean="0">
+                <a:solidFill>
+                  <a:srgbClr val="0000FF"/>
+                </a:solidFill>
+                <a:sym typeface="Symbol"/>
+              </a:rPr>
+              <a:t>)</a:t>
+            </a:r>
+            <a:endParaRPr lang="en-US" sz="6600" dirty="0">
+              <a:solidFill>
+                <a:srgbClr val="0000FF"/>
+              </a:solidFill>
+            </a:endParaRPr>
+          </a:p>
+        </p:txBody>
+      </p:sp>
+    </p:spTree>
+    <p:custDataLst>
+      <p:tags r:id="rId1"/>
+    </p:custDataLst>
+  </p:cSld>
+  <p:clrMapOvr>
+    <a:masterClrMapping/>
+  </p:clrMapOvr>
+  <mc:AlternateContent xmlns:mc="http://schemas.openxmlformats.org/markup-compatibility/2006">
+    <mc:Choice xmlns:p14="http://schemas.microsoft.com/office/powerpoint/2010/main" Requires="p14">
+      <p:transition spd="slow" p14:dur="900" advClick="0">
+        <p:fade/>
+      </p:transition>
+    </mc:Choice>
+    <mc:Fallback>
+      <p:transition xmlns:p14="http://schemas.microsoft.com/office/powerpoint/2010/main" spd="slow" advClick="0">
+        <p:fade/>
+      </p:transition>
+    </mc:Fallback>
+  </mc:AlternateContent>
+  <p:timing>
+    <p:tnLst>
+      <p:par>
+        <p:cTn xmlns:p14="http://schemas.microsoft.com/office/powerpoint/2010/main" id="1" dur="indefinite" restart="never" nodeType="tmRoot">
+          <p:childTnLst>
+            <p:seq concurrent="1" nextAc="seek">
+              <p:cTn id="2" dur="indefinite" nodeType="mainSeq">
+                <p:childTnLst>
+                  <p:par>
+                    <p:cTn id="3" fill="hold">
+                      <p:stCondLst>
+                        <p:cond delay="indefinite"/>
+                      </p:stCondLst>
+                      <p:childTnLst>
+                        <p:par>
+                          <p:cTn id="4" fill="hold">
+                            <p:stCondLst>
+                              <p:cond delay="0"/>
+                            </p:stCondLst>
+                            <p:childTnLst>
+                              <p:par>
+                                <p:cTn id="5" presetID="9" presetClass="entr" presetSubtype="0" fill="hold" nodeType="clickEffect">
+                                  <p:stCondLst>
+                                    <p:cond delay="0"/>
+                                  </p:stCondLst>
+                                  <p:childTnLst>
+                                    <p:set>
+                                      <p:cBhvr>
+                                        <p:cTn id="6" dur="1" fill="hold">
+                                          <p:stCondLst>
+                                            <p:cond delay="0"/>
+                                          </p:stCondLst>
+                                        </p:cTn>
+                                        <p:tgtEl>
+                                          <p:spTgt spid="3">
+                                            <p:txEl>
+                                              <p:pRg st="1" end="1"/>
+                                            </p:txEl>
+                                          </p:spTgt>
+                                        </p:tgtEl>
+                                        <p:attrNameLst>
+                                          <p:attrName>style.visibility</p:attrName>
+                                        </p:attrNameLst>
+                                      </p:cBhvr>
+                                      <p:to>
+                                        <p:strVal val="visible"/>
+                                      </p:to>
+                                    </p:set>
+                                    <p:animEffect transition="in" filter="dissolve">
+                                      <p:cBhvr>
+                                        <p:cTn id="7" dur="500"/>
+                                        <p:tgtEl>
+                                          <p:spTgt spid="3">
+                                            <p:txEl>
+                                              <p:pRg st="1" end="1"/>
+                                            </p:txEl>
+                                          </p:spTgt>
+                                        </p:tgtEl>
+                                      </p:cBhvr>
+                                    </p:animEffect>
+                                  </p:childTnLst>
+                                </p:cTn>
+                              </p:par>
+                            </p:childTnLst>
+                          </p:cTn>
+                        </p:par>
+                      </p:childTnLst>
+                    </p:cTn>
+                  </p:par>
+                </p:childTnLst>
+              </p:cTn>
+              <p:prevCondLst>
+                <p:cond evt="onPrev" delay="0">
+                  <p:tgtEl>
+                    <p:sldTgt/>
+                  </p:tgtEl>
+                </p:cond>
+              </p:prevCondLst>
+              <p:nextCondLst>
+                <p:cond evt="onNext" delay="0">
+                  <p:tgtEl>
+                    <p:sldTgt/>
+                  </p:tgtEl>
+                </p:cond>
+              </p:nextCondLst>
+            </p:seq>
+          </p:childTnLst>
+        </p:cTn>
+      </p:par>
+    </p:tnLst>
+  </p:timing>
+</p:sld>
+</file>
+
+<file path=ppt/slides/slide15.xml><?xml version="1.0" encoding="utf-8"?>
+<p:sld xmlns:a="http://schemas.openxmlformats.org/drawingml/2006/main" xmlns:r="http://schemas.openxmlformats.org/officeDocument/2006/relationships" xmlns:p="http://schemas.openxmlformats.org/presentationml/2006/main">
+  <p:cSld>
+    <p:spTree>
+      <p:nvGrpSpPr>
+        <p:cNvPr id="1" name=""/>
+        <p:cNvGrpSpPr/>
+        <p:nvPr/>
+      </p:nvGrpSpPr>
+      <p:grpSpPr>
+        <a:xfrm>
+          <a:off x="0" y="0"/>
+          <a:ext cx="0" cy="0"/>
+          <a:chOff x="0" y="0"/>
+          <a:chExt cx="0" cy="0"/>
+        </a:xfrm>
+      </p:grpSpPr>
+      <p:sp>
+        <p:nvSpPr>
+          <p:cNvPr id="24580" name="Rectangle 2"/>
+          <p:cNvSpPr>
+            <a:spLocks noGrp="1" noChangeArrowheads="1"/>
+          </p:cNvSpPr>
+          <p:nvPr>
+            <p:ph type="title"/>
+          </p:nvPr>
+        </p:nvSpPr>
+        <p:spPr>
+          <a:xfrm>
+            <a:off x="1374775" y="152400"/>
+            <a:ext cx="6550025" cy="990600"/>
+          </a:xfrm>
+        </p:spPr>
+        <p:txBody>
+          <a:bodyPr/>
+          <a:lstStyle/>
+          <a:p>
+            <a:pPr eaLnBrk="1" hangingPunct="1"/>
+            <a:r>
+              <a:rPr lang="en-US" dirty="0" smtClean="0">
+                <a:solidFill>
+                  <a:srgbClr val="930093"/>
+                </a:solidFill>
+              </a:rPr>
+              <a:t>Asymptotic Equivalence</a:t>
+            </a:r>
+          </a:p>
+        </p:txBody>
+      </p:sp>
+      <p:graphicFrame>
+        <p:nvGraphicFramePr>
+          <p:cNvPr id="157699" name="Object 3"/>
+          <p:cNvGraphicFramePr>
+            <a:graphicFrameLocks noChangeAspect="1"/>
+          </p:cNvGraphicFramePr>
+          <p:nvPr/>
+        </p:nvGraphicFramePr>
+        <p:xfrm>
+          <a:off x="1905000" y="2895600"/>
+          <a:ext cx="5251450" cy="2286000"/>
+        </p:xfrm>
+        <a:graphic>
+          <a:graphicData uri="http://schemas.openxmlformats.org/presentationml/2006/ole">
+            <mc:AlternateContent xmlns:mc="http://schemas.openxmlformats.org/markup-compatibility/2006">
+              <mc:Choice xmlns:v="urn:schemas-microsoft-com:vml" Requires="v">
+                <p:oleObj spid="_x0000_s24627" name="Equation" r:id="rId5" imgW="1104840" imgH="482400" progId="Equation.DSMT4">
+                  <p:embed/>
+                </p:oleObj>
+              </mc:Choice>
+              <mc:Fallback>
+                <p:oleObj name="Equation" r:id="rId5" imgW="1104840" imgH="482400" progId="Equation.DSMT4">
+                  <p:embed/>
+                  <p:pic>
+                    <p:nvPicPr>
+                      <p:cNvPr id="0" name="Object 3"/>
+                      <p:cNvPicPr>
+                        <a:picLocks noChangeAspect="1" noChangeArrowheads="1"/>
+                      </p:cNvPicPr>
+                      <p:nvPr/>
+                    </p:nvPicPr>
+                    <p:blipFill>
+                      <a:blip r:embed="rId6">
+                        <a:extLst>
+                          <a:ext uri="{28A0092B-C50C-407E-A947-70E740481C1C}">
+                            <a14:useLocalDpi xmlns:a14="http://schemas.microsoft.com/office/drawing/2010/main" val="0"/>
+                          </a:ext>
+                        </a:extLst>
+                      </a:blip>
+                      <a:srcRect/>
+                      <a:stretch>
+                        <a:fillRect/>
+                      </a:stretch>
+                    </p:blipFill>
+                    <p:spPr bwMode="auto">
+                      <a:xfrm>
+                        <a:off x="1905000" y="2895600"/>
+                        <a:ext cx="5251450" cy="2286000"/>
+                      </a:xfrm>
+                      <a:prstGeom prst="rect">
+                        <a:avLst/>
+                      </a:prstGeom>
+                      <a:noFill/>
+                      <a:extLst>
+                        <a:ext uri="{909E8E84-426E-40dd-AFC4-6F175D3DCCD1}">
+                          <a14:hiddenFill xmlns:a14="http://schemas.microsoft.com/office/drawing/2010/main">
+                            <a:solidFill>
+                              <a:srgbClr val="FFFFFF"/>
+                            </a:solidFill>
+                          </a14:hiddenFill>
+                        </a:ext>
+                      </a:extLst>
+                    </p:spPr>
+                  </p:pic>
+                </p:oleObj>
+              </mc:Fallback>
+            </mc:AlternateContent>
+          </a:graphicData>
+        </a:graphic>
+      </p:graphicFrame>
+      <p:sp>
+        <p:nvSpPr>
+          <p:cNvPr id="157700" name="Rectangle 4"/>
+          <p:cNvSpPr>
+            <a:spLocks noChangeArrowheads="1"/>
+          </p:cNvSpPr>
+          <p:nvPr/>
+        </p:nvSpPr>
+        <p:spPr bwMode="auto">
+          <a:xfrm>
+            <a:off x="609600" y="1371600"/>
+            <a:ext cx="6934200" cy="1447800"/>
+          </a:xfrm>
+          <a:prstGeom prst="rect">
+            <a:avLst/>
+          </a:prstGeom>
+          <a:noFill/>
+          <a:ln w="9525">
+            <a:noFill/>
+            <a:miter lim="800000"/>
+            <a:headEnd/>
+            <a:tailEnd/>
+          </a:ln>
+        </p:spPr>
+        <p:txBody>
+          <a:bodyPr/>
+          <a:lstStyle/>
+          <a:p>
+            <a:pPr>
+              <a:spcBef>
+                <a:spcPct val="20000"/>
+              </a:spcBef>
+            </a:pPr>
+            <a:r>
+              <a:rPr lang="en-US" sz="5400" dirty="0" err="1">
+                <a:solidFill>
+                  <a:srgbClr val="930093"/>
+                </a:solidFill>
+                <a:latin typeface="Comic Sans MS" pitchFamily="66" charset="0"/>
+              </a:rPr>
+              <a:t>Def</a:t>
+            </a:r>
+            <a:r>
+              <a:rPr lang="en-US" sz="5400" dirty="0">
+                <a:solidFill>
+                  <a:srgbClr val="930093"/>
+                </a:solidFill>
+                <a:latin typeface="Comic Sans MS" pitchFamily="66" charset="0"/>
+              </a:rPr>
+              <a:t>:</a:t>
+            </a:r>
+            <a:r>
+              <a:rPr lang="en-US" sz="6600" dirty="0">
+                <a:solidFill>
+                  <a:srgbClr val="0033CC"/>
+                </a:solidFill>
+                <a:latin typeface="Comic Sans MS" pitchFamily="66" charset="0"/>
+              </a:rPr>
+              <a:t>  f(n)</a:t>
+            </a:r>
+            <a:r>
+              <a:rPr lang="en-US" sz="6600" dirty="0">
+                <a:latin typeface="Comic Sans MS" pitchFamily="66" charset="0"/>
+              </a:rPr>
+              <a:t> </a:t>
+            </a:r>
+            <a:r>
+              <a:rPr lang="en-US" sz="6600" kern="0" baseline="-25000" dirty="0">
+                <a:solidFill>
+                  <a:srgbClr val="0000FF"/>
+                </a:solidFill>
+                <a:latin typeface="Comic Sans MS"/>
+              </a:rPr>
+              <a:t> </a:t>
+            </a:r>
+            <a:r>
+              <a:rPr lang="en-US" sz="6600" b="1" kern="0" dirty="0" smtClean="0">
+                <a:solidFill>
+                  <a:srgbClr val="FF33CC"/>
+                </a:solidFill>
+                <a:latin typeface="Euclid Symbol" charset="2"/>
+                <a:cs typeface="Euclid Symbol" charset="2"/>
+                <a:sym typeface="Symbol"/>
+              </a:rPr>
+              <a:t>∼</a:t>
+            </a:r>
+            <a:r>
+              <a:rPr lang="en-US" sz="6600" kern="0" dirty="0" smtClean="0">
+                <a:solidFill>
+                  <a:srgbClr val="FF33CC"/>
+                </a:solidFill>
+                <a:latin typeface="Euclid Symbol" charset="2"/>
+                <a:cs typeface="Euclid Symbol" charset="2"/>
+                <a:sym typeface="Symbol"/>
+              </a:rPr>
+              <a:t> </a:t>
+            </a:r>
+            <a:r>
+              <a:rPr lang="en-US" sz="6600" dirty="0" smtClean="0">
+                <a:latin typeface="Comic Sans MS" pitchFamily="66" charset="0"/>
+              </a:rPr>
+              <a:t> </a:t>
+            </a:r>
+            <a:r>
+              <a:rPr lang="en-US" sz="6600" dirty="0">
+                <a:solidFill>
+                  <a:srgbClr val="0033CC"/>
+                </a:solidFill>
+                <a:latin typeface="Comic Sans MS" pitchFamily="66" charset="0"/>
+              </a:rPr>
+              <a:t>g(n) </a:t>
+            </a:r>
+            <a:endParaRPr lang="en-US" sz="5400" dirty="0">
+              <a:solidFill>
+                <a:srgbClr val="0033CC"/>
+              </a:solidFill>
+              <a:latin typeface="Comic Sans MS" pitchFamily="66" charset="0"/>
+            </a:endParaRPr>
+          </a:p>
+        </p:txBody>
+      </p:sp>
+    </p:spTree>
+    <p:custDataLst>
+      <p:tags r:id="rId2"/>
+    </p:custDataLst>
+  </p:cSld>
+  <p:clrMapOvr>
+    <a:masterClrMapping/>
+  </p:clrMapOvr>
+  <mc:AlternateContent xmlns:mc="http://schemas.openxmlformats.org/markup-compatibility/2006">
+    <mc:Choice xmlns:p14="http://schemas.microsoft.com/office/powerpoint/2010/main" Requires="p14">
+      <p:transition spd="slow" p14:dur="900" advClick="0">
+        <p:fade/>
+      </p:transition>
+    </mc:Choice>
+    <mc:Fallback>
+      <p:transition xmlns:p14="http://schemas.microsoft.com/office/powerpoint/2010/main" spd="slow" advClick="0">
+        <p:fade/>
+      </p:transition>
+    </mc:Fallback>
+  </mc:AlternateContent>
+  <p:timing>
+    <p:tnLst>
+      <p:par>
+        <p:cTn xmlns:p14="http://schemas.microsoft.com/office/powerpoint/2010/main" id="1" dur="indefinite" restart="never" nodeType="tmRoot">
+          <p:childTnLst>
+            <p:seq concurrent="1" nextAc="seek">
+              <p:cTn id="2" dur="indefinite" nodeType="mainSeq">
+                <p:childTnLst>
+                  <p:par>
+                    <p:cTn id="3" fill="hold">
+                      <p:stCondLst>
+                        <p:cond delay="indefinite"/>
+                      </p:stCondLst>
+                      <p:childTnLst>
+                        <p:par>
+                          <p:cTn id="4" fill="hold">
+                            <p:stCondLst>
+                              <p:cond delay="0"/>
+                            </p:stCondLst>
+                            <p:childTnLst>
+                              <p:par>
+                                <p:cTn id="5" presetID="22" presetClass="entr" presetSubtype="8" fill="hold" nodeType="clickEffect">
+                                  <p:stCondLst>
+                                    <p:cond delay="0"/>
+                                  </p:stCondLst>
+                                  <p:childTnLst>
+                                    <p:set>
+                                      <p:cBhvr>
+                                        <p:cTn id="6" dur="1" fill="hold">
+                                          <p:stCondLst>
+                                            <p:cond delay="0"/>
+                                          </p:stCondLst>
+                                        </p:cTn>
+                                        <p:tgtEl>
+                                          <p:spTgt spid="157699"/>
+                                        </p:tgtEl>
+                                        <p:attrNameLst>
+                                          <p:attrName>style.visibility</p:attrName>
+                                        </p:attrNameLst>
+                                      </p:cBhvr>
+                                      <p:to>
+                                        <p:strVal val="visible"/>
+                                      </p:to>
+                                    </p:set>
+                                    <p:animEffect transition="in" filter="wipe(left)">
+                                      <p:cBhvr>
+                                        <p:cTn id="7" dur="500"/>
+                                        <p:tgtEl>
+                                          <p:spTgt spid="157699"/>
+                                        </p:tgtEl>
+                                      </p:cBhvr>
+                                    </p:animEffect>
+                                  </p:childTnLst>
+                                </p:cTn>
+                              </p:par>
+                            </p:childTnLst>
+                          </p:cTn>
+                        </p:par>
+                      </p:childTnLst>
+                    </p:cTn>
+                  </p:par>
+                  <p:par>
+                    <p:cTn id="8" fill="hold">
+                      <p:stCondLst>
+                        <p:cond delay="indefinite"/>
+                      </p:stCondLst>
+                      <p:childTnLst>
+                        <p:par>
+                          <p:cTn id="9" fill="hold">
+                            <p:stCondLst>
+                              <p:cond delay="0"/>
+                            </p:stCondLst>
+                            <p:childTnLst>
+                              <p:par>
+                                <p:cTn id="10" presetID="3" presetClass="entr" presetSubtype="10" fill="hold" grpId="0" nodeType="clickEffect">
+                                  <p:stCondLst>
+                                    <p:cond delay="0"/>
+                                  </p:stCondLst>
+                                  <p:childTnLst>
+                                    <p:set>
+                                      <p:cBhvr>
+                                        <p:cTn id="11" dur="1" fill="hold">
+                                          <p:stCondLst>
+                                            <p:cond delay="0"/>
+                                          </p:stCondLst>
+                                        </p:cTn>
+                                        <p:tgtEl>
+                                          <p:spTgt spid="24580"/>
+                                        </p:tgtEl>
+                                        <p:attrNameLst>
+                                          <p:attrName>style.visibility</p:attrName>
+                                        </p:attrNameLst>
+                                      </p:cBhvr>
+                                      <p:to>
+                                        <p:strVal val="visible"/>
+                                      </p:to>
+                                    </p:set>
+                                    <p:animEffect transition="in" filter="blinds(horizontal)">
+                                      <p:cBhvr>
+                                        <p:cTn id="12" dur="500"/>
+                                        <p:tgtEl>
+                                          <p:spTgt spid="24580"/>
+                                        </p:tgtEl>
+                                      </p:cBhvr>
+                                    </p:animEffect>
+                                  </p:childTnLst>
+                                </p:cTn>
+                              </p:par>
+                            </p:childTnLst>
+                          </p:cTn>
+                        </p:par>
+                      </p:childTnLst>
+                    </p:cTn>
+                  </p:par>
+                </p:childTnLst>
+              </p:cTn>
+              <p:prevCondLst>
+                <p:cond evt="onPrev" delay="0">
+                  <p:tgtEl>
+                    <p:sldTgt/>
+                  </p:tgtEl>
+                </p:cond>
+              </p:prevCondLst>
+              <p:nextCondLst>
+                <p:cond evt="onNext" delay="0">
+                  <p:tgtEl>
+                    <p:sldTgt/>
+                  </p:tgtEl>
+                </p:cond>
+              </p:nextCondLst>
+            </p:seq>
+          </p:childTnLst>
+        </p:cTn>
+      </p:par>
+    </p:tnLst>
+    <p:bldLst>
+      <p:bldP spid="24580" grpId="0"/>
+    </p:bldLst>
+  </p:timing>
+</p:sld>
+</file>
+
+<file path=ppt/slides/slide16.xml><?xml version="1.0" encoding="utf-8"?>
+<p:sld xmlns:a="http://schemas.openxmlformats.org/drawingml/2006/main" xmlns:r="http://schemas.openxmlformats.org/officeDocument/2006/relationships" xmlns:p="http://schemas.openxmlformats.org/presentationml/2006/main">
+  <p:cSld>
+    <p:spTree>
+      <p:nvGrpSpPr>
+        <p:cNvPr id="1" name=""/>
+        <p:cNvGrpSpPr/>
+        <p:nvPr/>
+      </p:nvGrpSpPr>
+      <p:grpSpPr>
+        <a:xfrm>
+          <a:off x="0" y="0"/>
+          <a:ext cx="0" cy="0"/>
+          <a:chOff x="0" y="0"/>
+          <a:chExt cx="0" cy="0"/>
+        </a:xfrm>
+      </p:grpSpPr>
+      <p:sp>
+        <p:nvSpPr>
+          <p:cNvPr id="8" name="Rectangle 2"/>
+          <p:cNvSpPr txBox="1">
+            <a:spLocks noChangeArrowheads="1"/>
+          </p:cNvSpPr>
+          <p:nvPr/>
+        </p:nvSpPr>
+        <p:spPr>
+          <a:xfrm>
+            <a:off x="1447800" y="228600"/>
+            <a:ext cx="7543800" cy="1143000"/>
+          </a:xfrm>
+          <a:prstGeom prst="rect">
+            <a:avLst/>
+          </a:prstGeom>
+        </p:spPr>
+        <p:txBody>
+          <a:bodyPr/>
+          <a:lstStyle/>
+          <a:p>
+            <a:pPr marL="0" marR="0" lvl="0" indent="0" algn="ctr" defTabSz="914400" rtl="0" eaLnBrk="1" fontAlgn="base" latinLnBrk="0" hangingPunct="1">
+              <a:lnSpc>
+                <a:spcPct val="100000"/>
+              </a:lnSpc>
+              <a:spcBef>
+                <a:spcPct val="0"/>
+              </a:spcBef>
+              <a:spcAft>
+                <a:spcPct val="0"/>
+              </a:spcAft>
+              <a:buClrTx/>
+              <a:buSzTx/>
+              <a:buFontTx/>
+              <a:buNone/>
+              <a:tabLst/>
+              <a:defRPr/>
+            </a:pPr>
+            <a:r>
+              <a:rPr kumimoji="0" lang="en-US" sz="4000" b="1" i="0" u="none" strike="noStrike" kern="0" cap="none" spc="0" normalizeH="0" baseline="0" noProof="0" dirty="0" smtClean="0">
+                <a:ln>
+                  <a:noFill/>
+                </a:ln>
+                <a:solidFill>
+                  <a:schemeClr val="tx2"/>
+                </a:solidFill>
+                <a:effectLst/>
+                <a:uLnTx/>
+                <a:uFillTx/>
+                <a:latin typeface="+mj-lt"/>
+                <a:ea typeface="+mj-ea"/>
+                <a:cs typeface="+mj-cs"/>
+              </a:rPr>
+              <a:t>Asymptotic Equivalence </a:t>
+            </a:r>
+            <a:r>
+              <a:rPr kumimoji="0" lang="en-US" sz="4000" b="1" i="0" u="none" strike="noStrike" kern="0" cap="none" spc="0" normalizeH="0" baseline="0" noProof="0" dirty="0" smtClean="0">
+                <a:ln>
+                  <a:noFill/>
+                </a:ln>
+                <a:solidFill>
+                  <a:srgbClr val="CC0099"/>
+                </a:solidFill>
+                <a:effectLst/>
+                <a:uLnTx/>
+                <a:uFillTx/>
+                <a:latin typeface="+mj-lt"/>
+                <a:ea typeface="+mj-ea"/>
+                <a:cs typeface="+mj-cs"/>
+              </a:rPr>
+              <a:t>~</a:t>
+            </a:r>
+          </a:p>
+        </p:txBody>
+      </p:sp>
+      <p:sp>
+        <p:nvSpPr>
+          <p:cNvPr id="9" name="Text Box 6"/>
+          <p:cNvSpPr txBox="1">
+            <a:spLocks noChangeArrowheads="1"/>
+          </p:cNvSpPr>
+          <p:nvPr/>
+        </p:nvSpPr>
+        <p:spPr bwMode="auto">
+          <a:xfrm>
+            <a:off x="692933" y="1090613"/>
+            <a:ext cx="7415813" cy="1015663"/>
+          </a:xfrm>
+          <a:prstGeom prst="rect">
+            <a:avLst/>
+          </a:prstGeom>
+          <a:noFill/>
+          <a:ln w="9525">
+            <a:noFill/>
+            <a:miter lim="800000"/>
+            <a:headEnd/>
+            <a:tailEnd type="none" w="lg" len="lg"/>
+          </a:ln>
+        </p:spPr>
+        <p:txBody>
+          <a:bodyPr wrap="none">
+            <a:spAutoFit/>
+          </a:bodyPr>
+          <a:lstStyle/>
+          <a:p>
+            <a:pPr lvl="0"/>
+            <a:r>
+              <a:rPr lang="en-US" sz="4400" dirty="0">
+                <a:solidFill>
+                  <a:srgbClr val="930093"/>
+                </a:solidFill>
+                <a:latin typeface="+mj-lt"/>
+              </a:rPr>
+              <a:t>Example</a:t>
+            </a:r>
+            <a:r>
+              <a:rPr lang="en-US" sz="4400" dirty="0" smtClean="0">
+                <a:solidFill>
+                  <a:srgbClr val="930093"/>
+                </a:solidFill>
+                <a:latin typeface="+mj-lt"/>
+              </a:rPr>
+              <a:t>:</a:t>
+            </a:r>
+            <a:r>
+              <a:rPr lang="en-US" sz="4800" i="1" dirty="0" smtClean="0">
+                <a:latin typeface="+mj-lt"/>
+              </a:rPr>
+              <a:t> </a:t>
+            </a:r>
+            <a:r>
+              <a:rPr lang="en-US" sz="6000" dirty="0" smtClean="0">
+                <a:solidFill>
+                  <a:srgbClr val="000099"/>
+                </a:solidFill>
+                <a:latin typeface="+mj-lt"/>
+              </a:rPr>
+              <a:t> </a:t>
+            </a:r>
+            <a:r>
+              <a:rPr lang="en-US" sz="6000" dirty="0" smtClean="0">
+                <a:solidFill>
+                  <a:srgbClr val="0000FF"/>
+                </a:solidFill>
+                <a:latin typeface="+mj-lt"/>
+              </a:rPr>
+              <a:t>(n</a:t>
+            </a:r>
+            <a:r>
+              <a:rPr lang="en-US" sz="6000" baseline="30000" dirty="0" smtClean="0">
+                <a:solidFill>
+                  <a:srgbClr val="0000FF"/>
+                </a:solidFill>
+                <a:latin typeface="+mj-lt"/>
+              </a:rPr>
+              <a:t>2</a:t>
+            </a:r>
+            <a:r>
+              <a:rPr lang="en-US" sz="6000" dirty="0" smtClean="0">
+                <a:solidFill>
+                  <a:srgbClr val="0000FF"/>
+                </a:solidFill>
+                <a:latin typeface="+mj-lt"/>
+              </a:rPr>
+              <a:t> + n) </a:t>
+            </a:r>
+            <a:r>
+              <a:rPr lang="en-US" sz="6000" b="1" kern="0" dirty="0" smtClean="0">
+                <a:solidFill>
+                  <a:srgbClr val="FF33CC"/>
+                </a:solidFill>
+                <a:latin typeface="+mj-lt"/>
+              </a:rPr>
+              <a:t>~</a:t>
+            </a:r>
+            <a:r>
+              <a:rPr lang="en-US" sz="6000" b="1" kern="0" dirty="0" smtClean="0">
+                <a:solidFill>
+                  <a:srgbClr val="0000FF"/>
+                </a:solidFill>
+                <a:latin typeface="+mj-lt"/>
+              </a:rPr>
+              <a:t> </a:t>
+            </a:r>
+            <a:r>
+              <a:rPr lang="en-US" sz="6000" kern="0" dirty="0" smtClean="0">
+                <a:solidFill>
+                  <a:srgbClr val="0000FF"/>
+                </a:solidFill>
+                <a:latin typeface="+mj-lt"/>
+              </a:rPr>
+              <a:t>n</a:t>
+            </a:r>
+            <a:r>
+              <a:rPr lang="en-US" sz="6000" b="1" kern="0" baseline="30000" dirty="0" smtClean="0">
+                <a:solidFill>
+                  <a:srgbClr val="0000FF"/>
+                </a:solidFill>
+                <a:latin typeface="+mj-lt"/>
+              </a:rPr>
+              <a:t>2</a:t>
+            </a:r>
+            <a:endParaRPr lang="en-US" sz="6000" baseline="30000" dirty="0">
+              <a:solidFill>
+                <a:srgbClr val="0000FF"/>
+              </a:solidFill>
+              <a:latin typeface="+mj-lt"/>
+            </a:endParaRPr>
+          </a:p>
+        </p:txBody>
+      </p:sp>
+      <p:sp>
+        <p:nvSpPr>
+          <p:cNvPr id="10" name="TextBox 9"/>
+          <p:cNvSpPr txBox="1"/>
+          <p:nvPr/>
+        </p:nvSpPr>
+        <p:spPr>
+          <a:xfrm>
+            <a:off x="533400" y="2590800"/>
+            <a:ext cx="976199" cy="800219"/>
+          </a:xfrm>
+          <a:prstGeom prst="rect">
+            <a:avLst/>
+          </a:prstGeom>
+          <a:noFill/>
+        </p:spPr>
+        <p:txBody>
+          <a:bodyPr wrap="none" rtlCol="0">
+            <a:spAutoFit/>
+          </a:bodyPr>
+          <a:lstStyle/>
+          <a:p>
+            <a:r>
+              <a:rPr lang="en-US" dirty="0" err="1" smtClean="0">
+                <a:solidFill>
+                  <a:srgbClr val="930093"/>
+                </a:solidFill>
+                <a:latin typeface="+mj-lt"/>
+              </a:rPr>
+              <a:t>pf</a:t>
+            </a:r>
+            <a:r>
+              <a:rPr lang="en-US" dirty="0" smtClean="0">
+                <a:solidFill>
+                  <a:srgbClr val="930093"/>
+                </a:solidFill>
+                <a:latin typeface="+mj-lt"/>
+              </a:rPr>
+              <a:t>: </a:t>
+            </a:r>
+            <a:endParaRPr lang="en-US" dirty="0">
+              <a:solidFill>
+                <a:srgbClr val="930093"/>
+              </a:solidFill>
+              <a:latin typeface="+mj-lt"/>
+            </a:endParaRPr>
+          </a:p>
+        </p:txBody>
+      </p:sp>
+      <p:graphicFrame>
+        <p:nvGraphicFramePr>
+          <p:cNvPr id="11" name="Object 10"/>
+          <p:cNvGraphicFramePr>
+            <a:graphicFrameLocks noChangeAspect="1"/>
+          </p:cNvGraphicFramePr>
+          <p:nvPr/>
+        </p:nvGraphicFramePr>
+        <p:xfrm>
+          <a:off x="762000" y="2971800"/>
+          <a:ext cx="7524206" cy="2057400"/>
+        </p:xfrm>
+        <a:graphic>
+          <a:graphicData uri="http://schemas.openxmlformats.org/presentationml/2006/ole">
+            <mc:AlternateContent xmlns:mc="http://schemas.openxmlformats.org/markup-compatibility/2006">
+              <mc:Choice xmlns:v="urn:schemas-microsoft-com:vml" Requires="v">
+                <p:oleObj spid="_x0000_s100403" name="Equation" r:id="rId5" imgW="1625400" imgH="444240" progId="Equation.DSMT4">
+                  <p:embed/>
+                </p:oleObj>
+              </mc:Choice>
+              <mc:Fallback>
+                <p:oleObj name="Equation" r:id="rId5" imgW="1625400" imgH="444240" progId="Equation.DSMT4">
+                  <p:embed/>
+                  <p:pic>
+                    <p:nvPicPr>
+                      <p:cNvPr id="0" name="Picture 2"/>
+                      <p:cNvPicPr>
+                        <a:picLocks noChangeAspect="1" noChangeArrowheads="1"/>
+                      </p:cNvPicPr>
+                      <p:nvPr/>
+                    </p:nvPicPr>
+                    <p:blipFill>
+                      <a:blip r:embed="rId6">
+                        <a:extLst>
+                          <a:ext uri="{28A0092B-C50C-407E-A947-70E740481C1C}">
+                            <a14:useLocalDpi xmlns:a14="http://schemas.microsoft.com/office/drawing/2010/main" val="0"/>
+                          </a:ext>
+                        </a:extLst>
+                      </a:blip>
+                      <a:srcRect/>
+                      <a:stretch>
+                        <a:fillRect/>
+                      </a:stretch>
+                    </p:blipFill>
+                    <p:spPr bwMode="auto">
+                      <a:xfrm>
+                        <a:off x="762000" y="2971800"/>
+                        <a:ext cx="7524206" cy="2057400"/>
+                      </a:xfrm>
+                      <a:prstGeom prst="rect">
+                        <a:avLst/>
+                      </a:prstGeom>
+                      <a:noFill/>
+                      <a:extLst>
+                        <a:ext uri="{909E8E84-426E-40dd-AFC4-6F175D3DCCD1}">
+                          <a14:hiddenFill xmlns:a14="http://schemas.microsoft.com/office/drawing/2010/main">
+                            <a:solidFill>
+                              <a:srgbClr val="FFFFFF"/>
+                            </a:solidFill>
+                          </a14:hiddenFill>
+                        </a:ext>
+                      </a:extLst>
+                    </p:spPr>
+                  </p:pic>
+                </p:oleObj>
+              </mc:Fallback>
+            </mc:AlternateContent>
+          </a:graphicData>
+        </a:graphic>
+      </p:graphicFrame>
+    </p:spTree>
+    <p:custDataLst>
+      <p:tags r:id="rId2"/>
+    </p:custDataLst>
+  </p:cSld>
+  <p:clrMapOvr>
+    <a:masterClrMapping/>
+  </p:clrMapOvr>
+  <mc:AlternateContent xmlns:mc="http://schemas.openxmlformats.org/markup-compatibility/2006">
+    <mc:Choice xmlns:p14="http://schemas.microsoft.com/office/powerpoint/2010/main" Requires="p14">
+      <p:transition spd="slow" p14:dur="900" advClick="0">
+        <p:fade/>
+      </p:transition>
+    </mc:Choice>
+    <mc:Fallback>
+      <p:transition xmlns:p14="http://schemas.microsoft.com/office/powerpoint/2010/main" spd="slow" advClick="0">
+        <p:fade/>
+      </p:transition>
+    </mc:Fallback>
+  </mc:AlternateContent>
+  <p:timing>
+    <p:tnLst>
+      <p:par>
+        <p:cTn xmlns:p14="http://schemas.microsoft.com/office/powerpoint/2010/main" id="1" dur="indefinite" restart="never" nodeType="tmRoot">
+          <p:childTnLst>
+            <p:seq concurrent="1" nextAc="seek">
+              <p:cTn id="2" dur="indefinite" nodeType="mainSeq">
+                <p:childTnLst>
+                  <p:par>
+                    <p:cTn id="3" fill="hold">
+                      <p:stCondLst>
+                        <p:cond delay="indefinite"/>
+                      </p:stCondLst>
+                      <p:childTnLst>
+                        <p:par>
+                          <p:cTn id="4" fill="hold">
+                            <p:stCondLst>
+                              <p:cond delay="0"/>
+                            </p:stCondLst>
+                            <p:childTnLst>
+                              <p:par>
+                                <p:cTn id="5" presetID="1" presetClass="entr" presetSubtype="0" fill="hold" grpId="0" nodeType="clickEffect">
+                                  <p:stCondLst>
+                                    <p:cond delay="0"/>
+                                  </p:stCondLst>
+                                  <p:childTnLst>
+                                    <p:set>
+                                      <p:cBhvr>
+                                        <p:cTn id="6" dur="1" fill="hold">
+                                          <p:stCondLst>
+                                            <p:cond delay="0"/>
+                                          </p:stCondLst>
+                                        </p:cTn>
+                                        <p:tgtEl>
+                                          <p:spTgt spid="10"/>
+                                        </p:tgtEl>
+                                        <p:attrNameLst>
+                                          <p:attrName>style.visibility</p:attrName>
+                                        </p:attrNameLst>
+                                      </p:cBhvr>
+                                      <p:to>
+                                        <p:strVal val="visible"/>
+                                      </p:to>
+                                    </p:set>
+                                  </p:childTnLst>
+                                </p:cTn>
+                              </p:par>
+                            </p:childTnLst>
+                          </p:cTn>
+                        </p:par>
+                      </p:childTnLst>
+                    </p:cTn>
+                  </p:par>
+                  <p:par>
+                    <p:cTn id="7" fill="hold">
+                      <p:stCondLst>
+                        <p:cond delay="indefinite"/>
+                      </p:stCondLst>
+                      <p:childTnLst>
+                        <p:par>
+                          <p:cTn id="8" fill="hold">
+                            <p:stCondLst>
+                              <p:cond delay="0"/>
+                            </p:stCondLst>
+                            <p:childTnLst>
+                              <p:par>
+                                <p:cTn id="9" presetID="22" presetClass="entr" presetSubtype="8" fill="hold" nodeType="clickEffect">
+                                  <p:stCondLst>
+                                    <p:cond delay="0"/>
+                                  </p:stCondLst>
+                                  <p:childTnLst>
+                                    <p:set>
+                                      <p:cBhvr>
+                                        <p:cTn id="10" dur="1" fill="hold">
+                                          <p:stCondLst>
+                                            <p:cond delay="0"/>
+                                          </p:stCondLst>
+                                        </p:cTn>
+                                        <p:tgtEl>
+                                          <p:spTgt spid="11"/>
+                                        </p:tgtEl>
+                                        <p:attrNameLst>
+                                          <p:attrName>style.visibility</p:attrName>
+                                        </p:attrNameLst>
+                                      </p:cBhvr>
+                                      <p:to>
+                                        <p:strVal val="visible"/>
+                                      </p:to>
+                                    </p:set>
+                                    <p:animEffect transition="in" filter="wipe(left)">
+                                      <p:cBhvr>
+                                        <p:cTn id="11" dur="2000"/>
+                                        <p:tgtEl>
+                                          <p:spTgt spid="11"/>
+                                        </p:tgtEl>
+                                      </p:cBhvr>
+                                    </p:animEffect>
+                                  </p:childTnLst>
+                                </p:cTn>
+                              </p:par>
+                            </p:childTnLst>
+                          </p:cTn>
+                        </p:par>
+                      </p:childTnLst>
+                    </p:cTn>
+                  </p:par>
+                </p:childTnLst>
+              </p:cTn>
+              <p:prevCondLst>
+                <p:cond evt="onPrev" delay="0">
+                  <p:tgtEl>
+                    <p:sldTgt/>
+                  </p:tgtEl>
+                </p:cond>
+              </p:prevCondLst>
+              <p:nextCondLst>
+                <p:cond evt="onNext" delay="0">
+                  <p:tgtEl>
+                    <p:sldTgt/>
+                  </p:tgtEl>
+                </p:cond>
+              </p:nextCondLst>
+            </p:seq>
+          </p:childTnLst>
+        </p:cTn>
+      </p:par>
+    </p:tnLst>
+    <p:bldLst>
+      <p:bldP spid="10" grpId="0"/>
+    </p:bldLst>
+  </p:timing>
+</p:sld>
+</file>
+
+<file path=ppt/slides/slide17.xml><?xml version="1.0" encoding="utf-8"?>
+<p:sld xmlns:a="http://schemas.openxmlformats.org/drawingml/2006/main" xmlns:r="http://schemas.openxmlformats.org/officeDocument/2006/relationships" xmlns:p="http://schemas.openxmlformats.org/presentationml/2006/main">
+  <p:cSld>
+    <p:spTree>
+      <p:nvGrpSpPr>
+        <p:cNvPr id="1" name=""/>
+        <p:cNvGrpSpPr/>
+        <p:nvPr/>
+      </p:nvGrpSpPr>
+      <p:grpSpPr>
+        <a:xfrm>
+          <a:off x="0" y="0"/>
+          <a:ext cx="0" cy="0"/>
+          <a:chOff x="0" y="0"/>
+          <a:chExt cx="0" cy="0"/>
+        </a:xfrm>
+      </p:grpSpPr>
       <p:sp>
         <p:nvSpPr>
           <p:cNvPr id="2" name="Title 1"/>
@@ -5696,12 +7433,12 @@
           <a:graphicData uri="http://schemas.openxmlformats.org/presentationml/2006/ole">
             <mc:AlternateContent xmlns:mc="http://schemas.openxmlformats.org/markup-compatibility/2006">
               <mc:Choice xmlns:v="urn:schemas-microsoft-com:vml" Requires="v">
-                <p:oleObj spid="_x0000_s1034" name="Equation" r:id="rId3" imgW="2057400" imgH="469900" progId="Equation.DSMT4">
+                <p:oleObj spid="_x0000_s1054" name="Equation" r:id="rId4" imgW="2057400" imgH="469900" progId="Equation.DSMT4">
                   <p:embed/>
                 </p:oleObj>
               </mc:Choice>
               <mc:Fallback>
-                <p:oleObj name="Equation" r:id="rId3" imgW="2057400" imgH="469900" progId="Equation.DSMT4">
+                <p:oleObj name="Equation" r:id="rId4" imgW="2057400" imgH="469900" progId="Equation.DSMT4">
                   <p:embed/>
                   <p:pic>
                     <p:nvPicPr>
@@ -5710,7 +7447,7 @@
                       <p:nvPr/>
                     </p:nvPicPr>
                     <p:blipFill>
-                      <a:blip r:embed="rId4"/>
+                      <a:blip r:embed="rId5"/>
                       <a:stretch>
                         <a:fillRect/>
                       </a:stretch>
@@ -5753,12 +7490,12 @@
           <a:graphicData uri="http://schemas.openxmlformats.org/presentationml/2006/ole">
             <mc:AlternateContent xmlns:mc="http://schemas.openxmlformats.org/markup-compatibility/2006">
               <mc:Choice xmlns:v="urn:schemas-microsoft-com:vml" Requires="v">
-                <p:oleObj spid="_x0000_s1035" name="Equation" r:id="rId5" imgW="1511300" imgH="215900" progId="Equation.DSMT4">
+                <p:oleObj spid="_x0000_s1055" name="Equation" r:id="rId6" imgW="1511300" imgH="215900" progId="Equation.DSMT4">
                   <p:embed/>
                 </p:oleObj>
               </mc:Choice>
               <mc:Fallback>
-                <p:oleObj name="Equation" r:id="rId5" imgW="1511300" imgH="215900" progId="Equation.DSMT4">
+                <p:oleObj name="Equation" r:id="rId6" imgW="1511300" imgH="215900" progId="Equation.DSMT4">
                   <p:embed/>
                   <p:pic>
                     <p:nvPicPr>
@@ -5767,7 +7504,7 @@
                       <p:nvPr/>
                     </p:nvPicPr>
                     <p:blipFill>
-                      <a:blip r:embed="rId6"/>
+                      <a:blip r:embed="rId7"/>
                       <a:stretch>
                         <a:fillRect/>
                       </a:stretch>
@@ -5810,12 +7547,12 @@
           <a:graphicData uri="http://schemas.openxmlformats.org/presentationml/2006/ole">
             <mc:AlternateContent xmlns:mc="http://schemas.openxmlformats.org/markup-compatibility/2006">
               <mc:Choice xmlns:v="urn:schemas-microsoft-com:vml" Requires="v">
-                <p:oleObj spid="_x0000_s1036" name="Equation" r:id="rId7" imgW="825500" imgH="228600" progId="Equation.DSMT4">
+                <p:oleObj spid="_x0000_s1056" name="Equation" r:id="rId8" imgW="825500" imgH="228600" progId="Equation.DSMT4">
                   <p:embed/>
                 </p:oleObj>
               </mc:Choice>
               <mc:Fallback>
-                <p:oleObj name="Equation" r:id="rId7" imgW="825500" imgH="228600" progId="Equation.DSMT4">
+                <p:oleObj name="Equation" r:id="rId8" imgW="825500" imgH="228600" progId="Equation.DSMT4">
                   <p:embed/>
                   <p:pic>
                     <p:nvPicPr>
@@ -5824,7 +7561,7 @@
                       <p:nvPr/>
                     </p:nvPicPr>
                     <p:blipFill>
-                      <a:blip r:embed="rId8"/>
+                      <a:blip r:embed="rId9"/>
                       <a:stretch>
                         <a:fillRect/>
                       </a:stretch>
@@ -5855,6 +7592,18 @@
   <p:clrMapOvr>
     <a:masterClrMapping/>
   </p:clrMapOvr>
+  <mc:AlternateContent xmlns:mc="http://schemas.openxmlformats.org/markup-compatibility/2006">
+    <mc:Choice xmlns:p14="http://schemas.microsoft.com/office/powerpoint/2010/main" Requires="p14">
+      <p:transition spd="slow" p14:dur="1100" advClick="0">
+        <p:fade thruBlk="1"/>
+      </p:transition>
+    </mc:Choice>
+    <mc:Fallback>
+      <p:transition xmlns:p14="http://schemas.microsoft.com/office/powerpoint/2010/main" spd="slow" advClick="0">
+        <p:fade thruBlk="1"/>
+      </p:transition>
+    </mc:Fallback>
+  </mc:AlternateContent>
   <p:timing>
     <p:tnLst>
       <p:par>
@@ -6133,7 +7882,7 @@
 </p:sld>
 </file>
 
-<file path=ppt/slides/slide14.xml><?xml version="1.0" encoding="utf-8"?>
+<file path=ppt/slides/slide2.xml><?xml version="1.0" encoding="utf-8"?>
 <p:sld xmlns:a="http://schemas.openxmlformats.org/drawingml/2006/main" xmlns:r="http://schemas.openxmlformats.org/officeDocument/2006/relationships" xmlns:p="http://schemas.openxmlformats.org/presentationml/2006/main">
   <p:cSld>
     <p:spTree>
@@ -6150,1056 +7899,41 @@
           <a:chExt cx="0" cy="0"/>
         </a:xfrm>
       </p:grpSpPr>
-      <p:graphicFrame>
-        <p:nvGraphicFramePr>
-          <p:cNvPr id="105474" name="Object 2"/>
-          <p:cNvGraphicFramePr>
-            <a:graphicFrameLocks noChangeAspect="1"/>
-          </p:cNvGraphicFramePr>
+      <p:sp>
+        <p:nvSpPr>
+          <p:cNvPr id="39939" name="Rectangle 2"/>
+          <p:cNvSpPr>
+            <a:spLocks noGrp="1" noChangeArrowheads="1"/>
+          </p:cNvSpPr>
           <p:nvPr>
-            <p:extLst>
-              <p:ext uri="{D42A27DB-BD31-4B8C-83A1-F6EECF244321}">
-                <p14:modId xmlns:p14="http://schemas.microsoft.com/office/powerpoint/2010/main" val="3065823736"/>
-              </p:ext>
-            </p:extLst>
-          </p:nvPr>
-        </p:nvGraphicFramePr>
-        <p:xfrm>
-          <a:off x="1654175" y="1582738"/>
-          <a:ext cx="5797550" cy="3702050"/>
-        </p:xfrm>
-        <a:graphic>
-          <a:graphicData uri="http://schemas.openxmlformats.org/presentationml/2006/ole">
-            <mc:AlternateContent xmlns:mc="http://schemas.openxmlformats.org/markup-compatibility/2006">
-              <mc:Choice xmlns:v="urn:schemas-microsoft-com:vml" Requires="v">
-                <p:oleObj spid="_x0000_s105515" name="Equation" r:id="rId4" imgW="1231900" imgH="787400" progId="Equation.DSMT4">
-                  <p:embed/>
-                </p:oleObj>
-              </mc:Choice>
-              <mc:Fallback>
-                <p:oleObj name="Equation" r:id="rId4" imgW="1231900" imgH="787400" progId="Equation.DSMT4">
-                  <p:embed/>
-                  <p:pic>
-                    <p:nvPicPr>
-                      <p:cNvPr id="0" name="Object 2"/>
-                      <p:cNvPicPr>
-                        <a:picLocks noChangeAspect="1" noChangeArrowheads="1"/>
-                      </p:cNvPicPr>
-                      <p:nvPr/>
-                    </p:nvPicPr>
-                    <p:blipFill>
-                      <a:blip r:embed="rId5"/>
-                      <a:srcRect/>
-                      <a:stretch>
-                        <a:fillRect/>
-                      </a:stretch>
-                    </p:blipFill>
-                    <p:spPr bwMode="auto">
-                      <a:xfrm>
-                        <a:off x="1654175" y="1582738"/>
-                        <a:ext cx="5797550" cy="3702050"/>
-                      </a:xfrm>
-                      <a:prstGeom prst="rect">
-                        <a:avLst/>
-                      </a:prstGeom>
-                      <a:noFill/>
-                      <a:extLst>
-                        <a:ext uri="{909E8E84-426E-40dd-AFC4-6F175D3DCCD1}">
-                          <a14:hiddenFill xmlns:a14="http://schemas.microsoft.com/office/drawing/2010/main">
-                            <a:solidFill>
-                              <a:srgbClr val="FFFFFF"/>
-                            </a:solidFill>
-                          </a14:hiddenFill>
-                        </a:ext>
-                      </a:extLst>
-                    </p:spPr>
-                  </p:pic>
-                </p:oleObj>
-              </mc:Fallback>
-            </mc:AlternateContent>
-          </a:graphicData>
-        </a:graphic>
-      </p:graphicFrame>
-      <p:sp>
-        <p:nvSpPr>
-          <p:cNvPr id="7" name="Text Box 32"/>
-          <p:cNvSpPr txBox="1">
-            <a:spLocks noChangeArrowheads="1"/>
-          </p:cNvSpPr>
-          <p:nvPr/>
-        </p:nvSpPr>
-        <p:spPr bwMode="auto">
-          <a:xfrm>
-            <a:off x="1752600" y="144463"/>
-            <a:ext cx="5323893" cy="769441"/>
-          </a:xfrm>
-          <a:prstGeom prst="rect">
-            <a:avLst/>
-          </a:prstGeom>
-          <a:noFill/>
-          <a:ln w="9525">
-            <a:noFill/>
-            <a:miter lim="800000"/>
-            <a:headEnd/>
-            <a:tailEnd/>
-          </a:ln>
-        </p:spPr>
-        <p:txBody>
-          <a:bodyPr wrap="none">
-            <a:spAutoFit/>
-          </a:bodyPr>
-          <a:lstStyle/>
-          <a:p>
-            <a:pPr eaLnBrk="0" hangingPunct="0"/>
-            <a:r>
-              <a:rPr lang="en-US" sz="4400" dirty="0" smtClean="0">
-                <a:latin typeface="Comic Sans MS" pitchFamily="66" charset="0"/>
-              </a:rPr>
-              <a:t>Upper bound </a:t>
-            </a:r>
-            <a:r>
-              <a:rPr lang="en-US" sz="4400" dirty="0">
-                <a:latin typeface="Comic Sans MS" pitchFamily="66" charset="0"/>
-              </a:rPr>
-              <a:t>for </a:t>
-            </a:r>
-            <a:r>
-              <a:rPr lang="en-US" sz="4400" dirty="0" err="1">
-                <a:solidFill>
-                  <a:srgbClr val="0000FF"/>
-                </a:solidFill>
-                <a:latin typeface="Comic Sans MS" pitchFamily="66" charset="0"/>
-              </a:rPr>
-              <a:t>H</a:t>
-            </a:r>
-            <a:r>
-              <a:rPr lang="en-US" sz="4400" baseline="-25000" dirty="0" err="1">
-                <a:solidFill>
-                  <a:srgbClr val="0000FF"/>
-                </a:solidFill>
-                <a:latin typeface="Comic Sans MS" pitchFamily="66" charset="0"/>
-              </a:rPr>
-              <a:t>n</a:t>
-            </a:r>
-            <a:endParaRPr lang="en-US" sz="4400" dirty="0">
-              <a:solidFill>
-                <a:srgbClr val="0000FF"/>
-              </a:solidFill>
-              <a:latin typeface="Comic Sans MS" pitchFamily="66" charset="0"/>
-            </a:endParaRPr>
-          </a:p>
-        </p:txBody>
-      </p:sp>
-    </p:spTree>
-  </p:cSld>
-  <p:clrMapOvr>
-    <a:masterClrMapping/>
-  </p:clrMapOvr>
-  <p:transition xmlns:p14="http://schemas.microsoft.com/office/powerpoint/2010/main" advTm="15868">
-    <p:fade/>
-  </p:transition>
-  <p:timing>
-    <p:tnLst>
-      <p:par>
-        <p:cTn xmlns:p14="http://schemas.microsoft.com/office/powerpoint/2010/main" id="1" dur="indefinite" restart="never" nodeType="tmRoot">
-          <p:childTnLst>
-            <p:seq concurrent="1" nextAc="seek">
-              <p:cTn id="2" dur="indefinite" nodeType="mainSeq">
-                <p:childTnLst>
-                  <p:par>
-                    <p:cTn id="3" fill="hold">
-                      <p:stCondLst>
-                        <p:cond delay="indefinite"/>
-                        <p:cond evt="onBegin" delay="0">
-                          <p:tn val="2"/>
-                        </p:cond>
-                      </p:stCondLst>
-                      <p:childTnLst>
-                        <p:par>
-                          <p:cTn id="4" fill="hold">
-                            <p:stCondLst>
-                              <p:cond delay="0"/>
-                            </p:stCondLst>
-                            <p:childTnLst>
-                              <p:par>
-                                <p:cTn id="5" presetID="22" presetClass="entr" presetSubtype="1" fill="hold" nodeType="afterEffect">
-                                  <p:stCondLst>
-                                    <p:cond delay="0"/>
-                                  </p:stCondLst>
-                                  <p:childTnLst>
-                                    <p:set>
-                                      <p:cBhvr>
-                                        <p:cTn id="6" dur="1" fill="hold">
-                                          <p:stCondLst>
-                                            <p:cond delay="0"/>
-                                          </p:stCondLst>
-                                        </p:cTn>
-                                        <p:tgtEl>
-                                          <p:spTgt spid="105474"/>
-                                        </p:tgtEl>
-                                        <p:attrNameLst>
-                                          <p:attrName>style.visibility</p:attrName>
-                                        </p:attrNameLst>
-                                      </p:cBhvr>
-                                      <p:to>
-                                        <p:strVal val="visible"/>
-                                      </p:to>
-                                    </p:set>
-                                    <p:animEffect transition="in" filter="wipe(up)">
-                                      <p:cBhvr>
-                                        <p:cTn id="7" dur="2000"/>
-                                        <p:tgtEl>
-                                          <p:spTgt spid="105474"/>
-                                        </p:tgtEl>
-                                      </p:cBhvr>
-                                    </p:animEffect>
-                                  </p:childTnLst>
-                                </p:cTn>
-                              </p:par>
-                            </p:childTnLst>
-                          </p:cTn>
-                        </p:par>
-                      </p:childTnLst>
-                    </p:cTn>
-                  </p:par>
-                </p:childTnLst>
-              </p:cTn>
-              <p:prevCondLst>
-                <p:cond evt="onPrev" delay="0">
-                  <p:tgtEl>
-                    <p:sldTgt/>
-                  </p:tgtEl>
-                </p:cond>
-              </p:prevCondLst>
-              <p:nextCondLst>
-                <p:cond evt="onNext" delay="0">
-                  <p:tgtEl>
-                    <p:sldTgt/>
-                  </p:tgtEl>
-                </p:cond>
-              </p:nextCondLst>
-            </p:seq>
-          </p:childTnLst>
-        </p:cTn>
-      </p:par>
-    </p:tnLst>
-  </p:timing>
-</p:sld>
-</file>
-
-<file path=ppt/slides/slide15.xml><?xml version="1.0" encoding="utf-8"?>
-<p:sld xmlns:a="http://schemas.openxmlformats.org/drawingml/2006/main" xmlns:r="http://schemas.openxmlformats.org/officeDocument/2006/relationships" xmlns:p="http://schemas.openxmlformats.org/presentationml/2006/main">
-  <p:cSld>
-    <p:spTree>
-      <p:nvGrpSpPr>
-        <p:cNvPr id="1" name=""/>
-        <p:cNvGrpSpPr/>
-        <p:nvPr/>
-      </p:nvGrpSpPr>
-      <p:grpSpPr>
-        <a:xfrm>
-          <a:off x="0" y="0"/>
-          <a:ext cx="0" cy="0"/>
-          <a:chOff x="0" y="0"/>
-          <a:chExt cx="0" cy="0"/>
-        </a:xfrm>
-      </p:grpSpPr>
-      <p:sp>
-        <p:nvSpPr>
-          <p:cNvPr id="2" name="Title 1"/>
-          <p:cNvSpPr>
-            <a:spLocks noGrp="1"/>
-          </p:cNvSpPr>
-          <p:nvPr>
-            <p:ph type="title"/>
-          </p:nvPr>
-        </p:nvSpPr>
-        <p:spPr/>
-        <p:txBody>
-          <a:bodyPr/>
-          <a:lstStyle/>
-          <a:p>
-            <a:r>
-              <a:rPr lang="en-US" dirty="0" smtClean="0"/>
-              <a:t>Asymptotic bound for </a:t>
-            </a:r>
-            <a:r>
-              <a:rPr lang="en-US" b="0" dirty="0" err="1" smtClean="0">
-                <a:solidFill>
-                  <a:srgbClr val="0000FF"/>
-                </a:solidFill>
-              </a:rPr>
-              <a:t>H</a:t>
-            </a:r>
-            <a:r>
-              <a:rPr lang="en-US" b="0" baseline="-25000" dirty="0" err="1" smtClean="0">
-                <a:solidFill>
-                  <a:srgbClr val="0000FF"/>
-                </a:solidFill>
-              </a:rPr>
-              <a:t>n</a:t>
-            </a:r>
-            <a:endParaRPr lang="en-US" b="0" baseline="-25000" dirty="0">
-              <a:solidFill>
-                <a:srgbClr val="0000FF"/>
-              </a:solidFill>
-            </a:endParaRPr>
-          </a:p>
-        </p:txBody>
-      </p:sp>
-      <p:sp>
-        <p:nvSpPr>
-          <p:cNvPr id="3" name="Content Placeholder 2"/>
-          <p:cNvSpPr>
-            <a:spLocks noGrp="1"/>
-          </p:cNvSpPr>
-          <p:nvPr>
-            <p:ph idx="1"/>
+            <p:ph type="subTitle" idx="1"/>
           </p:nvPr>
         </p:nvSpPr>
         <p:spPr>
           <a:xfrm>
-            <a:off x="609600" y="2057400"/>
-            <a:ext cx="8001000" cy="2743200"/>
+            <a:off x="228600" y="1905000"/>
+            <a:ext cx="8534400" cy="3048000"/>
           </a:xfrm>
         </p:spPr>
         <p:txBody>
           <a:bodyPr/>
           <a:lstStyle/>
           <a:p>
-            <a:pPr algn="ctr"/>
-            <a:r>
-              <a:rPr lang="en-US" sz="6000" dirty="0" smtClean="0">
-                <a:solidFill>
-                  <a:srgbClr val="0000FF"/>
-                </a:solidFill>
-              </a:rPr>
-              <a:t>ln(n+1) </a:t>
-            </a:r>
-            <a:r>
-              <a:rPr lang="en-US" sz="6000" dirty="0" smtClean="0">
-                <a:solidFill>
-                  <a:srgbClr val="0000FF"/>
-                </a:solidFill>
-                <a:latin typeface="Euclid Symbol" charset="2"/>
-                <a:cs typeface="Euclid Symbol" charset="2"/>
-              </a:rPr>
-              <a:t>&lt;</a:t>
-            </a:r>
-            <a:r>
-              <a:rPr lang="en-US" sz="6000" dirty="0" smtClean="0">
-                <a:solidFill>
-                  <a:srgbClr val="0000FF"/>
-                </a:solidFill>
-              </a:rPr>
-              <a:t> </a:t>
-            </a:r>
-            <a:r>
-              <a:rPr lang="en-US" sz="6000" dirty="0" err="1" smtClean="0">
-                <a:solidFill>
-                  <a:srgbClr val="0000FF"/>
-                </a:solidFill>
-              </a:rPr>
-              <a:t>H</a:t>
-            </a:r>
-            <a:r>
-              <a:rPr lang="en-US" sz="6000" baseline="-25000" dirty="0" err="1" smtClean="0">
-                <a:solidFill>
-                  <a:srgbClr val="0000FF"/>
-                </a:solidFill>
-              </a:rPr>
-              <a:t>n</a:t>
-            </a:r>
-            <a:r>
-              <a:rPr lang="en-US" sz="6000" dirty="0" smtClean="0">
-                <a:solidFill>
-                  <a:srgbClr val="0000FF"/>
-                </a:solidFill>
-              </a:rPr>
-              <a:t> </a:t>
-            </a:r>
-            <a:r>
-              <a:rPr lang="en-US" sz="6000" dirty="0" smtClean="0">
-                <a:solidFill>
-                  <a:srgbClr val="0000FF"/>
-                </a:solidFill>
-                <a:latin typeface="Euclid Symbol" charset="2"/>
-                <a:cs typeface="Euclid Symbol" charset="2"/>
-              </a:rPr>
-              <a:t>&lt;</a:t>
-            </a:r>
-            <a:r>
-              <a:rPr lang="en-US" sz="6000" dirty="0" smtClean="0">
-                <a:solidFill>
-                  <a:srgbClr val="0000FF"/>
-                </a:solidFill>
-              </a:rPr>
-              <a:t> 1+ </a:t>
-            </a:r>
-            <a:r>
-              <a:rPr lang="en-US" sz="6000" dirty="0" err="1" smtClean="0">
-                <a:solidFill>
-                  <a:srgbClr val="0000FF"/>
-                </a:solidFill>
-              </a:rPr>
-              <a:t>ln(n</a:t>
-            </a:r>
-            <a:r>
-              <a:rPr lang="en-US" sz="6000" dirty="0" smtClean="0">
-                <a:solidFill>
-                  <a:srgbClr val="0000FF"/>
-                </a:solidFill>
-              </a:rPr>
-              <a:t>)</a:t>
-            </a:r>
-          </a:p>
-          <a:p>
-            <a:pPr algn="ctr">
-              <a:lnSpc>
-                <a:spcPct val="150000"/>
-              </a:lnSpc>
-            </a:pPr>
-            <a:r>
-              <a:rPr lang="en-US" sz="6600" dirty="0" err="1" smtClean="0">
-                <a:solidFill>
-                  <a:srgbClr val="0000FF"/>
-                </a:solidFill>
-              </a:rPr>
-              <a:t>H</a:t>
-            </a:r>
-            <a:r>
-              <a:rPr lang="en-US" sz="6600" baseline="-25000" dirty="0" err="1" smtClean="0">
-                <a:solidFill>
-                  <a:srgbClr val="0000FF"/>
-                </a:solidFill>
-              </a:rPr>
-              <a:t>n</a:t>
-            </a:r>
-            <a:r>
-              <a:rPr lang="en-US" sz="6600" baseline="-25000" dirty="0" smtClean="0">
-                <a:solidFill>
-                  <a:srgbClr val="0000FF"/>
-                </a:solidFill>
-              </a:rPr>
-              <a:t> </a:t>
-            </a:r>
-            <a:r>
-              <a:rPr lang="en-US" sz="6600" dirty="0" smtClean="0">
-                <a:solidFill>
-                  <a:srgbClr val="FF33CC"/>
-                </a:solidFill>
-                <a:latin typeface="Euclid Symbol" charset="2"/>
-                <a:cs typeface="Euclid Symbol" charset="2"/>
-                <a:sym typeface="Symbol"/>
-              </a:rPr>
-              <a:t>∼</a:t>
-            </a:r>
-            <a:r>
-              <a:rPr lang="en-US" sz="6600" dirty="0" smtClean="0">
-                <a:solidFill>
-                  <a:srgbClr val="FF33CC"/>
-                </a:solidFill>
-                <a:sym typeface="Symbol"/>
-              </a:rPr>
-              <a:t> </a:t>
-            </a:r>
-            <a:r>
-              <a:rPr lang="en-US" sz="6600" dirty="0" err="1" smtClean="0">
-                <a:solidFill>
-                  <a:srgbClr val="0000FF"/>
-                </a:solidFill>
-                <a:sym typeface="Symbol"/>
-              </a:rPr>
-              <a:t>ln(n</a:t>
-            </a:r>
-            <a:r>
-              <a:rPr lang="en-US" sz="6600" dirty="0" smtClean="0">
-                <a:solidFill>
-                  <a:srgbClr val="0000FF"/>
-                </a:solidFill>
-                <a:sym typeface="Symbol"/>
-              </a:rPr>
-              <a:t>)</a:t>
-            </a:r>
-            <a:endParaRPr lang="en-US" sz="6600" dirty="0">
-              <a:solidFill>
-                <a:srgbClr val="0000FF"/>
-              </a:solidFill>
-            </a:endParaRPr>
-          </a:p>
-        </p:txBody>
-      </p:sp>
-    </p:spTree>
-    <p:custDataLst>
-      <p:tags r:id="rId1"/>
-    </p:custDataLst>
-  </p:cSld>
-  <p:clrMapOvr>
-    <a:masterClrMapping/>
-  </p:clrMapOvr>
-  <p:transition xmlns:p14="http://schemas.microsoft.com/office/powerpoint/2010/main" advTm="28963">
-    <p:fade thruBlk="1"/>
-  </p:transition>
-  <p:timing>
-    <p:tnLst>
-      <p:par>
-        <p:cTn xmlns:p14="http://schemas.microsoft.com/office/powerpoint/2010/main" id="1" dur="indefinite" restart="never" nodeType="tmRoot">
-          <p:childTnLst>
-            <p:seq concurrent="1" nextAc="seek">
-              <p:cTn id="2" dur="indefinite" nodeType="mainSeq">
-                <p:childTnLst>
-                  <p:par>
-                    <p:cTn id="3" fill="hold">
-                      <p:stCondLst>
-                        <p:cond delay="indefinite"/>
-                      </p:stCondLst>
-                      <p:childTnLst>
-                        <p:par>
-                          <p:cTn id="4" fill="hold">
-                            <p:stCondLst>
-                              <p:cond delay="0"/>
-                            </p:stCondLst>
-                            <p:childTnLst>
-                              <p:par>
-                                <p:cTn id="5" presetID="9" presetClass="entr" presetSubtype="0" fill="hold" nodeType="clickEffect">
-                                  <p:stCondLst>
-                                    <p:cond delay="0"/>
-                                  </p:stCondLst>
-                                  <p:childTnLst>
-                                    <p:set>
-                                      <p:cBhvr>
-                                        <p:cTn id="6" dur="1" fill="hold">
-                                          <p:stCondLst>
-                                            <p:cond delay="0"/>
-                                          </p:stCondLst>
-                                        </p:cTn>
-                                        <p:tgtEl>
-                                          <p:spTgt spid="3">
-                                            <p:txEl>
-                                              <p:pRg st="1" end="1"/>
-                                            </p:txEl>
-                                          </p:spTgt>
-                                        </p:tgtEl>
-                                        <p:attrNameLst>
-                                          <p:attrName>style.visibility</p:attrName>
-                                        </p:attrNameLst>
-                                      </p:cBhvr>
-                                      <p:to>
-                                        <p:strVal val="visible"/>
-                                      </p:to>
-                                    </p:set>
-                                    <p:animEffect transition="in" filter="dissolve">
-                                      <p:cBhvr>
-                                        <p:cTn id="7" dur="500"/>
-                                        <p:tgtEl>
-                                          <p:spTgt spid="3">
-                                            <p:txEl>
-                                              <p:pRg st="1" end="1"/>
-                                            </p:txEl>
-                                          </p:spTgt>
-                                        </p:tgtEl>
-                                      </p:cBhvr>
-                                    </p:animEffect>
-                                  </p:childTnLst>
-                                </p:cTn>
-                              </p:par>
-                            </p:childTnLst>
-                          </p:cTn>
-                        </p:par>
-                      </p:childTnLst>
-                    </p:cTn>
-                  </p:par>
-                </p:childTnLst>
-              </p:cTn>
-              <p:prevCondLst>
-                <p:cond evt="onPrev" delay="0">
-                  <p:tgtEl>
-                    <p:sldTgt/>
-                  </p:tgtEl>
-                </p:cond>
-              </p:prevCondLst>
-              <p:nextCondLst>
-                <p:cond evt="onNext" delay="0">
-                  <p:tgtEl>
-                    <p:sldTgt/>
-                  </p:tgtEl>
-                </p:cond>
-              </p:nextCondLst>
-            </p:seq>
-          </p:childTnLst>
-        </p:cTn>
-      </p:par>
-    </p:tnLst>
-  </p:timing>
-</p:sld>
-</file>
-
-<file path=ppt/slides/slide16.xml><?xml version="1.0" encoding="utf-8"?>
-<p:sld xmlns:a="http://schemas.openxmlformats.org/drawingml/2006/main" xmlns:r="http://schemas.openxmlformats.org/officeDocument/2006/relationships" xmlns:p="http://schemas.openxmlformats.org/presentationml/2006/main">
-  <p:cSld>
-    <p:spTree>
-      <p:nvGrpSpPr>
-        <p:cNvPr id="1" name=""/>
-        <p:cNvGrpSpPr/>
-        <p:nvPr/>
-      </p:nvGrpSpPr>
-      <p:grpSpPr>
-        <a:xfrm>
-          <a:off x="0" y="0"/>
-          <a:ext cx="0" cy="0"/>
-          <a:chOff x="0" y="0"/>
-          <a:chExt cx="0" cy="0"/>
-        </a:xfrm>
-      </p:grpSpPr>
-      <p:sp>
-        <p:nvSpPr>
-          <p:cNvPr id="24580" name="Rectangle 2"/>
-          <p:cNvSpPr>
-            <a:spLocks noGrp="1" noChangeArrowheads="1"/>
-          </p:cNvSpPr>
-          <p:nvPr>
-            <p:ph type="title"/>
-          </p:nvPr>
-        </p:nvSpPr>
-        <p:spPr>
-          <a:xfrm>
-            <a:off x="1374775" y="152400"/>
-            <a:ext cx="6550025" cy="990600"/>
-          </a:xfrm>
-        </p:spPr>
-        <p:txBody>
-          <a:bodyPr/>
-          <a:lstStyle/>
-          <a:p>
             <a:pPr eaLnBrk="1" hangingPunct="1"/>
             <a:r>
-              <a:rPr lang="en-US" dirty="0" smtClean="0">
-                <a:solidFill>
-                  <a:srgbClr val="930093"/>
-                </a:solidFill>
-              </a:rPr>
-              <a:t>Asymptotic Equivalence</a:t>
-            </a:r>
-          </a:p>
-        </p:txBody>
-      </p:sp>
-      <p:graphicFrame>
-        <p:nvGraphicFramePr>
-          <p:cNvPr id="157699" name="Object 3"/>
-          <p:cNvGraphicFramePr>
-            <a:graphicFrameLocks noChangeAspect="1"/>
-          </p:cNvGraphicFramePr>
-          <p:nvPr/>
-        </p:nvGraphicFramePr>
-        <p:xfrm>
-          <a:off x="1905000" y="2895600"/>
-          <a:ext cx="5251450" cy="2286000"/>
-        </p:xfrm>
-        <a:graphic>
-          <a:graphicData uri="http://schemas.openxmlformats.org/presentationml/2006/ole">
-            <mc:AlternateContent xmlns:mc="http://schemas.openxmlformats.org/markup-compatibility/2006">
-              <mc:Choice xmlns:v="urn:schemas-microsoft-com:vml" Requires="v">
-                <p:oleObj spid="_x0000_s24619" name="Equation" r:id="rId5" imgW="1104840" imgH="482400" progId="Equation.DSMT4">
-                  <p:embed/>
-                </p:oleObj>
-              </mc:Choice>
-              <mc:Fallback>
-                <p:oleObj name="Equation" r:id="rId5" imgW="1104840" imgH="482400" progId="Equation.DSMT4">
-                  <p:embed/>
-                  <p:pic>
-                    <p:nvPicPr>
-                      <p:cNvPr id="0" name="Object 3"/>
-                      <p:cNvPicPr>
-                        <a:picLocks noChangeAspect="1" noChangeArrowheads="1"/>
-                      </p:cNvPicPr>
-                      <p:nvPr/>
-                    </p:nvPicPr>
-                    <p:blipFill>
-                      <a:blip r:embed="rId6">
-                        <a:extLst>
-                          <a:ext uri="{28A0092B-C50C-407E-A947-70E740481C1C}">
-                            <a14:useLocalDpi xmlns:a14="http://schemas.microsoft.com/office/drawing/2010/main" val="0"/>
-                          </a:ext>
-                        </a:extLst>
-                      </a:blip>
-                      <a:srcRect/>
-                      <a:stretch>
-                        <a:fillRect/>
-                      </a:stretch>
-                    </p:blipFill>
-                    <p:spPr bwMode="auto">
-                      <a:xfrm>
-                        <a:off x="1905000" y="2895600"/>
-                        <a:ext cx="5251450" cy="2286000"/>
-                      </a:xfrm>
-                      <a:prstGeom prst="rect">
-                        <a:avLst/>
-                      </a:prstGeom>
-                      <a:noFill/>
-                      <a:extLst>
-                        <a:ext uri="{909E8E84-426E-40dd-AFC4-6F175D3DCCD1}">
-                          <a14:hiddenFill xmlns:a14="http://schemas.microsoft.com/office/drawing/2010/main">
-                            <a:solidFill>
-                              <a:srgbClr val="FFFFFF"/>
-                            </a:solidFill>
-                          </a14:hiddenFill>
-                        </a:ext>
-                      </a:extLst>
-                    </p:spPr>
-                  </p:pic>
-                </p:oleObj>
-              </mc:Fallback>
-            </mc:AlternateContent>
-          </a:graphicData>
-        </a:graphic>
-      </p:graphicFrame>
-      <p:sp>
-        <p:nvSpPr>
-          <p:cNvPr id="157700" name="Rectangle 4"/>
-          <p:cNvSpPr>
-            <a:spLocks noChangeArrowheads="1"/>
-          </p:cNvSpPr>
-          <p:nvPr/>
-        </p:nvSpPr>
-        <p:spPr bwMode="auto">
-          <a:xfrm>
-            <a:off x="609600" y="1371600"/>
-            <a:ext cx="6705600" cy="1447800"/>
-          </a:xfrm>
-          <a:prstGeom prst="rect">
-            <a:avLst/>
-          </a:prstGeom>
-          <a:noFill/>
-          <a:ln w="9525">
-            <a:noFill/>
-            <a:miter lim="800000"/>
-            <a:headEnd/>
-            <a:tailEnd/>
-          </a:ln>
-        </p:spPr>
-        <p:txBody>
-          <a:bodyPr/>
-          <a:lstStyle/>
-          <a:p>
-            <a:pPr>
-              <a:spcBef>
-                <a:spcPct val="20000"/>
-              </a:spcBef>
-            </a:pPr>
-            <a:r>
-              <a:rPr lang="en-US" sz="5400" dirty="0" err="1">
-                <a:solidFill>
-                  <a:srgbClr val="930093"/>
-                </a:solidFill>
-                <a:latin typeface="Comic Sans MS" pitchFamily="66" charset="0"/>
-              </a:rPr>
-              <a:t>Def</a:t>
-            </a:r>
-            <a:r>
-              <a:rPr lang="en-US" sz="5400" dirty="0">
-                <a:solidFill>
-                  <a:srgbClr val="930093"/>
-                </a:solidFill>
-                <a:latin typeface="Comic Sans MS" pitchFamily="66" charset="0"/>
-              </a:rPr>
-              <a:t>:</a:t>
-            </a:r>
-            <a:r>
-              <a:rPr lang="en-US" sz="6600" dirty="0">
-                <a:solidFill>
-                  <a:srgbClr val="0033CC"/>
-                </a:solidFill>
-                <a:latin typeface="Comic Sans MS" pitchFamily="66" charset="0"/>
-              </a:rPr>
-              <a:t>  f(n)</a:t>
-            </a:r>
-            <a:r>
-              <a:rPr lang="en-US" sz="6600" dirty="0">
-                <a:latin typeface="Comic Sans MS" pitchFamily="66" charset="0"/>
-              </a:rPr>
-              <a:t> </a:t>
-            </a:r>
-            <a:r>
-              <a:rPr lang="en-US" sz="6600" b="1" dirty="0">
-                <a:solidFill>
-                  <a:srgbClr val="FF00FF"/>
-                </a:solidFill>
-                <a:latin typeface="Comic Sans MS" pitchFamily="66" charset="0"/>
-              </a:rPr>
-              <a:t>~</a:t>
-            </a:r>
-            <a:r>
-              <a:rPr lang="en-US" sz="6600" dirty="0">
-                <a:latin typeface="Comic Sans MS" pitchFamily="66" charset="0"/>
-              </a:rPr>
-              <a:t> </a:t>
-            </a:r>
-            <a:r>
-              <a:rPr lang="en-US" sz="6600" dirty="0">
-                <a:solidFill>
-                  <a:srgbClr val="0033CC"/>
-                </a:solidFill>
-                <a:latin typeface="Comic Sans MS" pitchFamily="66" charset="0"/>
-              </a:rPr>
-              <a:t>g(n) </a:t>
-            </a:r>
-            <a:endParaRPr lang="en-US" sz="5400" dirty="0">
-              <a:solidFill>
-                <a:srgbClr val="0033CC"/>
-              </a:solidFill>
-              <a:latin typeface="Comic Sans MS" pitchFamily="66" charset="0"/>
-            </a:endParaRPr>
-          </a:p>
-        </p:txBody>
-      </p:sp>
-    </p:spTree>
-    <p:custDataLst>
-      <p:tags r:id="rId2"/>
-    </p:custDataLst>
-  </p:cSld>
-  <p:clrMapOvr>
-    <a:masterClrMapping/>
-  </p:clrMapOvr>
-  <p:transition xmlns:p14="http://schemas.microsoft.com/office/powerpoint/2010/main" spd="slow" advTm="34775">
-    <p:fade thruBlk="1"/>
-  </p:transition>
-  <p:timing>
-    <p:tnLst>
-      <p:par>
-        <p:cTn xmlns:p14="http://schemas.microsoft.com/office/powerpoint/2010/main" id="1" dur="indefinite" restart="never" nodeType="tmRoot">
-          <p:childTnLst>
-            <p:seq concurrent="1" nextAc="seek">
-              <p:cTn id="2" dur="indefinite" nodeType="mainSeq">
-                <p:childTnLst>
-                  <p:par>
-                    <p:cTn id="3" fill="hold">
-                      <p:stCondLst>
-                        <p:cond delay="indefinite"/>
-                      </p:stCondLst>
-                      <p:childTnLst>
-                        <p:par>
-                          <p:cTn id="4" fill="hold">
-                            <p:stCondLst>
-                              <p:cond delay="0"/>
-                            </p:stCondLst>
-                            <p:childTnLst>
-                              <p:par>
-                                <p:cTn id="5" presetID="22" presetClass="entr" presetSubtype="8" fill="hold" nodeType="clickEffect">
-                                  <p:stCondLst>
-                                    <p:cond delay="0"/>
-                                  </p:stCondLst>
-                                  <p:childTnLst>
-                                    <p:set>
-                                      <p:cBhvr>
-                                        <p:cTn id="6" dur="1" fill="hold">
-                                          <p:stCondLst>
-                                            <p:cond delay="0"/>
-                                          </p:stCondLst>
-                                        </p:cTn>
-                                        <p:tgtEl>
-                                          <p:spTgt spid="157699"/>
-                                        </p:tgtEl>
-                                        <p:attrNameLst>
-                                          <p:attrName>style.visibility</p:attrName>
-                                        </p:attrNameLst>
-                                      </p:cBhvr>
-                                      <p:to>
-                                        <p:strVal val="visible"/>
-                                      </p:to>
-                                    </p:set>
-                                    <p:animEffect transition="in" filter="wipe(left)">
-                                      <p:cBhvr>
-                                        <p:cTn id="7" dur="500"/>
-                                        <p:tgtEl>
-                                          <p:spTgt spid="157699"/>
-                                        </p:tgtEl>
-                                      </p:cBhvr>
-                                    </p:animEffect>
-                                  </p:childTnLst>
-                                </p:cTn>
-                              </p:par>
-                            </p:childTnLst>
-                          </p:cTn>
-                        </p:par>
-                      </p:childTnLst>
-                    </p:cTn>
-                  </p:par>
-                  <p:par>
-                    <p:cTn id="8" fill="hold">
-                      <p:stCondLst>
-                        <p:cond delay="indefinite"/>
-                      </p:stCondLst>
-                      <p:childTnLst>
-                        <p:par>
-                          <p:cTn id="9" fill="hold">
-                            <p:stCondLst>
-                              <p:cond delay="0"/>
-                            </p:stCondLst>
-                            <p:childTnLst>
-                              <p:par>
-                                <p:cTn id="10" presetID="3" presetClass="entr" presetSubtype="10" fill="hold" grpId="0" nodeType="clickEffect">
-                                  <p:stCondLst>
-                                    <p:cond delay="0"/>
-                                  </p:stCondLst>
-                                  <p:childTnLst>
-                                    <p:set>
-                                      <p:cBhvr>
-                                        <p:cTn id="11" dur="1" fill="hold">
-                                          <p:stCondLst>
-                                            <p:cond delay="0"/>
-                                          </p:stCondLst>
-                                        </p:cTn>
-                                        <p:tgtEl>
-                                          <p:spTgt spid="24580"/>
-                                        </p:tgtEl>
-                                        <p:attrNameLst>
-                                          <p:attrName>style.visibility</p:attrName>
-                                        </p:attrNameLst>
-                                      </p:cBhvr>
-                                      <p:to>
-                                        <p:strVal val="visible"/>
-                                      </p:to>
-                                    </p:set>
-                                    <p:animEffect transition="in" filter="blinds(horizontal)">
-                                      <p:cBhvr>
-                                        <p:cTn id="12" dur="500"/>
-                                        <p:tgtEl>
-                                          <p:spTgt spid="24580"/>
-                                        </p:tgtEl>
-                                      </p:cBhvr>
-                                    </p:animEffect>
-                                  </p:childTnLst>
-                                </p:cTn>
-                              </p:par>
-                            </p:childTnLst>
-                          </p:cTn>
-                        </p:par>
-                      </p:childTnLst>
-                    </p:cTn>
-                  </p:par>
-                </p:childTnLst>
-              </p:cTn>
-              <p:prevCondLst>
-                <p:cond evt="onPrev" delay="0">
-                  <p:tgtEl>
-                    <p:sldTgt/>
-                  </p:tgtEl>
-                </p:cond>
-              </p:prevCondLst>
-              <p:nextCondLst>
-                <p:cond evt="onNext" delay="0">
-                  <p:tgtEl>
-                    <p:sldTgt/>
-                  </p:tgtEl>
-                </p:cond>
-              </p:nextCondLst>
-            </p:seq>
-          </p:childTnLst>
-        </p:cTn>
-      </p:par>
-    </p:tnLst>
-    <p:bldLst>
-      <p:bldP spid="24580" grpId="0"/>
-    </p:bldLst>
-  </p:timing>
-</p:sld>
-</file>
-
-<file path=ppt/slides/slide17.xml><?xml version="1.0" encoding="utf-8"?>
-<p:sld xmlns:a="http://schemas.openxmlformats.org/drawingml/2006/main" xmlns:r="http://schemas.openxmlformats.org/officeDocument/2006/relationships" xmlns:p="http://schemas.openxmlformats.org/presentationml/2006/main">
-  <p:cSld>
-    <p:spTree>
-      <p:nvGrpSpPr>
-        <p:cNvPr id="1" name=""/>
-        <p:cNvGrpSpPr/>
-        <p:nvPr/>
-      </p:nvGrpSpPr>
-      <p:grpSpPr>
-        <a:xfrm>
-          <a:off x="0" y="0"/>
-          <a:ext cx="0" cy="0"/>
-          <a:chOff x="0" y="0"/>
-          <a:chExt cx="0" cy="0"/>
-        </a:xfrm>
-      </p:grpSpPr>
-      <p:sp>
-        <p:nvSpPr>
-          <p:cNvPr id="8" name="Rectangle 2"/>
-          <p:cNvSpPr txBox="1">
-            <a:spLocks noChangeArrowheads="1"/>
-          </p:cNvSpPr>
-          <p:nvPr/>
-        </p:nvSpPr>
-        <p:spPr>
-          <a:xfrm>
-            <a:off x="1447800" y="228600"/>
-            <a:ext cx="7543800" cy="1143000"/>
-          </a:xfrm>
-          <a:prstGeom prst="rect">
-            <a:avLst/>
-          </a:prstGeom>
-        </p:spPr>
-        <p:txBody>
-          <a:bodyPr/>
-          <a:lstStyle/>
-          <a:p>
-            <a:pPr marL="0" marR="0" lvl="0" indent="0" algn="ctr" defTabSz="914400" rtl="0" eaLnBrk="1" fontAlgn="base" latinLnBrk="0" hangingPunct="1">
-              <a:lnSpc>
-                <a:spcPct val="100000"/>
-              </a:lnSpc>
-              <a:spcBef>
-                <a:spcPct val="0"/>
-              </a:spcBef>
-              <a:spcAft>
-                <a:spcPct val="0"/>
-              </a:spcAft>
-              <a:buClrTx/>
-              <a:buSzTx/>
-              <a:buFontTx/>
-              <a:buNone/>
-              <a:tabLst/>
-              <a:defRPr/>
-            </a:pPr>
-            <a:r>
-              <a:rPr kumimoji="0" lang="en-US" sz="4000" b="1" i="0" u="none" strike="noStrike" kern="0" cap="none" spc="0" normalizeH="0" baseline="0" noProof="0" dirty="0" smtClean="0">
-                <a:ln>
-                  <a:noFill/>
-                </a:ln>
+              <a:rPr lang="en-US" sz="8000" dirty="0" smtClean="0">
                 <a:solidFill>
                   <a:schemeClr val="tx2"/>
                 </a:solidFill>
-                <a:effectLst/>
-                <a:uLnTx/>
-                <a:uFillTx/>
-                <a:latin typeface="+mj-lt"/>
-                <a:ea typeface="+mj-ea"/>
-                <a:cs typeface="+mj-cs"/>
-              </a:rPr>
-              <a:t>Asymptotic Equivalence </a:t>
-            </a:r>
-            <a:r>
-              <a:rPr kumimoji="0" lang="en-US" sz="4000" b="1" i="0" u="none" strike="noStrike" kern="0" cap="none" spc="0" normalizeH="0" baseline="0" noProof="0" dirty="0" smtClean="0">
-                <a:ln>
-                  <a:noFill/>
-                </a:ln>
-                <a:solidFill>
-                  <a:srgbClr val="CC0099"/>
-                </a:solidFill>
-                <a:effectLst/>
-                <a:uLnTx/>
-                <a:uFillTx/>
-                <a:latin typeface="+mj-lt"/>
-                <a:ea typeface="+mj-ea"/>
-                <a:cs typeface="+mj-cs"/>
-              </a:rPr>
-              <a:t>~</a:t>
+              </a:rPr>
+              <a:t>Integral Method for Sums</a:t>
             </a:r>
           </a:p>
         </p:txBody>
       </p:sp>
       <p:sp>
         <p:nvSpPr>
-          <p:cNvPr id="9" name="Text Box 6"/>
+          <p:cNvPr id="39940" name="Text Box 3"/>
           <p:cNvSpPr txBox="1">
             <a:spLocks noChangeArrowheads="1"/>
           </p:cNvSpPr>
@@ -7207,8 +7941,8 @@
         </p:nvSpPr>
         <p:spPr bwMode="auto">
           <a:xfrm>
-            <a:off x="692933" y="1090613"/>
-            <a:ext cx="7415813" cy="1015663"/>
+            <a:off x="1611313" y="417513"/>
+            <a:ext cx="6256337" cy="946150"/>
           </a:xfrm>
           <a:prstGeom prst="rect">
             <a:avLst/>
@@ -7227,669 +7961,62 @@
           </a:bodyPr>
           <a:lstStyle/>
           <a:p>
-            <a:pPr lvl="0"/>
-            <a:r>
-              <a:rPr lang="en-US" sz="4400" dirty="0">
+            <a:pPr algn="ctr"/>
+            <a:r>
+              <a:rPr lang="en-US" sz="2800" b="1" i="1">
                 <a:solidFill>
-                  <a:srgbClr val="930093"/>
+                  <a:schemeClr val="tx2"/>
                 </a:solidFill>
-                <a:latin typeface="+mj-lt"/>
-              </a:rPr>
-              <a:t>Example</a:t>
-            </a:r>
-            <a:r>
-              <a:rPr lang="en-US" sz="4400" dirty="0" smtClean="0">
+                <a:latin typeface="Comic Sans MS" pitchFamily="66" charset="0"/>
+              </a:rPr>
+              <a:t>Mathematics for Computer Science</a:t>
+            </a:r>
+            <a:br>
+              <a:rPr lang="en-US" sz="2800" b="1" i="1">
                 <a:solidFill>
-                  <a:srgbClr val="930093"/>
+                  <a:schemeClr val="tx2"/>
                 </a:solidFill>
-                <a:latin typeface="+mj-lt"/>
-              </a:rPr>
-              <a:t>:</a:t>
-            </a:r>
-            <a:r>
-              <a:rPr lang="en-US" sz="4800" i="1" dirty="0" smtClean="0">
-                <a:latin typeface="+mj-lt"/>
+                <a:latin typeface="Comic Sans MS" pitchFamily="66" charset="0"/>
+              </a:rPr>
+            </a:br>
+            <a:r>
+              <a:rPr lang="en-US" sz="2800" b="1">
+                <a:solidFill>
+                  <a:srgbClr val="008000"/>
+                </a:solidFill>
+                <a:latin typeface="Comic Sans MS" pitchFamily="66" charset="0"/>
+              </a:rPr>
+              <a:t>MIT</a:t>
+            </a:r>
+            <a:r>
+              <a:rPr lang="en-US" sz="2800" b="1" i="1">
+                <a:solidFill>
+                  <a:schemeClr val="tx2"/>
+                </a:solidFill>
+                <a:latin typeface="Comic Sans MS" pitchFamily="66" charset="0"/>
               </a:rPr>
               <a:t> </a:t>
             </a:r>
             <a:r>
-              <a:rPr lang="en-US" sz="6000" dirty="0" smtClean="0">
+              <a:rPr lang="en-US" sz="2800" b="1">
                 <a:solidFill>
-                  <a:srgbClr val="000099"/>
+                  <a:srgbClr val="008000"/>
                 </a:solidFill>
-                <a:latin typeface="+mj-lt"/>
-              </a:rPr>
-              <a:t> </a:t>
-            </a:r>
-            <a:r>
-              <a:rPr lang="en-US" sz="6000" dirty="0" smtClean="0">
-                <a:solidFill>
-                  <a:srgbClr val="0000FF"/>
-                </a:solidFill>
-                <a:latin typeface="+mj-lt"/>
-              </a:rPr>
-              <a:t>(n</a:t>
-            </a:r>
-            <a:r>
-              <a:rPr lang="en-US" sz="6000" baseline="30000" dirty="0" smtClean="0">
-                <a:solidFill>
-                  <a:srgbClr val="0000FF"/>
-                </a:solidFill>
-                <a:latin typeface="+mj-lt"/>
-              </a:rPr>
-              <a:t>2</a:t>
-            </a:r>
-            <a:r>
-              <a:rPr lang="en-US" sz="6000" dirty="0" smtClean="0">
-                <a:solidFill>
-                  <a:srgbClr val="0000FF"/>
-                </a:solidFill>
-                <a:latin typeface="+mj-lt"/>
-              </a:rPr>
-              <a:t> + n) </a:t>
-            </a:r>
-            <a:r>
-              <a:rPr lang="en-US" sz="6000" b="1" kern="0" dirty="0" smtClean="0">
-                <a:solidFill>
-                  <a:srgbClr val="FF33CC"/>
-                </a:solidFill>
-                <a:latin typeface="+mj-lt"/>
-              </a:rPr>
-              <a:t>~</a:t>
-            </a:r>
-            <a:r>
-              <a:rPr lang="en-US" sz="6000" b="1" kern="0" dirty="0" smtClean="0">
-                <a:solidFill>
-                  <a:srgbClr val="0000FF"/>
-                </a:solidFill>
-                <a:latin typeface="+mj-lt"/>
-              </a:rPr>
-              <a:t> </a:t>
-            </a:r>
-            <a:r>
-              <a:rPr lang="en-US" sz="6000" kern="0" dirty="0" smtClean="0">
-                <a:solidFill>
-                  <a:srgbClr val="0000FF"/>
-                </a:solidFill>
-                <a:latin typeface="+mj-lt"/>
-              </a:rPr>
-              <a:t>n</a:t>
-            </a:r>
-            <a:r>
-              <a:rPr lang="en-US" sz="6000" b="1" kern="0" baseline="30000" dirty="0" smtClean="0">
-                <a:solidFill>
-                  <a:srgbClr val="0000FF"/>
-                </a:solidFill>
-                <a:latin typeface="+mj-lt"/>
-              </a:rPr>
-              <a:t>2</a:t>
-            </a:r>
-            <a:endParaRPr lang="en-US" sz="6000" baseline="30000" dirty="0">
-              <a:solidFill>
-                <a:srgbClr val="0000FF"/>
-              </a:solidFill>
-              <a:latin typeface="+mj-lt"/>
-            </a:endParaRPr>
+                <a:latin typeface="Comic Sans MS" pitchFamily="66" charset="0"/>
+              </a:rPr>
+              <a:t>6.042J/18.062J</a:t>
+            </a:r>
           </a:p>
         </p:txBody>
       </p:sp>
-      <p:sp>
-        <p:nvSpPr>
-          <p:cNvPr id="10" name="TextBox 9"/>
-          <p:cNvSpPr txBox="1"/>
-          <p:nvPr/>
-        </p:nvSpPr>
-        <p:spPr>
-          <a:xfrm>
-            <a:off x="533400" y="2590800"/>
-            <a:ext cx="976199" cy="800219"/>
-          </a:xfrm>
-          <a:prstGeom prst="rect">
-            <a:avLst/>
-          </a:prstGeom>
-          <a:noFill/>
-        </p:spPr>
-        <p:txBody>
-          <a:bodyPr wrap="none" rtlCol="0">
-            <a:spAutoFit/>
-          </a:bodyPr>
-          <a:lstStyle/>
-          <a:p>
-            <a:r>
-              <a:rPr lang="en-US" dirty="0" err="1" smtClean="0">
-                <a:solidFill>
-                  <a:srgbClr val="930093"/>
-                </a:solidFill>
-                <a:latin typeface="+mj-lt"/>
-              </a:rPr>
-              <a:t>pf</a:t>
-            </a:r>
-            <a:r>
-              <a:rPr lang="en-US" dirty="0" smtClean="0">
-                <a:solidFill>
-                  <a:srgbClr val="930093"/>
-                </a:solidFill>
-                <a:latin typeface="+mj-lt"/>
-              </a:rPr>
-              <a:t>: </a:t>
-            </a:r>
-            <a:endParaRPr lang="en-US" dirty="0">
-              <a:solidFill>
-                <a:srgbClr val="930093"/>
-              </a:solidFill>
-              <a:latin typeface="+mj-lt"/>
-            </a:endParaRPr>
-          </a:p>
-        </p:txBody>
-      </p:sp>
-      <p:graphicFrame>
-        <p:nvGraphicFramePr>
-          <p:cNvPr id="11" name="Object 10"/>
-          <p:cNvGraphicFramePr>
-            <a:graphicFrameLocks noChangeAspect="1"/>
-          </p:cNvGraphicFramePr>
-          <p:nvPr/>
-        </p:nvGraphicFramePr>
-        <p:xfrm>
-          <a:off x="762000" y="2971800"/>
-          <a:ext cx="7524206" cy="2057400"/>
-        </p:xfrm>
-        <a:graphic>
-          <a:graphicData uri="http://schemas.openxmlformats.org/presentationml/2006/ole">
-            <mc:AlternateContent xmlns:mc="http://schemas.openxmlformats.org/markup-compatibility/2006">
-              <mc:Choice xmlns:v="urn:schemas-microsoft-com:vml" Requires="v">
-                <p:oleObj spid="_x0000_s100395" name="Equation" r:id="rId5" imgW="1625400" imgH="444240" progId="Equation.DSMT4">
-                  <p:embed/>
-                </p:oleObj>
-              </mc:Choice>
-              <mc:Fallback>
-                <p:oleObj name="Equation" r:id="rId5" imgW="1625400" imgH="444240" progId="Equation.DSMT4">
-                  <p:embed/>
-                  <p:pic>
-                    <p:nvPicPr>
-                      <p:cNvPr id="0" name="Picture 2"/>
-                      <p:cNvPicPr>
-                        <a:picLocks noChangeAspect="1" noChangeArrowheads="1"/>
-                      </p:cNvPicPr>
-                      <p:nvPr/>
-                    </p:nvPicPr>
-                    <p:blipFill>
-                      <a:blip r:embed="rId6">
-                        <a:extLst>
-                          <a:ext uri="{28A0092B-C50C-407E-A947-70E740481C1C}">
-                            <a14:useLocalDpi xmlns:a14="http://schemas.microsoft.com/office/drawing/2010/main" val="0"/>
-                          </a:ext>
-                        </a:extLst>
-                      </a:blip>
-                      <a:srcRect/>
-                      <a:stretch>
-                        <a:fillRect/>
-                      </a:stretch>
-                    </p:blipFill>
-                    <p:spPr bwMode="auto">
-                      <a:xfrm>
-                        <a:off x="762000" y="2971800"/>
-                        <a:ext cx="7524206" cy="2057400"/>
-                      </a:xfrm>
-                      <a:prstGeom prst="rect">
-                        <a:avLst/>
-                      </a:prstGeom>
-                      <a:noFill/>
-                      <a:extLst>
-                        <a:ext uri="{909E8E84-426E-40dd-AFC4-6F175D3DCCD1}">
-                          <a14:hiddenFill xmlns:a14="http://schemas.microsoft.com/office/drawing/2010/main">
-                            <a:solidFill>
-                              <a:srgbClr val="FFFFFF"/>
-                            </a:solidFill>
-                          </a14:hiddenFill>
-                        </a:ext>
-                      </a:extLst>
-                    </p:spPr>
-                  </p:pic>
-                </p:oleObj>
-              </mc:Fallback>
-            </mc:AlternateContent>
-          </a:graphicData>
-        </a:graphic>
-      </p:graphicFrame>
     </p:spTree>
-    <p:custDataLst>
-      <p:tags r:id="rId2"/>
-    </p:custDataLst>
   </p:cSld>
   <p:clrMapOvr>
     <a:masterClrMapping/>
   </p:clrMapOvr>
-  <mc:AlternateContent xmlns:mc="http://schemas.openxmlformats.org/markup-compatibility/2006" xmlns:p14="http://schemas.microsoft.com/office/powerpoint/2010/main">
-    <mc:Choice Requires="p14">
-      <p:transition spd="med" p14:dur="700" advTm="27227">
-        <p:fade/>
-      </p:transition>
-    </mc:Choice>
-    <mc:Fallback xmlns="">
-      <p:transition xmlns:p14="http://schemas.microsoft.com/office/powerpoint/2010/main" spd="med" advTm="27227">
-        <p:fade/>
-      </p:transition>
-    </mc:Fallback>
-  </mc:AlternateContent>
-  <p:timing>
-    <p:tnLst>
-      <p:par>
-        <p:cTn xmlns:p14="http://schemas.microsoft.com/office/powerpoint/2010/main" id="1" dur="indefinite" restart="never" nodeType="tmRoot">
-          <p:childTnLst>
-            <p:seq concurrent="1" nextAc="seek">
-              <p:cTn id="2" dur="indefinite" nodeType="mainSeq">
-                <p:childTnLst>
-                  <p:par>
-                    <p:cTn id="3" fill="hold">
-                      <p:stCondLst>
-                        <p:cond delay="indefinite"/>
-                      </p:stCondLst>
-                      <p:childTnLst>
-                        <p:par>
-                          <p:cTn id="4" fill="hold">
-                            <p:stCondLst>
-                              <p:cond delay="0"/>
-                            </p:stCondLst>
-                            <p:childTnLst>
-                              <p:par>
-                                <p:cTn id="5" presetID="1" presetClass="entr" presetSubtype="0" fill="hold" grpId="0" nodeType="clickEffect">
-                                  <p:stCondLst>
-                                    <p:cond delay="0"/>
-                                  </p:stCondLst>
-                                  <p:childTnLst>
-                                    <p:set>
-                                      <p:cBhvr>
-                                        <p:cTn id="6" dur="1" fill="hold">
-                                          <p:stCondLst>
-                                            <p:cond delay="0"/>
-                                          </p:stCondLst>
-                                        </p:cTn>
-                                        <p:tgtEl>
-                                          <p:spTgt spid="10"/>
-                                        </p:tgtEl>
-                                        <p:attrNameLst>
-                                          <p:attrName>style.visibility</p:attrName>
-                                        </p:attrNameLst>
-                                      </p:cBhvr>
-                                      <p:to>
-                                        <p:strVal val="visible"/>
-                                      </p:to>
-                                    </p:set>
-                                  </p:childTnLst>
-                                </p:cTn>
-                              </p:par>
-                            </p:childTnLst>
-                          </p:cTn>
-                        </p:par>
-                      </p:childTnLst>
-                    </p:cTn>
-                  </p:par>
-                  <p:par>
-                    <p:cTn id="7" fill="hold">
-                      <p:stCondLst>
-                        <p:cond delay="indefinite"/>
-                      </p:stCondLst>
-                      <p:childTnLst>
-                        <p:par>
-                          <p:cTn id="8" fill="hold">
-                            <p:stCondLst>
-                              <p:cond delay="0"/>
-                            </p:stCondLst>
-                            <p:childTnLst>
-                              <p:par>
-                                <p:cTn id="9" presetID="22" presetClass="entr" presetSubtype="8" fill="hold" nodeType="clickEffect">
-                                  <p:stCondLst>
-                                    <p:cond delay="0"/>
-                                  </p:stCondLst>
-                                  <p:childTnLst>
-                                    <p:set>
-                                      <p:cBhvr>
-                                        <p:cTn id="10" dur="1" fill="hold">
-                                          <p:stCondLst>
-                                            <p:cond delay="0"/>
-                                          </p:stCondLst>
-                                        </p:cTn>
-                                        <p:tgtEl>
-                                          <p:spTgt spid="11"/>
-                                        </p:tgtEl>
-                                        <p:attrNameLst>
-                                          <p:attrName>style.visibility</p:attrName>
-                                        </p:attrNameLst>
-                                      </p:cBhvr>
-                                      <p:to>
-                                        <p:strVal val="visible"/>
-                                      </p:to>
-                                    </p:set>
-                                    <p:animEffect transition="in" filter="wipe(left)">
-                                      <p:cBhvr>
-                                        <p:cTn id="11" dur="2000"/>
-                                        <p:tgtEl>
-                                          <p:spTgt spid="11"/>
-                                        </p:tgtEl>
-                                      </p:cBhvr>
-                                    </p:animEffect>
-                                  </p:childTnLst>
-                                </p:cTn>
-                              </p:par>
-                            </p:childTnLst>
-                          </p:cTn>
-                        </p:par>
-                      </p:childTnLst>
-                    </p:cTn>
-                  </p:par>
-                </p:childTnLst>
-              </p:cTn>
-              <p:prevCondLst>
-                <p:cond evt="onPrev" delay="0">
-                  <p:tgtEl>
-                    <p:sldTgt/>
-                  </p:tgtEl>
-                </p:cond>
-              </p:prevCondLst>
-              <p:nextCondLst>
-                <p:cond evt="onNext" delay="0">
-                  <p:tgtEl>
-                    <p:sldTgt/>
-                  </p:tgtEl>
-                </p:cond>
-              </p:nextCondLst>
-            </p:seq>
-          </p:childTnLst>
-        </p:cTn>
-      </p:par>
-    </p:tnLst>
-    <p:bldLst>
-      <p:bldP spid="10" grpId="0"/>
-    </p:bldLst>
-  </p:timing>
-</p:sld>
-</file>
-
-<file path=ppt/slides/slide2.xml><?xml version="1.0" encoding="utf-8"?>
-<p:sld xmlns:a="http://schemas.openxmlformats.org/drawingml/2006/main" xmlns:r="http://schemas.openxmlformats.org/officeDocument/2006/relationships" xmlns:p="http://schemas.openxmlformats.org/presentationml/2006/main">
-  <p:cSld>
-    <p:spTree>
-      <p:nvGrpSpPr>
-        <p:cNvPr id="1" name=""/>
-        <p:cNvGrpSpPr/>
-        <p:nvPr/>
-      </p:nvGrpSpPr>
-      <p:grpSpPr>
-        <a:xfrm>
-          <a:off x="0" y="0"/>
-          <a:ext cx="0" cy="0"/>
-          <a:chOff x="0" y="0"/>
-          <a:chExt cx="0" cy="0"/>
-        </a:xfrm>
-      </p:grpSpPr>
-      <p:graphicFrame>
-        <p:nvGraphicFramePr>
-          <p:cNvPr id="15362" name="Object 4"/>
-          <p:cNvGraphicFramePr>
-            <a:graphicFrameLocks noChangeAspect="1"/>
-          </p:cNvGraphicFramePr>
-          <p:nvPr>
-            <p:extLst>
-              <p:ext uri="{D42A27DB-BD31-4B8C-83A1-F6EECF244321}">
-                <p14:modId xmlns:p14="http://schemas.microsoft.com/office/powerpoint/2010/main" val="3017057267"/>
-              </p:ext>
-            </p:extLst>
-          </p:nvPr>
-        </p:nvGraphicFramePr>
-        <p:xfrm>
-          <a:off x="1047750" y="1003300"/>
-          <a:ext cx="7113588" cy="2095500"/>
-        </p:xfrm>
-        <a:graphic>
-          <a:graphicData uri="http://schemas.openxmlformats.org/presentationml/2006/ole">
-            <mc:AlternateContent xmlns:mc="http://schemas.openxmlformats.org/markup-compatibility/2006">
-              <mc:Choice xmlns:v="urn:schemas-microsoft-com:vml" Requires="v">
-                <p:oleObj spid="_x0000_s15403" name="Equation" r:id="rId5" imgW="1422400" imgH="419100" progId="Equation.3">
-                  <p:embed/>
-                </p:oleObj>
-              </mc:Choice>
-              <mc:Fallback>
-                <p:oleObj name="Equation" r:id="rId5" imgW="1422400" imgH="419100" progId="Equation.3">
-                  <p:embed/>
-                  <p:pic>
-                    <p:nvPicPr>
-                      <p:cNvPr id="0" name="Object 4"/>
-                      <p:cNvPicPr>
-                        <a:picLocks noChangeAspect="1" noChangeArrowheads="1"/>
-                      </p:cNvPicPr>
-                      <p:nvPr/>
-                    </p:nvPicPr>
-                    <p:blipFill>
-                      <a:blip r:embed="rId6"/>
-                      <a:srcRect/>
-                      <a:stretch>
-                        <a:fillRect/>
-                      </a:stretch>
-                    </p:blipFill>
-                    <p:spPr bwMode="auto">
-                      <a:xfrm>
-                        <a:off x="1047750" y="1003300"/>
-                        <a:ext cx="7113588" cy="2095500"/>
-                      </a:xfrm>
-                      <a:prstGeom prst="rect">
-                        <a:avLst/>
-                      </a:prstGeom>
-                      <a:noFill/>
-                      <a:extLst>
-                        <a:ext uri="{909E8E84-426E-40dd-AFC4-6F175D3DCCD1}">
-                          <a14:hiddenFill xmlns:a14="http://schemas.microsoft.com/office/drawing/2010/main">
-                            <a:solidFill>
-                              <a:srgbClr val="FFFFFF"/>
-                            </a:solidFill>
-                          </a14:hiddenFill>
-                        </a:ext>
-                      </a:extLst>
-                    </p:spPr>
-                  </p:pic>
-                </p:oleObj>
-              </mc:Fallback>
-            </mc:AlternateContent>
-          </a:graphicData>
-        </a:graphic>
-      </p:graphicFrame>
-      <p:sp>
-        <p:nvSpPr>
-          <p:cNvPr id="82949" name="Text Box 5"/>
-          <p:cNvSpPr txBox="1">
-            <a:spLocks noChangeArrowheads="1"/>
-          </p:cNvSpPr>
-          <p:nvPr/>
-        </p:nvSpPr>
-        <p:spPr bwMode="auto">
-          <a:xfrm>
-            <a:off x="762000" y="2895600"/>
-            <a:ext cx="7534275" cy="2103438"/>
-          </a:xfrm>
-          <a:prstGeom prst="rect">
-            <a:avLst/>
-          </a:prstGeom>
-          <a:noFill/>
-          <a:ln w="9525">
-            <a:noFill/>
-            <a:miter lim="800000"/>
-            <a:headEnd/>
-            <a:tailEnd/>
-          </a:ln>
-        </p:spPr>
-        <p:txBody>
-          <a:bodyPr wrap="none">
-            <a:spAutoFit/>
-          </a:bodyPr>
-          <a:lstStyle/>
-          <a:p>
-            <a:pPr eaLnBrk="0" hangingPunct="0"/>
-            <a:r>
-              <a:rPr lang="en-US" sz="6000" dirty="0">
-                <a:solidFill>
-                  <a:srgbClr val="0000FF"/>
-                </a:solidFill>
-                <a:latin typeface="Comic Sans MS" pitchFamily="66" charset="0"/>
-              </a:rPr>
-              <a:t>n</a:t>
-            </a:r>
-            <a:r>
-              <a:rPr lang="en-US" sz="6000" baseline="30000" dirty="0">
-                <a:latin typeface="Comic Sans MS" pitchFamily="66" charset="0"/>
-              </a:rPr>
-              <a:t>th</a:t>
-            </a:r>
-            <a:r>
-              <a:rPr lang="en-US" sz="6000" dirty="0">
-                <a:latin typeface="Comic Sans MS" pitchFamily="66" charset="0"/>
-              </a:rPr>
-              <a:t> </a:t>
-            </a:r>
-            <a:r>
-              <a:rPr lang="en-US" sz="6000" dirty="0">
-                <a:solidFill>
-                  <a:srgbClr val="FF33CC"/>
-                </a:solidFill>
-                <a:latin typeface="Comic Sans MS" pitchFamily="66" charset="0"/>
-              </a:rPr>
-              <a:t>Harmonic number</a:t>
-            </a:r>
-          </a:p>
-          <a:p>
-            <a:pPr eaLnBrk="0" hangingPunct="0"/>
-            <a:r>
-              <a:rPr lang="en-US" sz="6000" dirty="0">
-                <a:latin typeface="Comic Sans MS" pitchFamily="66" charset="0"/>
-              </a:rPr>
-              <a:t>        </a:t>
-            </a:r>
-            <a:r>
-              <a:rPr lang="en-US" sz="7200" dirty="0" err="1">
-                <a:solidFill>
-                  <a:srgbClr val="0000FF"/>
-                </a:solidFill>
-                <a:latin typeface="Comic Sans MS" pitchFamily="66" charset="0"/>
-              </a:rPr>
-              <a:t>B</a:t>
-            </a:r>
-            <a:r>
-              <a:rPr lang="en-US" sz="7200" baseline="-25000" dirty="0" err="1">
-                <a:solidFill>
-                  <a:srgbClr val="0000FF"/>
-                </a:solidFill>
-                <a:latin typeface="Comic Sans MS" pitchFamily="66" charset="0"/>
-              </a:rPr>
-              <a:t>n</a:t>
-            </a:r>
-            <a:r>
-              <a:rPr lang="en-US" sz="7200" dirty="0">
-                <a:latin typeface="Comic Sans MS" pitchFamily="66" charset="0"/>
-              </a:rPr>
-              <a:t> </a:t>
-            </a:r>
-            <a:r>
-              <a:rPr lang="en-US" sz="7200" b="1" dirty="0">
-                <a:latin typeface="Euclid Symbol" charset="2"/>
-                <a:cs typeface="Euclid Symbol" charset="2"/>
-              </a:rPr>
-              <a:t>=</a:t>
-            </a:r>
-            <a:r>
-              <a:rPr lang="en-US" sz="7200" dirty="0">
-                <a:latin typeface="Comic Sans MS" pitchFamily="66" charset="0"/>
-              </a:rPr>
-              <a:t> </a:t>
-            </a:r>
-            <a:r>
-              <a:rPr lang="en-US" sz="7200" dirty="0" err="1">
-                <a:solidFill>
-                  <a:srgbClr val="0000FF"/>
-                </a:solidFill>
-                <a:latin typeface="Comic Sans MS" pitchFamily="66" charset="0"/>
-              </a:rPr>
-              <a:t>H</a:t>
-            </a:r>
-            <a:r>
-              <a:rPr lang="en-US" sz="7200" baseline="-25000" dirty="0" err="1">
-                <a:solidFill>
-                  <a:srgbClr val="0000FF"/>
-                </a:solidFill>
-                <a:latin typeface="Comic Sans MS" pitchFamily="66" charset="0"/>
-              </a:rPr>
-              <a:t>n</a:t>
-            </a:r>
-            <a:r>
-              <a:rPr lang="en-US" sz="7200" dirty="0">
-                <a:solidFill>
-                  <a:srgbClr val="0000FF"/>
-                </a:solidFill>
-                <a:latin typeface="Comic Sans MS" pitchFamily="66" charset="0"/>
-              </a:rPr>
-              <a:t>/2</a:t>
-            </a:r>
-          </a:p>
-        </p:txBody>
-      </p:sp>
-      <p:sp>
-        <p:nvSpPr>
-          <p:cNvPr id="15365" name="Text Box 9"/>
-          <p:cNvSpPr txBox="1">
-            <a:spLocks noChangeArrowheads="1"/>
-          </p:cNvSpPr>
-          <p:nvPr/>
-        </p:nvSpPr>
-        <p:spPr bwMode="auto">
-          <a:xfrm>
-            <a:off x="1981200" y="138113"/>
-            <a:ext cx="4322763" cy="769937"/>
-          </a:xfrm>
-          <a:prstGeom prst="rect">
-            <a:avLst/>
-          </a:prstGeom>
-          <a:noFill/>
-          <a:ln w="9525">
-            <a:noFill/>
-            <a:miter lim="800000"/>
-            <a:headEnd/>
-            <a:tailEnd/>
-          </a:ln>
-        </p:spPr>
-        <p:txBody>
-          <a:bodyPr wrap="none">
-            <a:spAutoFit/>
-          </a:bodyPr>
-          <a:lstStyle/>
-          <a:p>
-            <a:pPr eaLnBrk="0" hangingPunct="0"/>
-            <a:r>
-              <a:rPr lang="en-US" sz="4400" b="1">
-                <a:latin typeface="Comic Sans MS" pitchFamily="66" charset="0"/>
-              </a:rPr>
-              <a:t>Harmonic Sums</a:t>
-            </a:r>
-          </a:p>
-        </p:txBody>
-      </p:sp>
-    </p:spTree>
-    <p:custDataLst>
-      <p:tags r:id="rId2"/>
-    </p:custDataLst>
-  </p:cSld>
-  <p:clrMapOvr>
-    <a:masterClrMapping/>
-  </p:clrMapOvr>
-  <mc:AlternateContent xmlns:mc="http://schemas.openxmlformats.org/markup-compatibility/2006" xmlns:p14="http://schemas.microsoft.com/office/powerpoint/2010/main">
-    <mc:Choice Requires="p14">
-      <p:transition spd="med" p14:dur="700" advTm="33839">
-        <p:fade/>
-      </p:transition>
-    </mc:Choice>
-    <mc:Fallback xmlns="">
-      <p:transition xmlns:p14="http://schemas.microsoft.com/office/powerpoint/2010/main" spd="med" advTm="33839">
-        <p:fade/>
-      </p:transition>
-    </mc:Fallback>
-  </mc:AlternateContent>
+  <p:transition xmlns:p14="http://schemas.microsoft.com/office/powerpoint/2010/main" spd="slow" advClick="0">
+    <p:fade thruBlk="1"/>
+  </p:transition>
   <p:timing>
     <p:tnLst>
       <p:par>
@@ -9044,7 +9171,7 @@
   <p:clrMapOvr>
     <a:masterClrMapping/>
   </p:clrMapOvr>
-  <p:transition xmlns:p14="http://schemas.microsoft.com/office/powerpoint/2010/main" advTm="76485">
+  <p:transition xmlns:p14="http://schemas.microsoft.com/office/powerpoint/2010/main" advClick="0">
     <p:fade thruBlk="1"/>
   </p:transition>
   <p:timing>
@@ -9846,7 +9973,7 @@
           <a:graphicData uri="http://schemas.openxmlformats.org/presentationml/2006/ole">
             <mc:AlternateContent xmlns:mc="http://schemas.openxmlformats.org/markup-compatibility/2006">
               <mc:Choice xmlns:v="urn:schemas-microsoft-com:vml" Requires="v">
-                <p:oleObj spid="_x0000_s102445" name="Equation" r:id="rId5" imgW="1943100" imgH="495300" progId="Equation.DSMT4">
+                <p:oleObj spid="_x0000_s102453" name="Equation" r:id="rId5" imgW="1943100" imgH="495300" progId="Equation.DSMT4">
                   <p:embed/>
                 </p:oleObj>
               </mc:Choice>
@@ -9908,14 +10035,14 @@
   <p:clrMapOvr>
     <a:masterClrMapping/>
   </p:clrMapOvr>
-  <mc:AlternateContent xmlns:mc="http://schemas.openxmlformats.org/markup-compatibility/2006" xmlns:p14="http://schemas.microsoft.com/office/powerpoint/2010/main">
-    <mc:Choice Requires="p14">
-      <p:transition spd="slow" p14:dur="1200" advTm="36412">
+  <mc:AlternateContent xmlns:mc="http://schemas.openxmlformats.org/markup-compatibility/2006">
+    <mc:Choice xmlns:p14="http://schemas.microsoft.com/office/powerpoint/2010/main" Requires="p14">
+      <p:transition spd="slow" p14:dur="1200" advClick="0">
         <p:fade/>
       </p:transition>
     </mc:Choice>
-    <mc:Fallback xmlns="">
-      <p:transition xmlns:p14="http://schemas.microsoft.com/office/powerpoint/2010/main" spd="slow" advTm="36412">
+    <mc:Fallback>
+      <p:transition xmlns:p14="http://schemas.microsoft.com/office/powerpoint/2010/main" spd="slow" advClick="0">
         <p:fade/>
       </p:transition>
     </mc:Fallback>
@@ -10106,7 +10233,7 @@
           <a:graphicData uri="http://schemas.openxmlformats.org/presentationml/2006/ole">
             <mc:AlternateContent xmlns:mc="http://schemas.openxmlformats.org/markup-compatibility/2006">
               <mc:Choice xmlns:v="urn:schemas-microsoft-com:vml" Requires="v">
-                <p:oleObj spid="_x0000_s16425" name="Equation" r:id="rId4" imgW="1651000" imgH="1181100" progId="Equation.3">
+                <p:oleObj spid="_x0000_s16433" name="Equation" r:id="rId4" imgW="1651000" imgH="1181100" progId="Equation.3">
                   <p:embed/>
                 </p:oleObj>
               </mc:Choice>
@@ -10225,12 +10352,12 @@
   </p:clrMapOvr>
   <mc:AlternateContent xmlns:mc="http://schemas.openxmlformats.org/markup-compatibility/2006">
     <mc:Choice xmlns:p14="http://schemas.microsoft.com/office/powerpoint/2010/main" Requires="p14">
-      <p:transition spd="med" p14:dur="700">
+      <p:transition spd="med" p14:dur="700" advClick="0">
         <p:fade/>
       </p:transition>
     </mc:Choice>
     <mc:Fallback>
-      <p:transition xmlns:p14="http://schemas.microsoft.com/office/powerpoint/2010/main" spd="med">
+      <p:transition xmlns:p14="http://schemas.microsoft.com/office/powerpoint/2010/main" spd="med" advClick="0">
         <p:fade/>
       </p:transition>
     </mc:Fallback>
@@ -10363,7 +10490,7 @@
           <a:graphicData uri="http://schemas.openxmlformats.org/presentationml/2006/ole">
             <mc:AlternateContent xmlns:mc="http://schemas.openxmlformats.org/markup-compatibility/2006">
               <mc:Choice xmlns:v="urn:schemas-microsoft-com:vml" Requires="v">
-                <p:oleObj spid="_x0000_s103493" name="Equation" r:id="rId4" imgW="1816100" imgH="495300" progId="Equation.3">
+                <p:oleObj spid="_x0000_s103507" name="Equation" r:id="rId4" imgW="1816100" imgH="495300" progId="Equation.3">
                   <p:embed/>
                 </p:oleObj>
               </mc:Choice>
@@ -10427,7 +10554,7 @@
           <a:graphicData uri="http://schemas.openxmlformats.org/presentationml/2006/ole">
             <mc:AlternateContent xmlns:mc="http://schemas.openxmlformats.org/markup-compatibility/2006">
               <mc:Choice xmlns:v="urn:schemas-microsoft-com:vml" Requires="v">
-                <p:oleObj spid="_x0000_s103494" name="Equation" r:id="rId6" imgW="914400" imgH="469800" progId="Equation.DSMT4">
+                <p:oleObj spid="_x0000_s103508" name="Equation" r:id="rId6" imgW="914400" imgH="469800" progId="Equation.DSMT4">
                   <p:embed/>
                 </p:oleObj>
               </mc:Choice>
@@ -10651,12 +10778,12 @@
   </p:clrMapOvr>
   <mc:AlternateContent xmlns:mc="http://schemas.openxmlformats.org/markup-compatibility/2006">
     <mc:Choice xmlns:p14="http://schemas.microsoft.com/office/powerpoint/2010/main" Requires="p14">
-      <p:transition spd="med" p14:dur="700">
+      <p:transition spd="med" p14:dur="700" advClick="0">
         <p:fade/>
       </p:transition>
     </mc:Choice>
     <mc:Fallback>
-      <p:transition xmlns:p14="http://schemas.microsoft.com/office/powerpoint/2010/main" spd="med">
+      <p:transition xmlns:p14="http://schemas.microsoft.com/office/powerpoint/2010/main" spd="med" advClick="0">
         <p:fade/>
       </p:transition>
     </mc:Fallback>
@@ -11257,14 +11384,14 @@
   <p:clrMapOvr>
     <a:masterClrMapping/>
   </p:clrMapOvr>
-  <mc:AlternateContent xmlns:mc="http://schemas.openxmlformats.org/markup-compatibility/2006" xmlns:p14="http://schemas.microsoft.com/office/powerpoint/2010/main">
-    <mc:Choice Requires="p14">
-      <p:transition spd="med" p14:dur="700" advTm="103837">
+  <mc:AlternateContent xmlns:mc="http://schemas.openxmlformats.org/markup-compatibility/2006">
+    <mc:Choice xmlns:p14="http://schemas.microsoft.com/office/powerpoint/2010/main" Requires="p14">
+      <p:transition spd="med" p14:dur="700" advClick="0">
         <p:fade/>
       </p:transition>
     </mc:Choice>
-    <mc:Fallback xmlns="">
-      <p:transition xmlns:p14="http://schemas.microsoft.com/office/powerpoint/2010/main" spd="med" advTm="103837">
+    <mc:Fallback>
+      <p:transition xmlns:p14="http://schemas.microsoft.com/office/powerpoint/2010/main" spd="med" advClick="0">
         <p:fade/>
       </p:transition>
     </mc:Fallback>
@@ -11589,8 +11716,8 @@
         </p:nvSpPr>
         <p:spPr>
           <a:xfrm>
-            <a:off x="381000" y="1676400"/>
-            <a:ext cx="8382000" cy="3581400"/>
+            <a:off x="533400" y="1676400"/>
+            <a:ext cx="8001000" cy="3657600"/>
           </a:xfrm>
         </p:spPr>
         <p:txBody>
@@ -11599,12 +11726,28 @@
           <a:p>
             <a:pPr eaLnBrk="1" hangingPunct="1"/>
             <a:r>
+              <a:rPr lang="en-US" sz="6000" dirty="0" err="1" smtClean="0">
+                <a:solidFill>
+                  <a:srgbClr val="0000FF"/>
+                </a:solidFill>
+              </a:rPr>
+              <a:t>ln</a:t>
+            </a:r>
+            <a:r>
               <a:rPr lang="en-US" sz="6000" dirty="0" smtClean="0">
                 <a:solidFill>
                   <a:srgbClr val="0000FF"/>
                 </a:solidFill>
               </a:rPr>
-              <a:t>log(n+1)</a:t>
+              <a:t>(</a:t>
+            </a:r>
+            <a:r>
+              <a:rPr lang="en-US" sz="6000" dirty="0" smtClean="0">
+                <a:solidFill>
+                  <a:srgbClr val="0000FF"/>
+                </a:solidFill>
+              </a:rPr>
+              <a:t>n+1)</a:t>
             </a:r>
             <a:r>
               <a:rPr lang="en-US" sz="6000" b="1" dirty="0" smtClean="0">
@@ -11711,14 +11854,14 @@
   <p:clrMapOvr>
     <a:masterClrMapping/>
   </p:clrMapOvr>
-  <mc:AlternateContent xmlns:mc="http://schemas.openxmlformats.org/markup-compatibility/2006" xmlns:p14="http://schemas.microsoft.com/office/powerpoint/2010/main">
-    <mc:Choice Requires="p14">
-      <p:transition spd="med" p14:dur="700" advTm="28551">
+  <mc:AlternateContent xmlns:mc="http://schemas.openxmlformats.org/markup-compatibility/2006">
+    <mc:Choice xmlns:p14="http://schemas.microsoft.com/office/powerpoint/2010/main" Requires="p14">
+      <p:transition spd="med" p14:dur="700" advClick="0">
         <p:fade/>
       </p:transition>
     </mc:Choice>
-    <mc:Fallback xmlns="">
-      <p:transition xmlns:p14="http://schemas.microsoft.com/office/powerpoint/2010/main" spd="med" advTm="28551">
+    <mc:Fallback>
+      <p:transition xmlns:p14="http://schemas.microsoft.com/office/powerpoint/2010/main" spd="med" advClick="0">
         <p:fade/>
       </p:transition>
     </mc:Fallback>
@@ -11975,7 +12118,7 @@
   <p:clrMapOvr>
     <a:masterClrMapping/>
   </p:clrMapOvr>
-  <p:transition xmlns:p14="http://schemas.microsoft.com/office/powerpoint/2010/main" advTm="70397">
+  <p:transition xmlns:p14="http://schemas.microsoft.com/office/powerpoint/2010/main" advClick="0">
     <p:fade/>
   </p:transition>
   <p:timing>
